--- a/misc&Notes/Solution  Architecture.pptx
+++ b/misc&Notes/Solution  Architecture.pptx
@@ -5,7 +5,11 @@
     <p:sldMasterId id="2147483648" r:id="rId1"/>
   </p:sldMasterIdLst>
   <p:sldIdLst>
-    <p:sldId id="256" r:id="rId2"/>
+    <p:sldId id="257" r:id="rId2"/>
+    <p:sldId id="258" r:id="rId3"/>
+    <p:sldId id="259" r:id="rId4"/>
+    <p:sldId id="260" r:id="rId5"/>
+    <p:sldId id="261" r:id="rId6"/>
   </p:sldIdLst>
   <p:sldSz cx="12192000" cy="6858000"/>
   <p:notesSz cx="6858000" cy="9144000"/>
@@ -261,7 +265,7 @@
           <a:p>
             <a:fld id="{62034BF9-2864-F147-A5C4-CBEC520FE1E5}" type="datetimeFigureOut">
               <a:rPr lang="en-US" smtClean="0"/>
-              <a:t>11/12/22</a:t>
+              <a:t>1/6/23</a:t>
             </a:fld>
             <a:endParaRPr lang="en-US"/>
           </a:p>
@@ -461,7 +465,7 @@
           <a:p>
             <a:fld id="{62034BF9-2864-F147-A5C4-CBEC520FE1E5}" type="datetimeFigureOut">
               <a:rPr lang="en-US" smtClean="0"/>
-              <a:t>11/12/22</a:t>
+              <a:t>1/6/23</a:t>
             </a:fld>
             <a:endParaRPr lang="en-US"/>
           </a:p>
@@ -671,7 +675,7 @@
           <a:p>
             <a:fld id="{62034BF9-2864-F147-A5C4-CBEC520FE1E5}" type="datetimeFigureOut">
               <a:rPr lang="en-US" smtClean="0"/>
-              <a:t>11/12/22</a:t>
+              <a:t>1/6/23</a:t>
             </a:fld>
             <a:endParaRPr lang="en-US"/>
           </a:p>
@@ -871,7 +875,7 @@
           <a:p>
             <a:fld id="{62034BF9-2864-F147-A5C4-CBEC520FE1E5}" type="datetimeFigureOut">
               <a:rPr lang="en-US" smtClean="0"/>
-              <a:t>11/12/22</a:t>
+              <a:t>1/6/23</a:t>
             </a:fld>
             <a:endParaRPr lang="en-US"/>
           </a:p>
@@ -1147,7 +1151,7 @@
           <a:p>
             <a:fld id="{62034BF9-2864-F147-A5C4-CBEC520FE1E5}" type="datetimeFigureOut">
               <a:rPr lang="en-US" smtClean="0"/>
-              <a:t>11/12/22</a:t>
+              <a:t>1/6/23</a:t>
             </a:fld>
             <a:endParaRPr lang="en-US"/>
           </a:p>
@@ -1415,7 +1419,7 @@
           <a:p>
             <a:fld id="{62034BF9-2864-F147-A5C4-CBEC520FE1E5}" type="datetimeFigureOut">
               <a:rPr lang="en-US" smtClean="0"/>
-              <a:t>11/12/22</a:t>
+              <a:t>1/6/23</a:t>
             </a:fld>
             <a:endParaRPr lang="en-US"/>
           </a:p>
@@ -1830,7 +1834,7 @@
           <a:p>
             <a:fld id="{62034BF9-2864-F147-A5C4-CBEC520FE1E5}" type="datetimeFigureOut">
               <a:rPr lang="en-US" smtClean="0"/>
-              <a:t>11/12/22</a:t>
+              <a:t>1/6/23</a:t>
             </a:fld>
             <a:endParaRPr lang="en-US"/>
           </a:p>
@@ -1972,7 +1976,7 @@
           <a:p>
             <a:fld id="{62034BF9-2864-F147-A5C4-CBEC520FE1E5}" type="datetimeFigureOut">
               <a:rPr lang="en-US" smtClean="0"/>
-              <a:t>11/12/22</a:t>
+              <a:t>1/6/23</a:t>
             </a:fld>
             <a:endParaRPr lang="en-US"/>
           </a:p>
@@ -2085,7 +2089,7 @@
           <a:p>
             <a:fld id="{62034BF9-2864-F147-A5C4-CBEC520FE1E5}" type="datetimeFigureOut">
               <a:rPr lang="en-US" smtClean="0"/>
-              <a:t>11/12/22</a:t>
+              <a:t>1/6/23</a:t>
             </a:fld>
             <a:endParaRPr lang="en-US"/>
           </a:p>
@@ -2398,7 +2402,7 @@
           <a:p>
             <a:fld id="{62034BF9-2864-F147-A5C4-CBEC520FE1E5}" type="datetimeFigureOut">
               <a:rPr lang="en-US" smtClean="0"/>
-              <a:t>11/12/22</a:t>
+              <a:t>1/6/23</a:t>
             </a:fld>
             <a:endParaRPr lang="en-US"/>
           </a:p>
@@ -2687,7 +2691,7 @@
           <a:p>
             <a:fld id="{62034BF9-2864-F147-A5C4-CBEC520FE1E5}" type="datetimeFigureOut">
               <a:rPr lang="en-US" smtClean="0"/>
-              <a:t>11/12/22</a:t>
+              <a:t>1/6/23</a:t>
             </a:fld>
             <a:endParaRPr lang="en-US"/>
           </a:p>
@@ -2930,7 +2934,7 @@
           <a:p>
             <a:fld id="{62034BF9-2864-F147-A5C4-CBEC520FE1E5}" type="datetimeFigureOut">
               <a:rPr lang="en-US" smtClean="0"/>
-              <a:t>11/12/22</a:t>
+              <a:t>1/6/23</a:t>
             </a:fld>
             <a:endParaRPr lang="en-US"/>
           </a:p>
@@ -3649,8 +3653,8 @@
         </p:nvSpPr>
         <p:spPr>
           <a:xfrm>
-            <a:off x="10573305" y="3506458"/>
-            <a:ext cx="2010937" cy="646331"/>
+            <a:off x="10760066" y="2441157"/>
+            <a:ext cx="2010937" cy="369332"/>
           </a:xfrm>
           <a:prstGeom prst="rect">
             <a:avLst/>
@@ -3665,13 +3669,7 @@
           <a:p>
             <a:r>
               <a:rPr lang="en-US" b="1" dirty="0"/>
-              <a:t>Prescriptions</a:t>
-            </a:r>
-          </a:p>
-          <a:p>
-            <a:r>
-              <a:rPr lang="en-US" b="1" dirty="0"/>
-              <a:t>Database</a:t>
+              <a:t>MongoDB </a:t>
             </a:r>
           </a:p>
         </p:txBody>
@@ -3690,7 +3688,7 @@
         </p:nvSpPr>
         <p:spPr>
           <a:xfrm>
-            <a:off x="6825431" y="1435476"/>
+            <a:off x="6325207" y="1521714"/>
             <a:ext cx="2538760" cy="646331"/>
           </a:xfrm>
           <a:prstGeom prst="rect">
@@ -3706,7 +3704,7 @@
           <a:p>
             <a:r>
               <a:rPr lang="en-US" b="1" dirty="0"/>
-              <a:t>Application</a:t>
+              <a:t>Node Application</a:t>
             </a:r>
           </a:p>
           <a:p>
@@ -3767,7 +3765,7 @@
         </p:nvSpPr>
         <p:spPr>
           <a:xfrm>
-            <a:off x="3619613" y="93482"/>
+            <a:off x="6143925" y="138884"/>
             <a:ext cx="9232281" cy="369332"/>
           </a:xfrm>
           <a:prstGeom prst="rect">
@@ -3795,23 +3793,7 @@
                   <a:srgbClr val="00B050"/>
                 </a:solidFill>
               </a:rPr>
-              <a:t> / </a:t>
-            </a:r>
-            <a:r>
-              <a:rPr lang="en-US" b="1" dirty="0" err="1">
-                <a:solidFill>
-                  <a:srgbClr val="00B050"/>
-                </a:solidFill>
-              </a:rPr>
-              <a:t>MyPharma.ie</a:t>
-            </a:r>
-            <a:r>
-              <a:rPr lang="en-US" b="1" dirty="0">
-                <a:solidFill>
-                  <a:srgbClr val="00B050"/>
-                </a:solidFill>
-              </a:rPr>
-              <a:t> Solution  Architecture</a:t>
+              <a:t> || ePrescriptions - Solution  Architecture</a:t>
             </a:r>
           </a:p>
         </p:txBody>
@@ -4133,13 +4115,7 @@
           <p:cNvGraphicFramePr>
             <a:graphicFrameLocks noGrp="1"/>
           </p:cNvGraphicFramePr>
-          <p:nvPr>
-            <p:extLst>
-              <p:ext uri="{D42A27DB-BD31-4B8C-83A1-F6EECF244321}">
-                <p14:modId xmlns:p14="http://schemas.microsoft.com/office/powerpoint/2010/main" val="3666201264"/>
-              </p:ext>
-            </p:extLst>
-          </p:nvPr>
+          <p:nvPr/>
         </p:nvGraphicFramePr>
         <p:xfrm>
           <a:off x="3920839" y="641675"/>
@@ -4344,10 +4320,478 @@
       </p:graphicFrame>
       <p:sp>
         <p:nvSpPr>
-          <p:cNvPr id="2" name="Can 1">
-            <a:extLst>
-              <a:ext uri="{FF2B5EF4-FFF2-40B4-BE49-F238E27FC236}">
-                <a16:creationId xmlns:a16="http://schemas.microsoft.com/office/drawing/2014/main" id="{FB6038FD-70C2-DFD5-5E56-9CB6C16D541F}"/>
+          <p:cNvPr id="3" name="TextBox 2">
+            <a:extLst>
+              <a:ext uri="{FF2B5EF4-FFF2-40B4-BE49-F238E27FC236}">
+                <a16:creationId xmlns:a16="http://schemas.microsoft.com/office/drawing/2014/main" id="{119205EB-27EB-E1B9-CC24-996BB8EFA52D}"/>
+              </a:ext>
+            </a:extLst>
+          </p:cNvPr>
+          <p:cNvSpPr txBox="1"/>
+          <p:nvPr/>
+        </p:nvSpPr>
+        <p:spPr>
+          <a:xfrm>
+            <a:off x="6959912" y="5980872"/>
+            <a:ext cx="2010937" cy="584775"/>
+          </a:xfrm>
+          <a:prstGeom prst="rect">
+            <a:avLst/>
+          </a:prstGeom>
+          <a:noFill/>
+        </p:spPr>
+        <p:txBody>
+          <a:bodyPr wrap="square" rtlCol="0">
+            <a:spAutoFit/>
+          </a:bodyPr>
+          <a:lstStyle/>
+          <a:p>
+            <a:r>
+              <a:rPr lang="en-US" sz="1400" b="1" dirty="0"/>
+              <a:t>User Directory</a:t>
+            </a:r>
+          </a:p>
+          <a:p>
+            <a:r>
+              <a:rPr lang="en-US" sz="1400" b="1" dirty="0"/>
+              <a:t>(GPs &amp; Pharmacies</a:t>
+            </a:r>
+            <a:r>
+              <a:rPr lang="en-US" b="1" dirty="0"/>
+              <a:t>)</a:t>
+            </a:r>
+          </a:p>
+        </p:txBody>
+      </p:sp>
+      <p:sp>
+        <p:nvSpPr>
+          <p:cNvPr id="27" name="TextBox 26">
+            <a:extLst>
+              <a:ext uri="{FF2B5EF4-FFF2-40B4-BE49-F238E27FC236}">
+                <a16:creationId xmlns:a16="http://schemas.microsoft.com/office/drawing/2014/main" id="{B97E09E7-DCC6-8AEF-BC94-B1F2C67C908E}"/>
+              </a:ext>
+            </a:extLst>
+          </p:cNvPr>
+          <p:cNvSpPr txBox="1"/>
+          <p:nvPr/>
+        </p:nvSpPr>
+        <p:spPr>
+          <a:xfrm>
+            <a:off x="9007448" y="4180084"/>
+            <a:ext cx="1104900" cy="369332"/>
+          </a:xfrm>
+          <a:prstGeom prst="rect">
+            <a:avLst/>
+          </a:prstGeom>
+          <a:noFill/>
+        </p:spPr>
+        <p:txBody>
+          <a:bodyPr wrap="square" rtlCol="0">
+            <a:spAutoFit/>
+          </a:bodyPr>
+          <a:lstStyle/>
+          <a:p>
+            <a:r>
+              <a:rPr lang="en-US" b="1" dirty="0"/>
+              <a:t>Requests</a:t>
+            </a:r>
+          </a:p>
+        </p:txBody>
+      </p:sp>
+      <p:sp>
+        <p:nvSpPr>
+          <p:cNvPr id="28" name="TextBox 27">
+            <a:extLst>
+              <a:ext uri="{FF2B5EF4-FFF2-40B4-BE49-F238E27FC236}">
+                <a16:creationId xmlns:a16="http://schemas.microsoft.com/office/drawing/2014/main" id="{85A1D5D5-F6D2-FF29-F88C-4622AE40C4AD}"/>
+              </a:ext>
+            </a:extLst>
+          </p:cNvPr>
+          <p:cNvSpPr txBox="1"/>
+          <p:nvPr/>
+        </p:nvSpPr>
+        <p:spPr>
+          <a:xfrm>
+            <a:off x="8970849" y="2869803"/>
+            <a:ext cx="1294932" cy="369332"/>
+          </a:xfrm>
+          <a:prstGeom prst="rect">
+            <a:avLst/>
+          </a:prstGeom>
+          <a:noFill/>
+        </p:spPr>
+        <p:txBody>
+          <a:bodyPr wrap="square" rtlCol="0">
+            <a:spAutoFit/>
+          </a:bodyPr>
+          <a:lstStyle/>
+          <a:p>
+            <a:r>
+              <a:rPr lang="en-US" b="1" dirty="0"/>
+              <a:t>Responses</a:t>
+            </a:r>
+          </a:p>
+        </p:txBody>
+      </p:sp>
+      <p:sp>
+        <p:nvSpPr>
+          <p:cNvPr id="38" name="TextBox 37">
+            <a:extLst>
+              <a:ext uri="{FF2B5EF4-FFF2-40B4-BE49-F238E27FC236}">
+                <a16:creationId xmlns:a16="http://schemas.microsoft.com/office/drawing/2014/main" id="{7AA2A3BB-1FAE-E5B4-7602-4A5D76EEB5D0}"/>
+              </a:ext>
+            </a:extLst>
+          </p:cNvPr>
+          <p:cNvSpPr txBox="1"/>
+          <p:nvPr/>
+        </p:nvSpPr>
+        <p:spPr>
+          <a:xfrm>
+            <a:off x="9054625" y="1196012"/>
+            <a:ext cx="1585572" cy="1384995"/>
+          </a:xfrm>
+          <a:prstGeom prst="rect">
+            <a:avLst/>
+          </a:prstGeom>
+          <a:noFill/>
+        </p:spPr>
+        <p:txBody>
+          <a:bodyPr wrap="square" rtlCol="0">
+            <a:spAutoFit/>
+          </a:bodyPr>
+          <a:lstStyle/>
+          <a:p>
+            <a:r>
+              <a:rPr lang="en-US" sz="1400" b="1" dirty="0">
+                <a:solidFill>
+                  <a:srgbClr val="00B050"/>
+                </a:solidFill>
+              </a:rPr>
+              <a:t>JSON  Registration &amp; Authentication Flows</a:t>
+            </a:r>
+          </a:p>
+          <a:p>
+            <a:endParaRPr lang="en-US" sz="1400" b="1" dirty="0">
+              <a:solidFill>
+                <a:srgbClr val="00B050"/>
+              </a:solidFill>
+            </a:endParaRPr>
+          </a:p>
+          <a:p>
+            <a:r>
+              <a:rPr lang="en-US" sz="1400" b="1" dirty="0">
+                <a:solidFill>
+                  <a:srgbClr val="00B050"/>
+                </a:solidFill>
+              </a:rPr>
+              <a:t>&amp;  Prescriptions CRUD</a:t>
+            </a:r>
+          </a:p>
+        </p:txBody>
+      </p:sp>
+      <p:sp>
+        <p:nvSpPr>
+          <p:cNvPr id="39" name="TextBox 38">
+            <a:extLst>
+              <a:ext uri="{FF2B5EF4-FFF2-40B4-BE49-F238E27FC236}">
+                <a16:creationId xmlns:a16="http://schemas.microsoft.com/office/drawing/2014/main" id="{5E84CDD6-B922-DABF-30C3-460CB6FF859D}"/>
+              </a:ext>
+            </a:extLst>
+          </p:cNvPr>
+          <p:cNvSpPr txBox="1"/>
+          <p:nvPr/>
+        </p:nvSpPr>
+        <p:spPr>
+          <a:xfrm>
+            <a:off x="1927755" y="2053668"/>
+            <a:ext cx="2538760" cy="2000548"/>
+          </a:xfrm>
+          <a:prstGeom prst="rect">
+            <a:avLst/>
+          </a:prstGeom>
+          <a:noFill/>
+        </p:spPr>
+        <p:txBody>
+          <a:bodyPr wrap="square" rtlCol="0">
+            <a:spAutoFit/>
+          </a:bodyPr>
+          <a:lstStyle/>
+          <a:p>
+            <a:r>
+              <a:rPr lang="en-US" sz="1600" b="1" dirty="0"/>
+              <a:t>React Application</a:t>
+            </a:r>
+          </a:p>
+          <a:p>
+            <a:pPr marL="285750" indent="-285750">
+              <a:buFont typeface="Arial" panose="020B0604020202020204" pitchFamily="34" charset="0"/>
+              <a:buChar char="•"/>
+            </a:pPr>
+            <a:r>
+              <a:rPr lang="en-US" dirty="0"/>
+              <a:t>Component</a:t>
+            </a:r>
+          </a:p>
+          <a:p>
+            <a:pPr marL="285750" indent="-285750">
+              <a:buFont typeface="Arial" panose="020B0604020202020204" pitchFamily="34" charset="0"/>
+              <a:buChar char="•"/>
+            </a:pPr>
+            <a:r>
+              <a:rPr lang="en-US" dirty="0"/>
+              <a:t>State</a:t>
+            </a:r>
+          </a:p>
+          <a:p>
+            <a:pPr marL="285750" indent="-285750">
+              <a:buFont typeface="Arial" panose="020B0604020202020204" pitchFamily="34" charset="0"/>
+              <a:buChar char="•"/>
+            </a:pPr>
+            <a:r>
+              <a:rPr lang="en-US" dirty="0"/>
+              <a:t>Property</a:t>
+            </a:r>
+          </a:p>
+          <a:p>
+            <a:pPr marL="285750" indent="-285750">
+              <a:buFont typeface="Arial" panose="020B0604020202020204" pitchFamily="34" charset="0"/>
+              <a:buChar char="•"/>
+            </a:pPr>
+            <a:r>
+              <a:rPr lang="en-US" dirty="0"/>
+              <a:t>Action</a:t>
+            </a:r>
+          </a:p>
+          <a:p>
+            <a:pPr marL="285750" indent="-285750">
+              <a:buFont typeface="Arial" panose="020B0604020202020204" pitchFamily="34" charset="0"/>
+              <a:buChar char="•"/>
+            </a:pPr>
+            <a:r>
+              <a:rPr lang="en-US" dirty="0"/>
+              <a:t>Reducer</a:t>
+            </a:r>
+            <a:br>
+              <a:rPr lang="en-US" dirty="0"/>
+            </a:br>
+            <a:endParaRPr lang="en-US" dirty="0"/>
+          </a:p>
+        </p:txBody>
+      </p:sp>
+      <p:sp>
+        <p:nvSpPr>
+          <p:cNvPr id="40" name="TextBox 39">
+            <a:extLst>
+              <a:ext uri="{FF2B5EF4-FFF2-40B4-BE49-F238E27FC236}">
+                <a16:creationId xmlns:a16="http://schemas.microsoft.com/office/drawing/2014/main" id="{4E23B604-1367-20A1-597E-A218053304C6}"/>
+              </a:ext>
+            </a:extLst>
+          </p:cNvPr>
+          <p:cNvSpPr txBox="1"/>
+          <p:nvPr/>
+        </p:nvSpPr>
+        <p:spPr>
+          <a:xfrm>
+            <a:off x="8970849" y="3647023"/>
+            <a:ext cx="1104900" cy="338554"/>
+          </a:xfrm>
+          <a:prstGeom prst="rect">
+            <a:avLst/>
+          </a:prstGeom>
+          <a:noFill/>
+        </p:spPr>
+        <p:txBody>
+          <a:bodyPr wrap="square" rtlCol="0">
+            <a:spAutoFit/>
+          </a:bodyPr>
+          <a:lstStyle/>
+          <a:p>
+            <a:r>
+              <a:rPr lang="en-US" sz="1600" b="1" dirty="0">
+                <a:solidFill>
+                  <a:srgbClr val="00B050"/>
+                </a:solidFill>
+              </a:rPr>
+              <a:t>JSON</a:t>
+            </a:r>
+          </a:p>
+        </p:txBody>
+      </p:sp>
+      <p:pic>
+        <p:nvPicPr>
+          <p:cNvPr id="43" name="Graphic 42" descr="Checkbox Ticked with solid fill">
+            <a:extLst>
+              <a:ext uri="{FF2B5EF4-FFF2-40B4-BE49-F238E27FC236}">
+                <a16:creationId xmlns:a16="http://schemas.microsoft.com/office/drawing/2014/main" id="{960A8085-DB10-8215-C62B-D401BC88125A}"/>
+              </a:ext>
+            </a:extLst>
+          </p:cNvPr>
+          <p:cNvPicPr>
+            <a:picLocks noChangeAspect="1"/>
+          </p:cNvPicPr>
+          <p:nvPr/>
+        </p:nvPicPr>
+        <p:blipFill>
+          <a:blip r:embed="rId2">
+            <a:extLst>
+              <a:ext uri="{96DAC541-7B7A-43D3-8B79-37D633B846F1}">
+                <asvg:svgBlip xmlns:asvg="http://schemas.microsoft.com/office/drawing/2016/SVG/main" r:embed="rId3"/>
+              </a:ext>
+            </a:extLst>
+          </a:blip>
+          <a:stretch>
+            <a:fillRect/>
+          </a:stretch>
+        </p:blipFill>
+        <p:spPr>
+          <a:xfrm>
+            <a:off x="3013044" y="5500276"/>
+            <a:ext cx="780948" cy="780948"/>
+          </a:xfrm>
+          <a:prstGeom prst="rect">
+            <a:avLst/>
+          </a:prstGeom>
+        </p:spPr>
+      </p:pic>
+      <p:sp>
+        <p:nvSpPr>
+          <p:cNvPr id="9" name="TextBox 8">
+            <a:extLst>
+              <a:ext uri="{FF2B5EF4-FFF2-40B4-BE49-F238E27FC236}">
+                <a16:creationId xmlns:a16="http://schemas.microsoft.com/office/drawing/2014/main" id="{E9ADE9DC-47EF-B73A-DC38-5239CBA18E43}"/>
+              </a:ext>
+            </a:extLst>
+          </p:cNvPr>
+          <p:cNvSpPr txBox="1"/>
+          <p:nvPr/>
+        </p:nvSpPr>
+        <p:spPr>
+          <a:xfrm>
+            <a:off x="10518705" y="3102866"/>
+            <a:ext cx="2010937" cy="1077218"/>
+          </a:xfrm>
+          <a:prstGeom prst="rect">
+            <a:avLst/>
+          </a:prstGeom>
+          <a:noFill/>
+        </p:spPr>
+        <p:txBody>
+          <a:bodyPr wrap="square" rtlCol="0">
+            <a:spAutoFit/>
+          </a:bodyPr>
+          <a:lstStyle/>
+          <a:p>
+            <a:r>
+              <a:rPr lang="en-US" sz="1600" b="1" dirty="0"/>
+              <a:t>Collections:</a:t>
+            </a:r>
+          </a:p>
+          <a:p>
+            <a:pPr marL="285750" indent="-285750">
+              <a:buFont typeface="Arial" panose="020B0604020202020204" pitchFamily="34" charset="0"/>
+              <a:buChar char="•"/>
+            </a:pPr>
+            <a:r>
+              <a:rPr lang="en-US" sz="1600" b="1" dirty="0"/>
+              <a:t>Surgeries</a:t>
+            </a:r>
+          </a:p>
+          <a:p>
+            <a:pPr marL="285750" indent="-285750">
+              <a:buFont typeface="Arial" panose="020B0604020202020204" pitchFamily="34" charset="0"/>
+              <a:buChar char="•"/>
+            </a:pPr>
+            <a:r>
+              <a:rPr lang="en-US" sz="1600" b="1" dirty="0"/>
+              <a:t>Pharmacies</a:t>
+            </a:r>
+          </a:p>
+          <a:p>
+            <a:pPr marL="285750" indent="-285750">
+              <a:buFont typeface="Arial" panose="020B0604020202020204" pitchFamily="34" charset="0"/>
+              <a:buChar char="•"/>
+            </a:pPr>
+            <a:r>
+              <a:rPr lang="en-US" sz="1600" b="1" dirty="0"/>
+              <a:t>Prescriptions</a:t>
+            </a:r>
+          </a:p>
+        </p:txBody>
+      </p:sp>
+      <p:pic>
+        <p:nvPicPr>
+          <p:cNvPr id="14" name="Picture 13" descr="Logo&#10;&#10;Description automatically generated">
+            <a:extLst>
+              <a:ext uri="{FF2B5EF4-FFF2-40B4-BE49-F238E27FC236}">
+                <a16:creationId xmlns:a16="http://schemas.microsoft.com/office/drawing/2014/main" id="{FDED939B-1C1C-0907-0148-EB03C0D60C4D}"/>
+              </a:ext>
+            </a:extLst>
+          </p:cNvPr>
+          <p:cNvPicPr>
+            <a:picLocks noChangeAspect="1"/>
+          </p:cNvPicPr>
+          <p:nvPr/>
+        </p:nvPicPr>
+        <p:blipFill>
+          <a:blip r:embed="rId4"/>
+          <a:stretch>
+            <a:fillRect/>
+          </a:stretch>
+        </p:blipFill>
+        <p:spPr>
+          <a:xfrm>
+            <a:off x="51399" y="170380"/>
+            <a:ext cx="3937000" cy="762000"/>
+          </a:xfrm>
+          <a:prstGeom prst="rect">
+            <a:avLst/>
+          </a:prstGeom>
+        </p:spPr>
+      </p:pic>
+    </p:spTree>
+    <p:extLst>
+      <p:ext uri="{BB962C8B-B14F-4D97-AF65-F5344CB8AC3E}">
+        <p14:creationId xmlns:p14="http://schemas.microsoft.com/office/powerpoint/2010/main" val="3214182865"/>
+      </p:ext>
+    </p:extLst>
+  </p:cSld>
+  <p:clrMapOvr>
+    <a:masterClrMapping/>
+  </p:clrMapOvr>
+</p:sld>
+</file>
+
+<file path=ppt/slides/slide2.xml><?xml version="1.0" encoding="utf-8"?>
+<p:sld xmlns:a="http://schemas.openxmlformats.org/drawingml/2006/main" xmlns:r="http://schemas.openxmlformats.org/officeDocument/2006/relationships" xmlns:p="http://schemas.openxmlformats.org/presentationml/2006/main">
+  <p:cSld>
+    <p:bg>
+      <p:bgPr>
+        <a:solidFill>
+          <a:schemeClr val="tx1"/>
+        </a:solidFill>
+        <a:effectLst/>
+      </p:bgPr>
+    </p:bg>
+    <p:spTree>
+      <p:nvGrpSpPr>
+        <p:cNvPr id="1" name=""/>
+        <p:cNvGrpSpPr/>
+        <p:nvPr/>
+      </p:nvGrpSpPr>
+      <p:grpSpPr>
+        <a:xfrm>
+          <a:off x="0" y="0"/>
+          <a:ext cx="0" cy="0"/>
+          <a:chOff x="0" y="0"/>
+          <a:chExt cx="0" cy="0"/>
+        </a:xfrm>
+      </p:grpSpPr>
+      <p:sp>
+        <p:nvSpPr>
+          <p:cNvPr id="4" name="Can 3">
+            <a:extLst>
+              <a:ext uri="{FF2B5EF4-FFF2-40B4-BE49-F238E27FC236}">
+                <a16:creationId xmlns:a16="http://schemas.microsoft.com/office/drawing/2014/main" id="{C3E2D3DC-93BE-DAF6-A663-FF6AA67AA597}"/>
               </a:ext>
             </a:extLst>
           </p:cNvPr>
@@ -4356,8 +4800,8 @@
         </p:nvSpPr>
         <p:spPr>
           <a:xfrm>
-            <a:off x="6909832" y="5462558"/>
-            <a:ext cx="1730938" cy="1343123"/>
+            <a:off x="10537290" y="2390880"/>
+            <a:ext cx="1516566" cy="2319453"/>
           </a:xfrm>
           <a:prstGeom prst="can">
             <a:avLst/>
@@ -4393,125 +4837,10 @@
       </p:sp>
       <p:sp>
         <p:nvSpPr>
-          <p:cNvPr id="3" name="TextBox 2">
-            <a:extLst>
-              <a:ext uri="{FF2B5EF4-FFF2-40B4-BE49-F238E27FC236}">
-                <a16:creationId xmlns:a16="http://schemas.microsoft.com/office/drawing/2014/main" id="{119205EB-27EB-E1B9-CC24-996BB8EFA52D}"/>
-              </a:ext>
-            </a:extLst>
-          </p:cNvPr>
-          <p:cNvSpPr txBox="1"/>
-          <p:nvPr/>
-        </p:nvSpPr>
-        <p:spPr>
-          <a:xfrm>
-            <a:off x="6959912" y="5980872"/>
-            <a:ext cx="2010937" cy="584775"/>
-          </a:xfrm>
-          <a:prstGeom prst="rect">
-            <a:avLst/>
-          </a:prstGeom>
-          <a:noFill/>
-        </p:spPr>
-        <p:txBody>
-          <a:bodyPr wrap="square" rtlCol="0">
-            <a:spAutoFit/>
-          </a:bodyPr>
-          <a:lstStyle/>
-          <a:p>
-            <a:r>
-              <a:rPr lang="en-US" sz="1400" b="1" dirty="0"/>
-              <a:t>User Directory</a:t>
-            </a:r>
-          </a:p>
-          <a:p>
-            <a:r>
-              <a:rPr lang="en-US" sz="1400" b="1" dirty="0"/>
-              <a:t>(GPs &amp; Pharmacies</a:t>
-            </a:r>
-            <a:r>
-              <a:rPr lang="en-US" b="1" dirty="0"/>
-              <a:t>)</a:t>
-            </a:r>
-          </a:p>
-        </p:txBody>
-      </p:sp>
-      <p:sp>
-        <p:nvSpPr>
-          <p:cNvPr id="27" name="TextBox 26">
-            <a:extLst>
-              <a:ext uri="{FF2B5EF4-FFF2-40B4-BE49-F238E27FC236}">
-                <a16:creationId xmlns:a16="http://schemas.microsoft.com/office/drawing/2014/main" id="{B97E09E7-DCC6-8AEF-BC94-B1F2C67C908E}"/>
-              </a:ext>
-            </a:extLst>
-          </p:cNvPr>
-          <p:cNvSpPr txBox="1"/>
-          <p:nvPr/>
-        </p:nvSpPr>
-        <p:spPr>
-          <a:xfrm>
-            <a:off x="9007448" y="4180084"/>
-            <a:ext cx="1104900" cy="369332"/>
-          </a:xfrm>
-          <a:prstGeom prst="rect">
-            <a:avLst/>
-          </a:prstGeom>
-          <a:noFill/>
-        </p:spPr>
-        <p:txBody>
-          <a:bodyPr wrap="square" rtlCol="0">
-            <a:spAutoFit/>
-          </a:bodyPr>
-          <a:lstStyle/>
-          <a:p>
-            <a:r>
-              <a:rPr lang="en-US" b="1" dirty="0"/>
-              <a:t>Requests</a:t>
-            </a:r>
-          </a:p>
-        </p:txBody>
-      </p:sp>
-      <p:sp>
-        <p:nvSpPr>
-          <p:cNvPr id="28" name="TextBox 27">
-            <a:extLst>
-              <a:ext uri="{FF2B5EF4-FFF2-40B4-BE49-F238E27FC236}">
-                <a16:creationId xmlns:a16="http://schemas.microsoft.com/office/drawing/2014/main" id="{85A1D5D5-F6D2-FF29-F88C-4622AE40C4AD}"/>
-              </a:ext>
-            </a:extLst>
-          </p:cNvPr>
-          <p:cNvSpPr txBox="1"/>
-          <p:nvPr/>
-        </p:nvSpPr>
-        <p:spPr>
-          <a:xfrm>
-            <a:off x="8970849" y="2869803"/>
-            <a:ext cx="1294932" cy="369332"/>
-          </a:xfrm>
-          <a:prstGeom prst="rect">
-            <a:avLst/>
-          </a:prstGeom>
-          <a:noFill/>
-        </p:spPr>
-        <p:txBody>
-          <a:bodyPr wrap="square" rtlCol="0">
-            <a:spAutoFit/>
-          </a:bodyPr>
-          <a:lstStyle/>
-          <a:p>
-            <a:r>
-              <a:rPr lang="en-US" b="1" dirty="0"/>
-              <a:t>Responses</a:t>
-            </a:r>
-          </a:p>
-        </p:txBody>
-      </p:sp>
-      <p:sp>
-        <p:nvSpPr>
-          <p:cNvPr id="33" name="Down Arrow 32">
-            <a:extLst>
-              <a:ext uri="{FF2B5EF4-FFF2-40B4-BE49-F238E27FC236}">
-                <a16:creationId xmlns:a16="http://schemas.microsoft.com/office/drawing/2014/main" id="{0B4EFE36-8213-6FB5-D3D7-246E1355AA05}"/>
+          <p:cNvPr id="5" name="Rectangle 4">
+            <a:extLst>
+              <a:ext uri="{FF2B5EF4-FFF2-40B4-BE49-F238E27FC236}">
+                <a16:creationId xmlns:a16="http://schemas.microsoft.com/office/drawing/2014/main" id="{14FB254B-89DF-5CAB-BDDB-8436A9A723D4}"/>
               </a:ext>
             </a:extLst>
           </p:cNvPr>
@@ -4520,10 +4849,10 @@
         </p:nvSpPr>
         <p:spPr>
           <a:xfrm>
-            <a:off x="7146594" y="4777563"/>
-            <a:ext cx="447830" cy="594522"/>
-          </a:xfrm>
-          <a:prstGeom prst="downArrow">
+            <a:off x="1904275" y="1940312"/>
+            <a:ext cx="1670338" cy="2102712"/>
+          </a:xfrm>
+          <a:prstGeom prst="rect">
             <a:avLst/>
           </a:prstGeom>
           <a:solidFill>
@@ -4557,10 +4886,10 @@
       </p:sp>
       <p:sp>
         <p:nvSpPr>
-          <p:cNvPr id="37" name="Down Arrow 36">
-            <a:extLst>
-              <a:ext uri="{FF2B5EF4-FFF2-40B4-BE49-F238E27FC236}">
-                <a16:creationId xmlns:a16="http://schemas.microsoft.com/office/drawing/2014/main" id="{CBE44578-BCC0-9A46-9658-14121824B8E9}"/>
+          <p:cNvPr id="6" name="Rectangle 5">
+            <a:extLst>
+              <a:ext uri="{FF2B5EF4-FFF2-40B4-BE49-F238E27FC236}">
+                <a16:creationId xmlns:a16="http://schemas.microsoft.com/office/drawing/2014/main" id="{B440765D-F814-FE05-9547-A23A57B284B1}"/>
               </a:ext>
             </a:extLst>
           </p:cNvPr>
@@ -4568,11 +4897,11 @@
           <p:nvPr/>
         </p:nvSpPr>
         <p:spPr>
-          <a:xfrm rot="10800000">
-            <a:off x="7847985" y="4777563"/>
-            <a:ext cx="447830" cy="594522"/>
-          </a:xfrm>
-          <a:prstGeom prst="downArrow">
+          <a:xfrm>
+            <a:off x="5873279" y="953811"/>
+            <a:ext cx="3021980" cy="3713357"/>
+          </a:xfrm>
+          <a:prstGeom prst="rect">
             <a:avLst/>
           </a:prstGeom>
           <a:solidFill>
@@ -4606,126 +4935,10 @@
       </p:sp>
       <p:sp>
         <p:nvSpPr>
-          <p:cNvPr id="38" name="TextBox 37">
-            <a:extLst>
-              <a:ext uri="{FF2B5EF4-FFF2-40B4-BE49-F238E27FC236}">
-                <a16:creationId xmlns:a16="http://schemas.microsoft.com/office/drawing/2014/main" id="{7AA2A3BB-1FAE-E5B4-7602-4A5D76EEB5D0}"/>
-              </a:ext>
-            </a:extLst>
-          </p:cNvPr>
-          <p:cNvSpPr txBox="1"/>
-          <p:nvPr/>
-        </p:nvSpPr>
-        <p:spPr>
-          <a:xfrm>
-            <a:off x="8716360" y="5674356"/>
-            <a:ext cx="1585572" cy="738664"/>
-          </a:xfrm>
-          <a:prstGeom prst="rect">
-            <a:avLst/>
-          </a:prstGeom>
-          <a:noFill/>
-        </p:spPr>
-        <p:txBody>
-          <a:bodyPr wrap="square" rtlCol="0">
-            <a:spAutoFit/>
-          </a:bodyPr>
-          <a:lstStyle/>
-          <a:p>
-            <a:r>
-              <a:rPr lang="en-US" sz="1400" b="1" dirty="0">
-                <a:solidFill>
-                  <a:srgbClr val="00B050"/>
-                </a:solidFill>
-              </a:rPr>
-              <a:t>JSON  Registration &amp; Authentication Flows</a:t>
-            </a:r>
-          </a:p>
-        </p:txBody>
-      </p:sp>
-      <p:sp>
-        <p:nvSpPr>
-          <p:cNvPr id="39" name="TextBox 38">
-            <a:extLst>
-              <a:ext uri="{FF2B5EF4-FFF2-40B4-BE49-F238E27FC236}">
-                <a16:creationId xmlns:a16="http://schemas.microsoft.com/office/drawing/2014/main" id="{5E84CDD6-B922-DABF-30C3-460CB6FF859D}"/>
-              </a:ext>
-            </a:extLst>
-          </p:cNvPr>
-          <p:cNvSpPr txBox="1"/>
-          <p:nvPr/>
-        </p:nvSpPr>
-        <p:spPr>
-          <a:xfrm>
-            <a:off x="2028922" y="2742595"/>
-            <a:ext cx="2538760" cy="646331"/>
-          </a:xfrm>
-          <a:prstGeom prst="rect">
-            <a:avLst/>
-          </a:prstGeom>
-          <a:noFill/>
-        </p:spPr>
-        <p:txBody>
-          <a:bodyPr wrap="square" rtlCol="0">
-            <a:spAutoFit/>
-          </a:bodyPr>
-          <a:lstStyle/>
-          <a:p>
-            <a:r>
-              <a:rPr lang="en-US" b="1" dirty="0"/>
-              <a:t>Web Portal</a:t>
-            </a:r>
-          </a:p>
-          <a:p>
-            <a:endParaRPr lang="en-US" dirty="0"/>
-          </a:p>
-        </p:txBody>
-      </p:sp>
-      <p:sp>
-        <p:nvSpPr>
-          <p:cNvPr id="40" name="TextBox 39">
-            <a:extLst>
-              <a:ext uri="{FF2B5EF4-FFF2-40B4-BE49-F238E27FC236}">
-                <a16:creationId xmlns:a16="http://schemas.microsoft.com/office/drawing/2014/main" id="{4E23B604-1367-20A1-597E-A218053304C6}"/>
-              </a:ext>
-            </a:extLst>
-          </p:cNvPr>
-          <p:cNvSpPr txBox="1"/>
-          <p:nvPr/>
-        </p:nvSpPr>
-        <p:spPr>
-          <a:xfrm>
-            <a:off x="8970849" y="3647023"/>
-            <a:ext cx="1104900" cy="338554"/>
-          </a:xfrm>
-          <a:prstGeom prst="rect">
-            <a:avLst/>
-          </a:prstGeom>
-          <a:noFill/>
-        </p:spPr>
-        <p:txBody>
-          <a:bodyPr wrap="square" rtlCol="0">
-            <a:spAutoFit/>
-          </a:bodyPr>
-          <a:lstStyle/>
-          <a:p>
-            <a:r>
-              <a:rPr lang="en-US" sz="1600" b="1" dirty="0">
-                <a:solidFill>
-                  <a:srgbClr val="00B050"/>
-                </a:solidFill>
-              </a:rPr>
-              <a:t>JSON</a:t>
-            </a:r>
-          </a:p>
-        </p:txBody>
-      </p:sp>
-      <p:sp>
-        <p:nvSpPr>
-          <p:cNvPr id="41" name="Merge 40">
-            <a:extLst>
-              <a:ext uri="{FF2B5EF4-FFF2-40B4-BE49-F238E27FC236}">
-                <a16:creationId xmlns:a16="http://schemas.microsoft.com/office/drawing/2014/main" id="{C9BF4D56-E610-A1F0-B06E-80AAA4E7D68D}"/>
+          <p:cNvPr id="7" name="Rectangle 6">
+            <a:extLst>
+              <a:ext uri="{FF2B5EF4-FFF2-40B4-BE49-F238E27FC236}">
+                <a16:creationId xmlns:a16="http://schemas.microsoft.com/office/drawing/2014/main" id="{BB39670E-AAA8-9E58-0E5D-01F95512FECE}"/>
               </a:ext>
             </a:extLst>
           </p:cNvPr>
@@ -4734,14 +4947,14 @@
         </p:nvSpPr>
         <p:spPr>
           <a:xfrm>
-            <a:off x="2263698" y="4930134"/>
-            <a:ext cx="2279640" cy="1749445"/>
-          </a:xfrm>
-          <a:prstGeom prst="flowChartMerge">
+            <a:off x="6442572" y="2735948"/>
+            <a:ext cx="1888274" cy="1532364"/>
+          </a:xfrm>
+          <a:prstGeom prst="rect">
             <a:avLst/>
           </a:prstGeom>
           <a:solidFill>
-            <a:srgbClr val="00B050"/>
+            <a:schemeClr val="tx1"/>
           </a:solidFill>
         </p:spPr>
         <p:style>
@@ -4769,48 +4982,12 @@
           </a:p>
         </p:txBody>
       </p:sp>
-      <p:pic>
-        <p:nvPicPr>
-          <p:cNvPr id="43" name="Graphic 42" descr="Checkbox Ticked with solid fill">
-            <a:extLst>
-              <a:ext uri="{FF2B5EF4-FFF2-40B4-BE49-F238E27FC236}">
-                <a16:creationId xmlns:a16="http://schemas.microsoft.com/office/drawing/2014/main" id="{960A8085-DB10-8215-C62B-D401BC88125A}"/>
-              </a:ext>
-            </a:extLst>
-          </p:cNvPr>
-          <p:cNvPicPr>
-            <a:picLocks noChangeAspect="1"/>
-          </p:cNvPicPr>
-          <p:nvPr/>
-        </p:nvPicPr>
-        <p:blipFill>
-          <a:blip r:embed="rId2">
-            <a:extLst>
-              <a:ext uri="{96DAC541-7B7A-43D3-8B79-37D633B846F1}">
-                <asvg:svgBlip xmlns:asvg="http://schemas.microsoft.com/office/drawing/2016/SVG/main" r:embed="rId3"/>
-              </a:ext>
-            </a:extLst>
-          </a:blip>
-          <a:stretch>
-            <a:fillRect/>
-          </a:stretch>
-        </p:blipFill>
-        <p:spPr>
-          <a:xfrm>
-            <a:off x="3013044" y="5500276"/>
-            <a:ext cx="780948" cy="780948"/>
-          </a:xfrm>
-          <a:prstGeom prst="rect">
-            <a:avLst/>
-          </a:prstGeom>
-        </p:spPr>
-      </p:pic>
-      <p:sp>
-        <p:nvSpPr>
-          <p:cNvPr id="44" name="TextBox 43">
-            <a:extLst>
-              <a:ext uri="{FF2B5EF4-FFF2-40B4-BE49-F238E27FC236}">
-                <a16:creationId xmlns:a16="http://schemas.microsoft.com/office/drawing/2014/main" id="{135F672F-5817-C006-A25E-A8285EF6F5D8}"/>
+      <p:sp>
+        <p:nvSpPr>
+          <p:cNvPr id="8" name="TextBox 7">
+            <a:extLst>
+              <a:ext uri="{FF2B5EF4-FFF2-40B4-BE49-F238E27FC236}">
+                <a16:creationId xmlns:a16="http://schemas.microsoft.com/office/drawing/2014/main" id="{8D8A5C2A-6200-30CE-3501-0269097F8555}"/>
               </a:ext>
             </a:extLst>
           </p:cNvPr>
@@ -4819,8 +4996,8 @@
         </p:nvSpPr>
         <p:spPr>
           <a:xfrm>
-            <a:off x="2500003" y="4995605"/>
-            <a:ext cx="2538760" cy="784830"/>
+            <a:off x="6721351" y="2796789"/>
+            <a:ext cx="2010937" cy="646331"/>
           </a:xfrm>
           <a:prstGeom prst="rect">
             <a:avLst/>
@@ -4834,20 +5011,12 @@
           <a:lstStyle/>
           <a:p>
             <a:r>
-              <a:rPr lang="en-US" sz="900" b="1" dirty="0"/>
-              <a:t>Validator: Irish Medical Council </a:t>
-            </a:r>
-          </a:p>
-          <a:p>
-            <a:r>
-              <a:rPr lang="en-US" sz="900" b="1" dirty="0"/>
-              <a:t>                           &amp; </a:t>
-            </a:r>
-          </a:p>
-          <a:p>
-            <a:r>
-              <a:rPr lang="en-US" sz="900" b="1" dirty="0"/>
-              <a:t>Pharma Society  of Ireland</a:t>
+              <a:rPr lang="en-US" dirty="0">
+                <a:solidFill>
+                  <a:srgbClr val="00B050"/>
+                </a:solidFill>
+              </a:rPr>
+              <a:t>Web Server</a:t>
             </a:r>
           </a:p>
           <a:p>
@@ -4857,10 +5026,211 @@
       </p:sp>
       <p:sp>
         <p:nvSpPr>
-          <p:cNvPr id="45" name="Down Arrow 44">
-            <a:extLst>
-              <a:ext uri="{FF2B5EF4-FFF2-40B4-BE49-F238E27FC236}">
-                <a16:creationId xmlns:a16="http://schemas.microsoft.com/office/drawing/2014/main" id="{48DD1D42-B860-6C4C-CD27-DB2656634344}"/>
+          <p:cNvPr id="10" name="TextBox 9">
+            <a:extLst>
+              <a:ext uri="{FF2B5EF4-FFF2-40B4-BE49-F238E27FC236}">
+                <a16:creationId xmlns:a16="http://schemas.microsoft.com/office/drawing/2014/main" id="{28AC2C9D-79FE-C34B-657B-ECECA786E208}"/>
+              </a:ext>
+            </a:extLst>
+          </p:cNvPr>
+          <p:cNvSpPr txBox="1"/>
+          <p:nvPr/>
+        </p:nvSpPr>
+        <p:spPr>
+          <a:xfrm>
+            <a:off x="6721352" y="3621981"/>
+            <a:ext cx="2010937" cy="646331"/>
+          </a:xfrm>
+          <a:prstGeom prst="rect">
+            <a:avLst/>
+          </a:prstGeom>
+          <a:noFill/>
+        </p:spPr>
+        <p:txBody>
+          <a:bodyPr wrap="square" rtlCol="0">
+            <a:spAutoFit/>
+          </a:bodyPr>
+          <a:lstStyle/>
+          <a:p>
+            <a:r>
+              <a:rPr lang="en-US" dirty="0">
+                <a:solidFill>
+                  <a:srgbClr val="00B050"/>
+                </a:solidFill>
+              </a:rPr>
+              <a:t>REST APIs</a:t>
+            </a:r>
+          </a:p>
+          <a:p>
+            <a:endParaRPr lang="en-US" dirty="0"/>
+          </a:p>
+        </p:txBody>
+      </p:sp>
+      <p:sp>
+        <p:nvSpPr>
+          <p:cNvPr id="11" name="TextBox 10">
+            <a:extLst>
+              <a:ext uri="{FF2B5EF4-FFF2-40B4-BE49-F238E27FC236}">
+                <a16:creationId xmlns:a16="http://schemas.microsoft.com/office/drawing/2014/main" id="{87C55BE0-F0B6-3524-1147-D4E7293A093B}"/>
+              </a:ext>
+            </a:extLst>
+          </p:cNvPr>
+          <p:cNvSpPr txBox="1"/>
+          <p:nvPr/>
+        </p:nvSpPr>
+        <p:spPr>
+          <a:xfrm>
+            <a:off x="10760066" y="2441157"/>
+            <a:ext cx="2010937" cy="369332"/>
+          </a:xfrm>
+          <a:prstGeom prst="rect">
+            <a:avLst/>
+          </a:prstGeom>
+          <a:noFill/>
+        </p:spPr>
+        <p:txBody>
+          <a:bodyPr wrap="square" rtlCol="0">
+            <a:spAutoFit/>
+          </a:bodyPr>
+          <a:lstStyle/>
+          <a:p>
+            <a:r>
+              <a:rPr lang="en-US" b="1" dirty="0"/>
+              <a:t>MongoDB </a:t>
+            </a:r>
+          </a:p>
+        </p:txBody>
+      </p:sp>
+      <p:sp>
+        <p:nvSpPr>
+          <p:cNvPr id="12" name="TextBox 11">
+            <a:extLst>
+              <a:ext uri="{FF2B5EF4-FFF2-40B4-BE49-F238E27FC236}">
+                <a16:creationId xmlns:a16="http://schemas.microsoft.com/office/drawing/2014/main" id="{F5716669-0261-E53C-2CD8-4D38316906B9}"/>
+              </a:ext>
+            </a:extLst>
+          </p:cNvPr>
+          <p:cNvSpPr txBox="1"/>
+          <p:nvPr/>
+        </p:nvSpPr>
+        <p:spPr>
+          <a:xfrm>
+            <a:off x="6325207" y="1521714"/>
+            <a:ext cx="2538760" cy="646331"/>
+          </a:xfrm>
+          <a:prstGeom prst="rect">
+            <a:avLst/>
+          </a:prstGeom>
+          <a:noFill/>
+        </p:spPr>
+        <p:txBody>
+          <a:bodyPr wrap="square" rtlCol="0">
+            <a:spAutoFit/>
+          </a:bodyPr>
+          <a:lstStyle/>
+          <a:p>
+            <a:r>
+              <a:rPr lang="en-US" b="1" dirty="0"/>
+              <a:t>Node Application</a:t>
+            </a:r>
+          </a:p>
+          <a:p>
+            <a:endParaRPr lang="en-US" dirty="0"/>
+          </a:p>
+        </p:txBody>
+      </p:sp>
+      <p:sp>
+        <p:nvSpPr>
+          <p:cNvPr id="18" name="TextBox 17">
+            <a:extLst>
+              <a:ext uri="{FF2B5EF4-FFF2-40B4-BE49-F238E27FC236}">
+                <a16:creationId xmlns:a16="http://schemas.microsoft.com/office/drawing/2014/main" id="{2A308433-6B45-9ACA-D50C-B9952BAF0485}"/>
+              </a:ext>
+            </a:extLst>
+          </p:cNvPr>
+          <p:cNvSpPr txBox="1"/>
+          <p:nvPr/>
+        </p:nvSpPr>
+        <p:spPr>
+          <a:xfrm>
+            <a:off x="2483002" y="2235381"/>
+            <a:ext cx="2010937" cy="369332"/>
+          </a:xfrm>
+          <a:prstGeom prst="rect">
+            <a:avLst/>
+          </a:prstGeom>
+          <a:noFill/>
+        </p:spPr>
+        <p:txBody>
+          <a:bodyPr wrap="square" rtlCol="0">
+            <a:spAutoFit/>
+          </a:bodyPr>
+          <a:lstStyle/>
+          <a:p>
+            <a:r>
+              <a:rPr lang="en-US" dirty="0">
+                <a:solidFill>
+                  <a:srgbClr val="00B050"/>
+                </a:solidFill>
+              </a:rPr>
+              <a:t>Windows</a:t>
+            </a:r>
+          </a:p>
+        </p:txBody>
+      </p:sp>
+      <p:sp>
+        <p:nvSpPr>
+          <p:cNvPr id="25" name="TextBox 24">
+            <a:extLst>
+              <a:ext uri="{FF2B5EF4-FFF2-40B4-BE49-F238E27FC236}">
+                <a16:creationId xmlns:a16="http://schemas.microsoft.com/office/drawing/2014/main" id="{49AB3C59-7E2A-637A-59BD-61EED242BC55}"/>
+              </a:ext>
+            </a:extLst>
+          </p:cNvPr>
+          <p:cNvSpPr txBox="1"/>
+          <p:nvPr/>
+        </p:nvSpPr>
+        <p:spPr>
+          <a:xfrm>
+            <a:off x="6679432" y="213305"/>
+            <a:ext cx="9232281" cy="369332"/>
+          </a:xfrm>
+          <a:prstGeom prst="rect">
+            <a:avLst/>
+          </a:prstGeom>
+          <a:noFill/>
+        </p:spPr>
+        <p:txBody>
+          <a:bodyPr wrap="square" rtlCol="0">
+            <a:spAutoFit/>
+          </a:bodyPr>
+          <a:lstStyle/>
+          <a:p>
+            <a:r>
+              <a:rPr lang="en-US" b="1" dirty="0" err="1">
+                <a:solidFill>
+                  <a:srgbClr val="00B050"/>
+                </a:solidFill>
+              </a:rPr>
+              <a:t>thÉireP</a:t>
+            </a:r>
+            <a:r>
+              <a:rPr lang="en-US" b="1" dirty="0">
+                <a:solidFill>
+                  <a:srgbClr val="00B050"/>
+                </a:solidFill>
+              </a:rPr>
+              <a:t> || ePrescriptions – Backend Data Structure</a:t>
+            </a:r>
+          </a:p>
+        </p:txBody>
+      </p:sp>
+      <p:sp>
+        <p:nvSpPr>
+          <p:cNvPr id="26" name="Down Arrow 25">
+            <a:extLst>
+              <a:ext uri="{FF2B5EF4-FFF2-40B4-BE49-F238E27FC236}">
+                <a16:creationId xmlns:a16="http://schemas.microsoft.com/office/drawing/2014/main" id="{A8347D80-4785-A2B4-2EBA-E4A83D5FD661}"/>
               </a:ext>
             </a:extLst>
           </p:cNvPr>
@@ -4868,9 +5238,9 @@
           <p:nvPr/>
         </p:nvSpPr>
         <p:spPr>
-          <a:xfrm rot="2918574">
-            <a:off x="4733414" y="4169437"/>
-            <a:ext cx="712946" cy="973616"/>
+          <a:xfrm rot="16200000">
+            <a:off x="4474864" y="2292089"/>
+            <a:ext cx="1007150" cy="1365257"/>
           </a:xfrm>
           <a:prstGeom prst="downArrow">
             <a:avLst/>
@@ -4906,10 +5276,10 @@
       </p:sp>
       <p:sp>
         <p:nvSpPr>
-          <p:cNvPr id="48" name="Down Arrow 47">
-            <a:extLst>
-              <a:ext uri="{FF2B5EF4-FFF2-40B4-BE49-F238E27FC236}">
-                <a16:creationId xmlns:a16="http://schemas.microsoft.com/office/drawing/2014/main" id="{51E78617-A946-F93F-7C46-84EB93BD0BFE}"/>
+          <p:cNvPr id="29" name="Down Arrow 28">
+            <a:extLst>
+              <a:ext uri="{FF2B5EF4-FFF2-40B4-BE49-F238E27FC236}">
+                <a16:creationId xmlns:a16="http://schemas.microsoft.com/office/drawing/2014/main" id="{81B4AD0C-5204-104B-73DB-9439CF76985C}"/>
               </a:ext>
             </a:extLst>
           </p:cNvPr>
@@ -4917,9 +5287,9 @@
           <p:nvPr/>
         </p:nvSpPr>
         <p:spPr>
-          <a:xfrm rot="13496375">
-            <a:off x="5007788" y="4617146"/>
-            <a:ext cx="546553" cy="1464919"/>
+          <a:xfrm rot="5400000">
+            <a:off x="4100195" y="3168442"/>
+            <a:ext cx="862619" cy="1277002"/>
           </a:xfrm>
           <a:prstGeom prst="downArrow">
             <a:avLst/>
@@ -4955,10 +5325,108 @@
       </p:sp>
       <p:sp>
         <p:nvSpPr>
-          <p:cNvPr id="49" name="TextBox 48">
-            <a:extLst>
-              <a:ext uri="{FF2B5EF4-FFF2-40B4-BE49-F238E27FC236}">
-                <a16:creationId xmlns:a16="http://schemas.microsoft.com/office/drawing/2014/main" id="{DF2E4871-F0F8-D5DB-93A9-E12E9CA53AC3}"/>
+          <p:cNvPr id="30" name="Down Arrow 29">
+            <a:extLst>
+              <a:ext uri="{FF2B5EF4-FFF2-40B4-BE49-F238E27FC236}">
+                <a16:creationId xmlns:a16="http://schemas.microsoft.com/office/drawing/2014/main" id="{6DF9267B-B656-8FDC-B043-6838A5AF5FB2}"/>
+              </a:ext>
+            </a:extLst>
+          </p:cNvPr>
+          <p:cNvSpPr/>
+          <p:nvPr/>
+        </p:nvSpPr>
+        <p:spPr>
+          <a:xfrm rot="16200000">
+            <a:off x="9133875" y="3757974"/>
+            <a:ext cx="862618" cy="1188669"/>
+          </a:xfrm>
+          <a:prstGeom prst="downArrow">
+            <a:avLst/>
+          </a:prstGeom>
+          <a:solidFill>
+            <a:srgbClr val="00B050"/>
+          </a:solidFill>
+        </p:spPr>
+        <p:style>
+          <a:lnRef idx="2">
+            <a:schemeClr val="accent1">
+              <a:shade val="50000"/>
+            </a:schemeClr>
+          </a:lnRef>
+          <a:fillRef idx="1">
+            <a:schemeClr val="accent1"/>
+          </a:fillRef>
+          <a:effectRef idx="0">
+            <a:schemeClr val="accent1"/>
+          </a:effectRef>
+          <a:fontRef idx="minor">
+            <a:schemeClr val="lt1"/>
+          </a:fontRef>
+        </p:style>
+        <p:txBody>
+          <a:bodyPr rtlCol="0" anchor="ctr"/>
+          <a:lstStyle/>
+          <a:p>
+            <a:pPr algn="ctr"/>
+            <a:endParaRPr lang="en-US"/>
+          </a:p>
+        </p:txBody>
+      </p:sp>
+      <p:sp>
+        <p:nvSpPr>
+          <p:cNvPr id="31" name="Down Arrow 30">
+            <a:extLst>
+              <a:ext uri="{FF2B5EF4-FFF2-40B4-BE49-F238E27FC236}">
+                <a16:creationId xmlns:a16="http://schemas.microsoft.com/office/drawing/2014/main" id="{4A65708D-517E-78DF-D082-A8B081DDE5E5}"/>
+              </a:ext>
+            </a:extLst>
+          </p:cNvPr>
+          <p:cNvSpPr/>
+          <p:nvPr/>
+        </p:nvSpPr>
+        <p:spPr>
+          <a:xfrm rot="5400000">
+            <a:off x="9097860" y="2442968"/>
+            <a:ext cx="862618" cy="1188669"/>
+          </a:xfrm>
+          <a:prstGeom prst="downArrow">
+            <a:avLst/>
+          </a:prstGeom>
+          <a:solidFill>
+            <a:srgbClr val="00B050"/>
+          </a:solidFill>
+        </p:spPr>
+        <p:style>
+          <a:lnRef idx="2">
+            <a:schemeClr val="accent1">
+              <a:shade val="50000"/>
+            </a:schemeClr>
+          </a:lnRef>
+          <a:fillRef idx="1">
+            <a:schemeClr val="accent1"/>
+          </a:fillRef>
+          <a:effectRef idx="0">
+            <a:schemeClr val="accent1"/>
+          </a:effectRef>
+          <a:fontRef idx="minor">
+            <a:schemeClr val="lt1"/>
+          </a:fontRef>
+        </p:style>
+        <p:txBody>
+          <a:bodyPr rtlCol="0" anchor="ctr"/>
+          <a:lstStyle/>
+          <a:p>
+            <a:pPr algn="ctr"/>
+            <a:endParaRPr lang="en-US"/>
+          </a:p>
+        </p:txBody>
+      </p:sp>
+      <p:sp>
+        <p:nvSpPr>
+          <p:cNvPr id="32" name="TextBox 31">
+            <a:extLst>
+              <a:ext uri="{FF2B5EF4-FFF2-40B4-BE49-F238E27FC236}">
+                <a16:creationId xmlns:a16="http://schemas.microsoft.com/office/drawing/2014/main" id="{B204BDF2-0C5E-4EE4-64C1-DA220C5CBC5D}"/>
               </a:ext>
             </a:extLst>
           </p:cNvPr>
@@ -4966,9 +5434,9 @@
           <p:nvPr/>
         </p:nvSpPr>
         <p:spPr>
-          <a:xfrm rot="18799611">
-            <a:off x="4480559" y="4763356"/>
-            <a:ext cx="2538760" cy="507831"/>
+          <a:xfrm>
+            <a:off x="4295808" y="2825710"/>
+            <a:ext cx="1104900" cy="369332"/>
           </a:xfrm>
           <a:prstGeom prst="rect">
             <a:avLst/>
@@ -4982,21 +5450,18 @@
           <a:lstStyle/>
           <a:p>
             <a:r>
-              <a:rPr lang="en-US" sz="900" b="1" dirty="0"/>
-              <a:t>Approval / Rejection</a:t>
-            </a:r>
-          </a:p>
-          <a:p>
-            <a:endParaRPr lang="en-US" dirty="0"/>
-          </a:p>
-        </p:txBody>
-      </p:sp>
-      <p:sp>
-        <p:nvSpPr>
-          <p:cNvPr id="50" name="TextBox 49">
-            <a:extLst>
-              <a:ext uri="{FF2B5EF4-FFF2-40B4-BE49-F238E27FC236}">
-                <a16:creationId xmlns:a16="http://schemas.microsoft.com/office/drawing/2014/main" id="{14216849-A9EB-B8D0-A3E6-263195B040D8}"/>
+              <a:rPr lang="en-US" b="1" dirty="0"/>
+              <a:t>Requests</a:t>
+            </a:r>
+          </a:p>
+        </p:txBody>
+      </p:sp>
+      <p:sp>
+        <p:nvSpPr>
+          <p:cNvPr id="34" name="TextBox 33">
+            <a:extLst>
+              <a:ext uri="{FF2B5EF4-FFF2-40B4-BE49-F238E27FC236}">
+                <a16:creationId xmlns:a16="http://schemas.microsoft.com/office/drawing/2014/main" id="{C8C1DCAB-6C92-3C5F-CCE9-52973B5BCFFA}"/>
               </a:ext>
             </a:extLst>
           </p:cNvPr>
@@ -5004,9 +5469,9 @@
           <p:nvPr/>
         </p:nvSpPr>
         <p:spPr>
-          <a:xfrm rot="18883459">
-            <a:off x="4536515" y="3836271"/>
-            <a:ext cx="2538760" cy="507831"/>
+          <a:xfrm>
+            <a:off x="3988399" y="3625548"/>
+            <a:ext cx="1294932" cy="369332"/>
           </a:xfrm>
           <a:prstGeom prst="rect">
             <a:avLst/>
@@ -5020,19 +5485,4981 @@
           <a:lstStyle/>
           <a:p>
             <a:r>
-              <a:rPr lang="en-US" sz="900" b="1" dirty="0"/>
-              <a:t>Reg. Attempt</a:t>
-            </a:r>
-          </a:p>
-          <a:p>
+              <a:rPr lang="en-US" b="1" dirty="0"/>
+              <a:t>Responses</a:t>
+            </a:r>
+          </a:p>
+        </p:txBody>
+      </p:sp>
+      <p:sp>
+        <p:nvSpPr>
+          <p:cNvPr id="35" name="TextBox 34">
+            <a:extLst>
+              <a:ext uri="{FF2B5EF4-FFF2-40B4-BE49-F238E27FC236}">
+                <a16:creationId xmlns:a16="http://schemas.microsoft.com/office/drawing/2014/main" id="{9C9DAB98-1EAF-5696-B2E5-7A23E580C88F}"/>
+              </a:ext>
+            </a:extLst>
+          </p:cNvPr>
+          <p:cNvSpPr txBox="1"/>
+          <p:nvPr/>
+        </p:nvSpPr>
+        <p:spPr>
+          <a:xfrm>
+            <a:off x="4391594" y="3239135"/>
+            <a:ext cx="1104900" cy="338554"/>
+          </a:xfrm>
+          <a:prstGeom prst="rect">
+            <a:avLst/>
+          </a:prstGeom>
+          <a:noFill/>
+        </p:spPr>
+        <p:txBody>
+          <a:bodyPr wrap="square" rtlCol="0">
+            <a:spAutoFit/>
+          </a:bodyPr>
+          <a:lstStyle/>
+          <a:p>
+            <a:r>
+              <a:rPr lang="en-US" sz="1600" b="1" dirty="0">
+                <a:solidFill>
+                  <a:srgbClr val="00B050"/>
+                </a:solidFill>
+              </a:rPr>
+              <a:t>JSON</a:t>
+            </a:r>
+          </a:p>
+        </p:txBody>
+      </p:sp>
+      <p:graphicFrame>
+        <p:nvGraphicFramePr>
+          <p:cNvPr id="36" name="Table 36">
+            <a:extLst>
+              <a:ext uri="{FF2B5EF4-FFF2-40B4-BE49-F238E27FC236}">
+                <a16:creationId xmlns:a16="http://schemas.microsoft.com/office/drawing/2014/main" id="{6730990B-1EA8-A9AD-0187-DBDFFA7AD4D0}"/>
+              </a:ext>
+            </a:extLst>
+          </p:cNvPr>
+          <p:cNvGraphicFramePr>
+            <a:graphicFrameLocks noGrp="1"/>
+          </p:cNvGraphicFramePr>
+          <p:nvPr/>
+        </p:nvGraphicFramePr>
+        <p:xfrm>
+          <a:off x="3920839" y="641675"/>
+          <a:ext cx="1861952" cy="1828800"/>
+        </p:xfrm>
+        <a:graphic>
+          <a:graphicData uri="http://schemas.openxmlformats.org/drawingml/2006/table">
+            <a:tbl>
+              <a:tblPr firstRow="1" bandRow="1">
+                <a:tableStyleId>{93296810-A885-4BE3-A3E7-6D5BEEA58F35}</a:tableStyleId>
+              </a:tblPr>
+              <a:tblGrid>
+                <a:gridCol w="930976">
+                  <a:extLst>
+                    <a:ext uri="{9D8B030D-6E8A-4147-A177-3AD203B41FA5}">
+                      <a16:colId xmlns:a16="http://schemas.microsoft.com/office/drawing/2014/main" val="1978548203"/>
+                    </a:ext>
+                  </a:extLst>
+                </a:gridCol>
+                <a:gridCol w="930976">
+                  <a:extLst>
+                    <a:ext uri="{9D8B030D-6E8A-4147-A177-3AD203B41FA5}">
+                      <a16:colId xmlns:a16="http://schemas.microsoft.com/office/drawing/2014/main" val="1106706743"/>
+                    </a:ext>
+                  </a:extLst>
+                </a:gridCol>
+              </a:tblGrid>
+              <a:tr h="323754">
+                <a:tc>
+                  <a:txBody>
+                    <a:bodyPr/>
+                    <a:lstStyle/>
+                    <a:p>
+                      <a:r>
+                        <a:rPr lang="en-US" dirty="0"/>
+                        <a:t>HTTP</a:t>
+                      </a:r>
+                    </a:p>
+                  </a:txBody>
+                  <a:tcPr/>
+                </a:tc>
+                <a:tc>
+                  <a:txBody>
+                    <a:bodyPr/>
+                    <a:lstStyle/>
+                    <a:p>
+                      <a:r>
+                        <a:rPr lang="en-US" dirty="0"/>
+                        <a:t>CRUD</a:t>
+                      </a:r>
+                    </a:p>
+                  </a:txBody>
+                  <a:tcPr/>
+                </a:tc>
+                <a:extLst>
+                  <a:ext uri="{0D108BD9-81ED-4DB2-BD59-A6C34878D82A}">
+                    <a16:rowId xmlns:a16="http://schemas.microsoft.com/office/drawing/2014/main" val="234106805"/>
+                  </a:ext>
+                </a:extLst>
+              </a:tr>
+              <a:tr h="323754">
+                <a:tc>
+                  <a:txBody>
+                    <a:bodyPr/>
+                    <a:lstStyle/>
+                    <a:p>
+                      <a:r>
+                        <a:rPr lang="en-US" dirty="0"/>
+                        <a:t>Post</a:t>
+                      </a:r>
+                    </a:p>
+                  </a:txBody>
+                  <a:tcPr/>
+                </a:tc>
+                <a:tc>
+                  <a:txBody>
+                    <a:bodyPr/>
+                    <a:lstStyle/>
+                    <a:p>
+                      <a:r>
+                        <a:rPr lang="en-US" dirty="0"/>
+                        <a:t>Create</a:t>
+                      </a:r>
+                    </a:p>
+                  </a:txBody>
+                  <a:tcPr/>
+                </a:tc>
+                <a:extLst>
+                  <a:ext uri="{0D108BD9-81ED-4DB2-BD59-A6C34878D82A}">
+                    <a16:rowId xmlns:a16="http://schemas.microsoft.com/office/drawing/2014/main" val="1009854772"/>
+                  </a:ext>
+                </a:extLst>
+              </a:tr>
+              <a:tr h="323754">
+                <a:tc>
+                  <a:txBody>
+                    <a:bodyPr/>
+                    <a:lstStyle/>
+                    <a:p>
+                      <a:r>
+                        <a:rPr lang="en-US" dirty="0"/>
+                        <a:t>Get</a:t>
+                      </a:r>
+                    </a:p>
+                  </a:txBody>
+                  <a:tcPr/>
+                </a:tc>
+                <a:tc>
+                  <a:txBody>
+                    <a:bodyPr/>
+                    <a:lstStyle/>
+                    <a:p>
+                      <a:r>
+                        <a:rPr lang="en-US" dirty="0"/>
+                        <a:t>Read</a:t>
+                      </a:r>
+                    </a:p>
+                  </a:txBody>
+                  <a:tcPr/>
+                </a:tc>
+                <a:extLst>
+                  <a:ext uri="{0D108BD9-81ED-4DB2-BD59-A6C34878D82A}">
+                    <a16:rowId xmlns:a16="http://schemas.microsoft.com/office/drawing/2014/main" val="3828833756"/>
+                  </a:ext>
+                </a:extLst>
+              </a:tr>
+              <a:tr h="323754">
+                <a:tc>
+                  <a:txBody>
+                    <a:bodyPr/>
+                    <a:lstStyle/>
+                    <a:p>
+                      <a:r>
+                        <a:rPr lang="en-US" dirty="0"/>
+                        <a:t>Put</a:t>
+                      </a:r>
+                    </a:p>
+                  </a:txBody>
+                  <a:tcPr/>
+                </a:tc>
+                <a:tc>
+                  <a:txBody>
+                    <a:bodyPr/>
+                    <a:lstStyle/>
+                    <a:p>
+                      <a:r>
+                        <a:rPr lang="en-US" dirty="0"/>
+                        <a:t>Update</a:t>
+                      </a:r>
+                    </a:p>
+                  </a:txBody>
+                  <a:tcPr/>
+                </a:tc>
+                <a:extLst>
+                  <a:ext uri="{0D108BD9-81ED-4DB2-BD59-A6C34878D82A}">
+                    <a16:rowId xmlns:a16="http://schemas.microsoft.com/office/drawing/2014/main" val="178019440"/>
+                  </a:ext>
+                </a:extLst>
+              </a:tr>
+              <a:tr h="323754">
+                <a:tc>
+                  <a:txBody>
+                    <a:bodyPr/>
+                    <a:lstStyle/>
+                    <a:p>
+                      <a:r>
+                        <a:rPr lang="en-US" dirty="0"/>
+                        <a:t>Delete</a:t>
+                      </a:r>
+                    </a:p>
+                  </a:txBody>
+                  <a:tcPr>
+                    <a:solidFill>
+                      <a:schemeClr val="accent6">
+                        <a:tint val="20000"/>
+                      </a:schemeClr>
+                    </a:solidFill>
+                  </a:tcPr>
+                </a:tc>
+                <a:tc>
+                  <a:txBody>
+                    <a:bodyPr/>
+                    <a:lstStyle/>
+                    <a:p>
+                      <a:r>
+                        <a:rPr lang="en-US" dirty="0"/>
+                        <a:t>Delete</a:t>
+                      </a:r>
+                    </a:p>
+                  </a:txBody>
+                  <a:tcPr/>
+                </a:tc>
+                <a:extLst>
+                  <a:ext uri="{0D108BD9-81ED-4DB2-BD59-A6C34878D82A}">
+                    <a16:rowId xmlns:a16="http://schemas.microsoft.com/office/drawing/2014/main" val="508222007"/>
+                  </a:ext>
+                </a:extLst>
+              </a:tr>
+            </a:tbl>
+          </a:graphicData>
+        </a:graphic>
+      </p:graphicFrame>
+      <p:sp>
+        <p:nvSpPr>
+          <p:cNvPr id="3" name="TextBox 2">
+            <a:extLst>
+              <a:ext uri="{FF2B5EF4-FFF2-40B4-BE49-F238E27FC236}">
+                <a16:creationId xmlns:a16="http://schemas.microsoft.com/office/drawing/2014/main" id="{119205EB-27EB-E1B9-CC24-996BB8EFA52D}"/>
+              </a:ext>
+            </a:extLst>
+          </p:cNvPr>
+          <p:cNvSpPr txBox="1"/>
+          <p:nvPr/>
+        </p:nvSpPr>
+        <p:spPr>
+          <a:xfrm>
+            <a:off x="6959912" y="5980872"/>
+            <a:ext cx="2010937" cy="584775"/>
+          </a:xfrm>
+          <a:prstGeom prst="rect">
+            <a:avLst/>
+          </a:prstGeom>
+          <a:noFill/>
+        </p:spPr>
+        <p:txBody>
+          <a:bodyPr wrap="square" rtlCol="0">
+            <a:spAutoFit/>
+          </a:bodyPr>
+          <a:lstStyle/>
+          <a:p>
+            <a:r>
+              <a:rPr lang="en-US" sz="1400" b="1" dirty="0"/>
+              <a:t>User Directory</a:t>
+            </a:r>
+          </a:p>
+          <a:p>
+            <a:r>
+              <a:rPr lang="en-US" sz="1400" b="1" dirty="0"/>
+              <a:t>(GPs &amp; Pharmacies</a:t>
+            </a:r>
+            <a:r>
+              <a:rPr lang="en-US" b="1" dirty="0"/>
+              <a:t>)</a:t>
+            </a:r>
+          </a:p>
+        </p:txBody>
+      </p:sp>
+      <p:sp>
+        <p:nvSpPr>
+          <p:cNvPr id="27" name="TextBox 26">
+            <a:extLst>
+              <a:ext uri="{FF2B5EF4-FFF2-40B4-BE49-F238E27FC236}">
+                <a16:creationId xmlns:a16="http://schemas.microsoft.com/office/drawing/2014/main" id="{B97E09E7-DCC6-8AEF-BC94-B1F2C67C908E}"/>
+              </a:ext>
+            </a:extLst>
+          </p:cNvPr>
+          <p:cNvSpPr txBox="1"/>
+          <p:nvPr/>
+        </p:nvSpPr>
+        <p:spPr>
+          <a:xfrm>
+            <a:off x="9007448" y="4180084"/>
+            <a:ext cx="1104900" cy="369332"/>
+          </a:xfrm>
+          <a:prstGeom prst="rect">
+            <a:avLst/>
+          </a:prstGeom>
+          <a:noFill/>
+        </p:spPr>
+        <p:txBody>
+          <a:bodyPr wrap="square" rtlCol="0">
+            <a:spAutoFit/>
+          </a:bodyPr>
+          <a:lstStyle/>
+          <a:p>
+            <a:r>
+              <a:rPr lang="en-US" b="1" dirty="0"/>
+              <a:t>Requests</a:t>
+            </a:r>
+          </a:p>
+        </p:txBody>
+      </p:sp>
+      <p:sp>
+        <p:nvSpPr>
+          <p:cNvPr id="28" name="TextBox 27">
+            <a:extLst>
+              <a:ext uri="{FF2B5EF4-FFF2-40B4-BE49-F238E27FC236}">
+                <a16:creationId xmlns:a16="http://schemas.microsoft.com/office/drawing/2014/main" id="{85A1D5D5-F6D2-FF29-F88C-4622AE40C4AD}"/>
+              </a:ext>
+            </a:extLst>
+          </p:cNvPr>
+          <p:cNvSpPr txBox="1"/>
+          <p:nvPr/>
+        </p:nvSpPr>
+        <p:spPr>
+          <a:xfrm>
+            <a:off x="8970849" y="2869803"/>
+            <a:ext cx="1294932" cy="369332"/>
+          </a:xfrm>
+          <a:prstGeom prst="rect">
+            <a:avLst/>
+          </a:prstGeom>
+          <a:noFill/>
+        </p:spPr>
+        <p:txBody>
+          <a:bodyPr wrap="square" rtlCol="0">
+            <a:spAutoFit/>
+          </a:bodyPr>
+          <a:lstStyle/>
+          <a:p>
+            <a:r>
+              <a:rPr lang="en-US" b="1" dirty="0"/>
+              <a:t>Responses</a:t>
+            </a:r>
+          </a:p>
+        </p:txBody>
+      </p:sp>
+      <p:sp>
+        <p:nvSpPr>
+          <p:cNvPr id="38" name="TextBox 37">
+            <a:extLst>
+              <a:ext uri="{FF2B5EF4-FFF2-40B4-BE49-F238E27FC236}">
+                <a16:creationId xmlns:a16="http://schemas.microsoft.com/office/drawing/2014/main" id="{7AA2A3BB-1FAE-E5B4-7602-4A5D76EEB5D0}"/>
+              </a:ext>
+            </a:extLst>
+          </p:cNvPr>
+          <p:cNvSpPr txBox="1"/>
+          <p:nvPr/>
+        </p:nvSpPr>
+        <p:spPr>
+          <a:xfrm>
+            <a:off x="9054625" y="1196012"/>
+            <a:ext cx="1585572" cy="1384995"/>
+          </a:xfrm>
+          <a:prstGeom prst="rect">
+            <a:avLst/>
+          </a:prstGeom>
+          <a:noFill/>
+        </p:spPr>
+        <p:txBody>
+          <a:bodyPr wrap="square" rtlCol="0">
+            <a:spAutoFit/>
+          </a:bodyPr>
+          <a:lstStyle/>
+          <a:p>
+            <a:r>
+              <a:rPr lang="en-US" sz="1400" b="1" dirty="0">
+                <a:solidFill>
+                  <a:srgbClr val="00B050"/>
+                </a:solidFill>
+              </a:rPr>
+              <a:t>JSON  Registration &amp; Authentication Flows</a:t>
+            </a:r>
+          </a:p>
+          <a:p>
+            <a:endParaRPr lang="en-US" sz="1400" b="1" dirty="0">
+              <a:solidFill>
+                <a:srgbClr val="00B050"/>
+              </a:solidFill>
+            </a:endParaRPr>
+          </a:p>
+          <a:p>
+            <a:r>
+              <a:rPr lang="en-US" sz="1400" b="1" dirty="0">
+                <a:solidFill>
+                  <a:srgbClr val="00B050"/>
+                </a:solidFill>
+              </a:rPr>
+              <a:t>&amp;  Prescriptions CRUD</a:t>
+            </a:r>
+          </a:p>
+        </p:txBody>
+      </p:sp>
+      <p:sp>
+        <p:nvSpPr>
+          <p:cNvPr id="39" name="TextBox 38">
+            <a:extLst>
+              <a:ext uri="{FF2B5EF4-FFF2-40B4-BE49-F238E27FC236}">
+                <a16:creationId xmlns:a16="http://schemas.microsoft.com/office/drawing/2014/main" id="{5E84CDD6-B922-DABF-30C3-460CB6FF859D}"/>
+              </a:ext>
+            </a:extLst>
+          </p:cNvPr>
+          <p:cNvSpPr txBox="1"/>
+          <p:nvPr/>
+        </p:nvSpPr>
+        <p:spPr>
+          <a:xfrm>
+            <a:off x="1927755" y="2053668"/>
+            <a:ext cx="2538760" cy="2000548"/>
+          </a:xfrm>
+          <a:prstGeom prst="rect">
+            <a:avLst/>
+          </a:prstGeom>
+          <a:noFill/>
+        </p:spPr>
+        <p:txBody>
+          <a:bodyPr wrap="square" rtlCol="0">
+            <a:spAutoFit/>
+          </a:bodyPr>
+          <a:lstStyle/>
+          <a:p>
+            <a:r>
+              <a:rPr lang="en-US" sz="1600" b="1" dirty="0"/>
+              <a:t>React Application</a:t>
+            </a:r>
+          </a:p>
+          <a:p>
+            <a:pPr marL="285750" indent="-285750">
+              <a:buFont typeface="Arial" panose="020B0604020202020204" pitchFamily="34" charset="0"/>
+              <a:buChar char="•"/>
+            </a:pPr>
+            <a:r>
+              <a:rPr lang="en-US" dirty="0"/>
+              <a:t>Component</a:t>
+            </a:r>
+          </a:p>
+          <a:p>
+            <a:pPr marL="285750" indent="-285750">
+              <a:buFont typeface="Arial" panose="020B0604020202020204" pitchFamily="34" charset="0"/>
+              <a:buChar char="•"/>
+            </a:pPr>
+            <a:r>
+              <a:rPr lang="en-US" dirty="0"/>
+              <a:t>State</a:t>
+            </a:r>
+          </a:p>
+          <a:p>
+            <a:pPr marL="285750" indent="-285750">
+              <a:buFont typeface="Arial" panose="020B0604020202020204" pitchFamily="34" charset="0"/>
+              <a:buChar char="•"/>
+            </a:pPr>
+            <a:r>
+              <a:rPr lang="en-US" dirty="0"/>
+              <a:t>Property</a:t>
+            </a:r>
+          </a:p>
+          <a:p>
+            <a:pPr marL="285750" indent="-285750">
+              <a:buFont typeface="Arial" panose="020B0604020202020204" pitchFamily="34" charset="0"/>
+              <a:buChar char="•"/>
+            </a:pPr>
+            <a:r>
+              <a:rPr lang="en-US" dirty="0"/>
+              <a:t>Action</a:t>
+            </a:r>
+          </a:p>
+          <a:p>
+            <a:pPr marL="285750" indent="-285750">
+              <a:buFont typeface="Arial" panose="020B0604020202020204" pitchFamily="34" charset="0"/>
+              <a:buChar char="•"/>
+            </a:pPr>
+            <a:r>
+              <a:rPr lang="en-US" dirty="0"/>
+              <a:t>Reducer</a:t>
+            </a:r>
+            <a:br>
+              <a:rPr lang="en-US" dirty="0"/>
+            </a:br>
             <a:endParaRPr lang="en-US" dirty="0"/>
           </a:p>
         </p:txBody>
       </p:sp>
+      <p:sp>
+        <p:nvSpPr>
+          <p:cNvPr id="40" name="TextBox 39">
+            <a:extLst>
+              <a:ext uri="{FF2B5EF4-FFF2-40B4-BE49-F238E27FC236}">
+                <a16:creationId xmlns:a16="http://schemas.microsoft.com/office/drawing/2014/main" id="{4E23B604-1367-20A1-597E-A218053304C6}"/>
+              </a:ext>
+            </a:extLst>
+          </p:cNvPr>
+          <p:cNvSpPr txBox="1"/>
+          <p:nvPr/>
+        </p:nvSpPr>
+        <p:spPr>
+          <a:xfrm>
+            <a:off x="8970849" y="3647023"/>
+            <a:ext cx="1104900" cy="338554"/>
+          </a:xfrm>
+          <a:prstGeom prst="rect">
+            <a:avLst/>
+          </a:prstGeom>
+          <a:noFill/>
+        </p:spPr>
+        <p:txBody>
+          <a:bodyPr wrap="square" rtlCol="0">
+            <a:spAutoFit/>
+          </a:bodyPr>
+          <a:lstStyle/>
+          <a:p>
+            <a:r>
+              <a:rPr lang="en-US" sz="1600" b="1" dirty="0">
+                <a:solidFill>
+                  <a:srgbClr val="00B050"/>
+                </a:solidFill>
+              </a:rPr>
+              <a:t>JSON</a:t>
+            </a:r>
+          </a:p>
+        </p:txBody>
+      </p:sp>
+      <p:pic>
+        <p:nvPicPr>
+          <p:cNvPr id="43" name="Graphic 42" descr="Checkbox Ticked with solid fill">
+            <a:extLst>
+              <a:ext uri="{FF2B5EF4-FFF2-40B4-BE49-F238E27FC236}">
+                <a16:creationId xmlns:a16="http://schemas.microsoft.com/office/drawing/2014/main" id="{960A8085-DB10-8215-C62B-D401BC88125A}"/>
+              </a:ext>
+            </a:extLst>
+          </p:cNvPr>
+          <p:cNvPicPr>
+            <a:picLocks noChangeAspect="1"/>
+          </p:cNvPicPr>
+          <p:nvPr/>
+        </p:nvPicPr>
+        <p:blipFill>
+          <a:blip r:embed="rId2">
+            <a:extLst>
+              <a:ext uri="{96DAC541-7B7A-43D3-8B79-37D633B846F1}">
+                <asvg:svgBlip xmlns:asvg="http://schemas.microsoft.com/office/drawing/2016/SVG/main" r:embed="rId3"/>
+              </a:ext>
+            </a:extLst>
+          </a:blip>
+          <a:stretch>
+            <a:fillRect/>
+          </a:stretch>
+        </p:blipFill>
+        <p:spPr>
+          <a:xfrm>
+            <a:off x="3013044" y="5500276"/>
+            <a:ext cx="780948" cy="780948"/>
+          </a:xfrm>
+          <a:prstGeom prst="rect">
+            <a:avLst/>
+          </a:prstGeom>
+        </p:spPr>
+      </p:pic>
+      <p:sp>
+        <p:nvSpPr>
+          <p:cNvPr id="9" name="TextBox 8">
+            <a:extLst>
+              <a:ext uri="{FF2B5EF4-FFF2-40B4-BE49-F238E27FC236}">
+                <a16:creationId xmlns:a16="http://schemas.microsoft.com/office/drawing/2014/main" id="{E9ADE9DC-47EF-B73A-DC38-5239CBA18E43}"/>
+              </a:ext>
+            </a:extLst>
+          </p:cNvPr>
+          <p:cNvSpPr txBox="1"/>
+          <p:nvPr/>
+        </p:nvSpPr>
+        <p:spPr>
+          <a:xfrm>
+            <a:off x="10518705" y="3102866"/>
+            <a:ext cx="2010937" cy="1077218"/>
+          </a:xfrm>
+          <a:prstGeom prst="rect">
+            <a:avLst/>
+          </a:prstGeom>
+          <a:noFill/>
+        </p:spPr>
+        <p:txBody>
+          <a:bodyPr wrap="square" rtlCol="0">
+            <a:spAutoFit/>
+          </a:bodyPr>
+          <a:lstStyle/>
+          <a:p>
+            <a:r>
+              <a:rPr lang="en-US" sz="1600" b="1" dirty="0"/>
+              <a:t>Collections:</a:t>
+            </a:r>
+          </a:p>
+          <a:p>
+            <a:pPr marL="285750" indent="-285750">
+              <a:buFont typeface="Arial" panose="020B0604020202020204" pitchFamily="34" charset="0"/>
+              <a:buChar char="•"/>
+            </a:pPr>
+            <a:r>
+              <a:rPr lang="en-US" sz="1600" b="1" dirty="0"/>
+              <a:t>Surgeries</a:t>
+            </a:r>
+          </a:p>
+          <a:p>
+            <a:pPr marL="285750" indent="-285750">
+              <a:buFont typeface="Arial" panose="020B0604020202020204" pitchFamily="34" charset="0"/>
+              <a:buChar char="•"/>
+            </a:pPr>
+            <a:r>
+              <a:rPr lang="en-US" sz="1600" b="1" dirty="0"/>
+              <a:t>Pharmacies</a:t>
+            </a:r>
+          </a:p>
+          <a:p>
+            <a:pPr marL="285750" indent="-285750">
+              <a:buFont typeface="Arial" panose="020B0604020202020204" pitchFamily="34" charset="0"/>
+              <a:buChar char="•"/>
+            </a:pPr>
+            <a:r>
+              <a:rPr lang="en-US" sz="1600" b="1" dirty="0"/>
+              <a:t>Prescriptions</a:t>
+            </a:r>
+          </a:p>
+        </p:txBody>
+      </p:sp>
+      <p:pic>
+        <p:nvPicPr>
+          <p:cNvPr id="14" name="Picture 13" descr="Logo&#10;&#10;Description automatically generated">
+            <a:extLst>
+              <a:ext uri="{FF2B5EF4-FFF2-40B4-BE49-F238E27FC236}">
+                <a16:creationId xmlns:a16="http://schemas.microsoft.com/office/drawing/2014/main" id="{FDED939B-1C1C-0907-0148-EB03C0D60C4D}"/>
+              </a:ext>
+            </a:extLst>
+          </p:cNvPr>
+          <p:cNvPicPr>
+            <a:picLocks noChangeAspect="1"/>
+          </p:cNvPicPr>
+          <p:nvPr/>
+        </p:nvPicPr>
+        <p:blipFill>
+          <a:blip r:embed="rId4"/>
+          <a:stretch>
+            <a:fillRect/>
+          </a:stretch>
+        </p:blipFill>
+        <p:spPr>
+          <a:xfrm>
+            <a:off x="51399" y="170380"/>
+            <a:ext cx="3937000" cy="762000"/>
+          </a:xfrm>
+          <a:prstGeom prst="rect">
+            <a:avLst/>
+          </a:prstGeom>
+        </p:spPr>
+      </p:pic>
     </p:spTree>
     <p:extLst>
       <p:ext uri="{BB962C8B-B14F-4D97-AF65-F5344CB8AC3E}">
-        <p14:creationId xmlns:p14="http://schemas.microsoft.com/office/powerpoint/2010/main" val="878338190"/>
+        <p14:creationId xmlns:p14="http://schemas.microsoft.com/office/powerpoint/2010/main" val="1180096537"/>
+      </p:ext>
+    </p:extLst>
+  </p:cSld>
+  <p:clrMapOvr>
+    <a:masterClrMapping/>
+  </p:clrMapOvr>
+</p:sld>
+</file>
+
+<file path=ppt/slides/slide3.xml><?xml version="1.0" encoding="utf-8"?>
+<p:sld xmlns:a="http://schemas.openxmlformats.org/drawingml/2006/main" xmlns:r="http://schemas.openxmlformats.org/officeDocument/2006/relationships" xmlns:p="http://schemas.openxmlformats.org/presentationml/2006/main">
+  <p:cSld>
+    <p:bg>
+      <p:bgPr>
+        <a:solidFill>
+          <a:schemeClr val="tx1"/>
+        </a:solidFill>
+        <a:effectLst/>
+      </p:bgPr>
+    </p:bg>
+    <p:spTree>
+      <p:nvGrpSpPr>
+        <p:cNvPr id="1" name=""/>
+        <p:cNvGrpSpPr/>
+        <p:nvPr/>
+      </p:nvGrpSpPr>
+      <p:grpSpPr>
+        <a:xfrm>
+          <a:off x="0" y="0"/>
+          <a:ext cx="0" cy="0"/>
+          <a:chOff x="0" y="0"/>
+          <a:chExt cx="0" cy="0"/>
+        </a:xfrm>
+      </p:grpSpPr>
+      <p:sp>
+        <p:nvSpPr>
+          <p:cNvPr id="4" name="Can 3">
+            <a:extLst>
+              <a:ext uri="{FF2B5EF4-FFF2-40B4-BE49-F238E27FC236}">
+                <a16:creationId xmlns:a16="http://schemas.microsoft.com/office/drawing/2014/main" id="{C3E2D3DC-93BE-DAF6-A663-FF6AA67AA597}"/>
+              </a:ext>
+            </a:extLst>
+          </p:cNvPr>
+          <p:cNvSpPr/>
+          <p:nvPr/>
+        </p:nvSpPr>
+        <p:spPr>
+          <a:xfrm>
+            <a:off x="10537290" y="2390880"/>
+            <a:ext cx="1516566" cy="2319453"/>
+          </a:xfrm>
+          <a:prstGeom prst="can">
+            <a:avLst/>
+          </a:prstGeom>
+          <a:solidFill>
+            <a:srgbClr val="00B050"/>
+          </a:solidFill>
+        </p:spPr>
+        <p:style>
+          <a:lnRef idx="2">
+            <a:schemeClr val="accent1">
+              <a:shade val="50000"/>
+            </a:schemeClr>
+          </a:lnRef>
+          <a:fillRef idx="1">
+            <a:schemeClr val="accent1"/>
+          </a:fillRef>
+          <a:effectRef idx="0">
+            <a:schemeClr val="accent1"/>
+          </a:effectRef>
+          <a:fontRef idx="minor">
+            <a:schemeClr val="lt1"/>
+          </a:fontRef>
+        </p:style>
+        <p:txBody>
+          <a:bodyPr rtlCol="0" anchor="ctr"/>
+          <a:lstStyle/>
+          <a:p>
+            <a:pPr algn="ctr"/>
+            <a:endParaRPr lang="en-US"/>
+          </a:p>
+        </p:txBody>
+      </p:sp>
+      <p:sp>
+        <p:nvSpPr>
+          <p:cNvPr id="5" name="Rectangle 4">
+            <a:extLst>
+              <a:ext uri="{FF2B5EF4-FFF2-40B4-BE49-F238E27FC236}">
+                <a16:creationId xmlns:a16="http://schemas.microsoft.com/office/drawing/2014/main" id="{14FB254B-89DF-5CAB-BDDB-8436A9A723D4}"/>
+              </a:ext>
+            </a:extLst>
+          </p:cNvPr>
+          <p:cNvSpPr/>
+          <p:nvPr/>
+        </p:nvSpPr>
+        <p:spPr>
+          <a:xfrm>
+            <a:off x="1904275" y="1940312"/>
+            <a:ext cx="1670338" cy="2102712"/>
+          </a:xfrm>
+          <a:prstGeom prst="rect">
+            <a:avLst/>
+          </a:prstGeom>
+          <a:solidFill>
+            <a:srgbClr val="00B050"/>
+          </a:solidFill>
+        </p:spPr>
+        <p:style>
+          <a:lnRef idx="2">
+            <a:schemeClr val="accent1">
+              <a:shade val="50000"/>
+            </a:schemeClr>
+          </a:lnRef>
+          <a:fillRef idx="1">
+            <a:schemeClr val="accent1"/>
+          </a:fillRef>
+          <a:effectRef idx="0">
+            <a:schemeClr val="accent1"/>
+          </a:effectRef>
+          <a:fontRef idx="minor">
+            <a:schemeClr val="lt1"/>
+          </a:fontRef>
+        </p:style>
+        <p:txBody>
+          <a:bodyPr rtlCol="0" anchor="ctr"/>
+          <a:lstStyle/>
+          <a:p>
+            <a:pPr algn="ctr"/>
+            <a:endParaRPr lang="en-US"/>
+          </a:p>
+        </p:txBody>
+      </p:sp>
+      <p:sp>
+        <p:nvSpPr>
+          <p:cNvPr id="6" name="Rectangle 5">
+            <a:extLst>
+              <a:ext uri="{FF2B5EF4-FFF2-40B4-BE49-F238E27FC236}">
+                <a16:creationId xmlns:a16="http://schemas.microsoft.com/office/drawing/2014/main" id="{B440765D-F814-FE05-9547-A23A57B284B1}"/>
+              </a:ext>
+            </a:extLst>
+          </p:cNvPr>
+          <p:cNvSpPr/>
+          <p:nvPr/>
+        </p:nvSpPr>
+        <p:spPr>
+          <a:xfrm>
+            <a:off x="5873279" y="953811"/>
+            <a:ext cx="3021980" cy="3713357"/>
+          </a:xfrm>
+          <a:prstGeom prst="rect">
+            <a:avLst/>
+          </a:prstGeom>
+          <a:solidFill>
+            <a:srgbClr val="00B050"/>
+          </a:solidFill>
+        </p:spPr>
+        <p:style>
+          <a:lnRef idx="2">
+            <a:schemeClr val="accent1">
+              <a:shade val="50000"/>
+            </a:schemeClr>
+          </a:lnRef>
+          <a:fillRef idx="1">
+            <a:schemeClr val="accent1"/>
+          </a:fillRef>
+          <a:effectRef idx="0">
+            <a:schemeClr val="accent1"/>
+          </a:effectRef>
+          <a:fontRef idx="minor">
+            <a:schemeClr val="lt1"/>
+          </a:fontRef>
+        </p:style>
+        <p:txBody>
+          <a:bodyPr rtlCol="0" anchor="ctr"/>
+          <a:lstStyle/>
+          <a:p>
+            <a:pPr algn="ctr"/>
+            <a:endParaRPr lang="en-US"/>
+          </a:p>
+        </p:txBody>
+      </p:sp>
+      <p:sp>
+        <p:nvSpPr>
+          <p:cNvPr id="7" name="Rectangle 6">
+            <a:extLst>
+              <a:ext uri="{FF2B5EF4-FFF2-40B4-BE49-F238E27FC236}">
+                <a16:creationId xmlns:a16="http://schemas.microsoft.com/office/drawing/2014/main" id="{BB39670E-AAA8-9E58-0E5D-01F95512FECE}"/>
+              </a:ext>
+            </a:extLst>
+          </p:cNvPr>
+          <p:cNvSpPr/>
+          <p:nvPr/>
+        </p:nvSpPr>
+        <p:spPr>
+          <a:xfrm>
+            <a:off x="6442572" y="2735948"/>
+            <a:ext cx="1888274" cy="1532364"/>
+          </a:xfrm>
+          <a:prstGeom prst="rect">
+            <a:avLst/>
+          </a:prstGeom>
+          <a:solidFill>
+            <a:schemeClr val="tx1"/>
+          </a:solidFill>
+        </p:spPr>
+        <p:style>
+          <a:lnRef idx="2">
+            <a:schemeClr val="accent1">
+              <a:shade val="50000"/>
+            </a:schemeClr>
+          </a:lnRef>
+          <a:fillRef idx="1">
+            <a:schemeClr val="accent1"/>
+          </a:fillRef>
+          <a:effectRef idx="0">
+            <a:schemeClr val="accent1"/>
+          </a:effectRef>
+          <a:fontRef idx="minor">
+            <a:schemeClr val="lt1"/>
+          </a:fontRef>
+        </p:style>
+        <p:txBody>
+          <a:bodyPr rtlCol="0" anchor="ctr"/>
+          <a:lstStyle/>
+          <a:p>
+            <a:pPr algn="ctr"/>
+            <a:endParaRPr lang="en-US"/>
+          </a:p>
+        </p:txBody>
+      </p:sp>
+      <p:sp>
+        <p:nvSpPr>
+          <p:cNvPr id="8" name="TextBox 7">
+            <a:extLst>
+              <a:ext uri="{FF2B5EF4-FFF2-40B4-BE49-F238E27FC236}">
+                <a16:creationId xmlns:a16="http://schemas.microsoft.com/office/drawing/2014/main" id="{8D8A5C2A-6200-30CE-3501-0269097F8555}"/>
+              </a:ext>
+            </a:extLst>
+          </p:cNvPr>
+          <p:cNvSpPr txBox="1"/>
+          <p:nvPr/>
+        </p:nvSpPr>
+        <p:spPr>
+          <a:xfrm>
+            <a:off x="6721351" y="2796789"/>
+            <a:ext cx="2010937" cy="646331"/>
+          </a:xfrm>
+          <a:prstGeom prst="rect">
+            <a:avLst/>
+          </a:prstGeom>
+          <a:noFill/>
+        </p:spPr>
+        <p:txBody>
+          <a:bodyPr wrap="square" rtlCol="0">
+            <a:spAutoFit/>
+          </a:bodyPr>
+          <a:lstStyle/>
+          <a:p>
+            <a:r>
+              <a:rPr lang="en-US" dirty="0">
+                <a:solidFill>
+                  <a:srgbClr val="00B050"/>
+                </a:solidFill>
+              </a:rPr>
+              <a:t>Web Server</a:t>
+            </a:r>
+          </a:p>
+          <a:p>
+            <a:endParaRPr lang="en-US" dirty="0"/>
+          </a:p>
+        </p:txBody>
+      </p:sp>
+      <p:sp>
+        <p:nvSpPr>
+          <p:cNvPr id="10" name="TextBox 9">
+            <a:extLst>
+              <a:ext uri="{FF2B5EF4-FFF2-40B4-BE49-F238E27FC236}">
+                <a16:creationId xmlns:a16="http://schemas.microsoft.com/office/drawing/2014/main" id="{28AC2C9D-79FE-C34B-657B-ECECA786E208}"/>
+              </a:ext>
+            </a:extLst>
+          </p:cNvPr>
+          <p:cNvSpPr txBox="1"/>
+          <p:nvPr/>
+        </p:nvSpPr>
+        <p:spPr>
+          <a:xfrm>
+            <a:off x="6721352" y="3621981"/>
+            <a:ext cx="2010937" cy="646331"/>
+          </a:xfrm>
+          <a:prstGeom prst="rect">
+            <a:avLst/>
+          </a:prstGeom>
+          <a:noFill/>
+        </p:spPr>
+        <p:txBody>
+          <a:bodyPr wrap="square" rtlCol="0">
+            <a:spAutoFit/>
+          </a:bodyPr>
+          <a:lstStyle/>
+          <a:p>
+            <a:r>
+              <a:rPr lang="en-US" dirty="0">
+                <a:solidFill>
+                  <a:srgbClr val="00B050"/>
+                </a:solidFill>
+              </a:rPr>
+              <a:t>REST APIs</a:t>
+            </a:r>
+          </a:p>
+          <a:p>
+            <a:endParaRPr lang="en-US" dirty="0"/>
+          </a:p>
+        </p:txBody>
+      </p:sp>
+      <p:sp>
+        <p:nvSpPr>
+          <p:cNvPr id="11" name="TextBox 10">
+            <a:extLst>
+              <a:ext uri="{FF2B5EF4-FFF2-40B4-BE49-F238E27FC236}">
+                <a16:creationId xmlns:a16="http://schemas.microsoft.com/office/drawing/2014/main" id="{87C55BE0-F0B6-3524-1147-D4E7293A093B}"/>
+              </a:ext>
+            </a:extLst>
+          </p:cNvPr>
+          <p:cNvSpPr txBox="1"/>
+          <p:nvPr/>
+        </p:nvSpPr>
+        <p:spPr>
+          <a:xfrm>
+            <a:off x="10760066" y="2441157"/>
+            <a:ext cx="2010937" cy="369332"/>
+          </a:xfrm>
+          <a:prstGeom prst="rect">
+            <a:avLst/>
+          </a:prstGeom>
+          <a:noFill/>
+        </p:spPr>
+        <p:txBody>
+          <a:bodyPr wrap="square" rtlCol="0">
+            <a:spAutoFit/>
+          </a:bodyPr>
+          <a:lstStyle/>
+          <a:p>
+            <a:r>
+              <a:rPr lang="en-US" b="1" dirty="0"/>
+              <a:t>MongoDB </a:t>
+            </a:r>
+          </a:p>
+        </p:txBody>
+      </p:sp>
+      <p:sp>
+        <p:nvSpPr>
+          <p:cNvPr id="12" name="TextBox 11">
+            <a:extLst>
+              <a:ext uri="{FF2B5EF4-FFF2-40B4-BE49-F238E27FC236}">
+                <a16:creationId xmlns:a16="http://schemas.microsoft.com/office/drawing/2014/main" id="{F5716669-0261-E53C-2CD8-4D38316906B9}"/>
+              </a:ext>
+            </a:extLst>
+          </p:cNvPr>
+          <p:cNvSpPr txBox="1"/>
+          <p:nvPr/>
+        </p:nvSpPr>
+        <p:spPr>
+          <a:xfrm>
+            <a:off x="6325207" y="1521714"/>
+            <a:ext cx="2538760" cy="646331"/>
+          </a:xfrm>
+          <a:prstGeom prst="rect">
+            <a:avLst/>
+          </a:prstGeom>
+          <a:noFill/>
+        </p:spPr>
+        <p:txBody>
+          <a:bodyPr wrap="square" rtlCol="0">
+            <a:spAutoFit/>
+          </a:bodyPr>
+          <a:lstStyle/>
+          <a:p>
+            <a:r>
+              <a:rPr lang="en-US" b="1" dirty="0"/>
+              <a:t>Node Application</a:t>
+            </a:r>
+          </a:p>
+          <a:p>
+            <a:endParaRPr lang="en-US" dirty="0"/>
+          </a:p>
+        </p:txBody>
+      </p:sp>
+      <p:sp>
+        <p:nvSpPr>
+          <p:cNvPr id="18" name="TextBox 17">
+            <a:extLst>
+              <a:ext uri="{FF2B5EF4-FFF2-40B4-BE49-F238E27FC236}">
+                <a16:creationId xmlns:a16="http://schemas.microsoft.com/office/drawing/2014/main" id="{2A308433-6B45-9ACA-D50C-B9952BAF0485}"/>
+              </a:ext>
+            </a:extLst>
+          </p:cNvPr>
+          <p:cNvSpPr txBox="1"/>
+          <p:nvPr/>
+        </p:nvSpPr>
+        <p:spPr>
+          <a:xfrm>
+            <a:off x="2483002" y="2235381"/>
+            <a:ext cx="2010937" cy="369332"/>
+          </a:xfrm>
+          <a:prstGeom prst="rect">
+            <a:avLst/>
+          </a:prstGeom>
+          <a:noFill/>
+        </p:spPr>
+        <p:txBody>
+          <a:bodyPr wrap="square" rtlCol="0">
+            <a:spAutoFit/>
+          </a:bodyPr>
+          <a:lstStyle/>
+          <a:p>
+            <a:r>
+              <a:rPr lang="en-US" dirty="0">
+                <a:solidFill>
+                  <a:srgbClr val="00B050"/>
+                </a:solidFill>
+              </a:rPr>
+              <a:t>Windows</a:t>
+            </a:r>
+          </a:p>
+        </p:txBody>
+      </p:sp>
+      <p:sp>
+        <p:nvSpPr>
+          <p:cNvPr id="25" name="TextBox 24">
+            <a:extLst>
+              <a:ext uri="{FF2B5EF4-FFF2-40B4-BE49-F238E27FC236}">
+                <a16:creationId xmlns:a16="http://schemas.microsoft.com/office/drawing/2014/main" id="{49AB3C59-7E2A-637A-59BD-61EED242BC55}"/>
+              </a:ext>
+            </a:extLst>
+          </p:cNvPr>
+          <p:cNvSpPr txBox="1"/>
+          <p:nvPr/>
+        </p:nvSpPr>
+        <p:spPr>
+          <a:xfrm>
+            <a:off x="6679432" y="203487"/>
+            <a:ext cx="9232281" cy="369332"/>
+          </a:xfrm>
+          <a:prstGeom prst="rect">
+            <a:avLst/>
+          </a:prstGeom>
+          <a:noFill/>
+        </p:spPr>
+        <p:txBody>
+          <a:bodyPr wrap="square" rtlCol="0">
+            <a:spAutoFit/>
+          </a:bodyPr>
+          <a:lstStyle/>
+          <a:p>
+            <a:r>
+              <a:rPr lang="en-US" b="1" dirty="0" err="1">
+                <a:solidFill>
+                  <a:srgbClr val="00B050"/>
+                </a:solidFill>
+              </a:rPr>
+              <a:t>thÉireP</a:t>
+            </a:r>
+            <a:r>
+              <a:rPr lang="en-US" b="1" dirty="0">
+                <a:solidFill>
+                  <a:srgbClr val="00B050"/>
+                </a:solidFill>
+              </a:rPr>
+              <a:t> || ePrescriptions -  Backend APIs</a:t>
+            </a:r>
+          </a:p>
+        </p:txBody>
+      </p:sp>
+      <p:sp>
+        <p:nvSpPr>
+          <p:cNvPr id="26" name="Down Arrow 25">
+            <a:extLst>
+              <a:ext uri="{FF2B5EF4-FFF2-40B4-BE49-F238E27FC236}">
+                <a16:creationId xmlns:a16="http://schemas.microsoft.com/office/drawing/2014/main" id="{A8347D80-4785-A2B4-2EBA-E4A83D5FD661}"/>
+              </a:ext>
+            </a:extLst>
+          </p:cNvPr>
+          <p:cNvSpPr/>
+          <p:nvPr/>
+        </p:nvSpPr>
+        <p:spPr>
+          <a:xfrm rot="16200000">
+            <a:off x="4474864" y="2292089"/>
+            <a:ext cx="1007150" cy="1365257"/>
+          </a:xfrm>
+          <a:prstGeom prst="downArrow">
+            <a:avLst/>
+          </a:prstGeom>
+          <a:solidFill>
+            <a:srgbClr val="00B050"/>
+          </a:solidFill>
+        </p:spPr>
+        <p:style>
+          <a:lnRef idx="2">
+            <a:schemeClr val="accent1">
+              <a:shade val="50000"/>
+            </a:schemeClr>
+          </a:lnRef>
+          <a:fillRef idx="1">
+            <a:schemeClr val="accent1"/>
+          </a:fillRef>
+          <a:effectRef idx="0">
+            <a:schemeClr val="accent1"/>
+          </a:effectRef>
+          <a:fontRef idx="minor">
+            <a:schemeClr val="lt1"/>
+          </a:fontRef>
+        </p:style>
+        <p:txBody>
+          <a:bodyPr rtlCol="0" anchor="ctr"/>
+          <a:lstStyle/>
+          <a:p>
+            <a:pPr algn="ctr"/>
+            <a:endParaRPr lang="en-US"/>
+          </a:p>
+        </p:txBody>
+      </p:sp>
+      <p:sp>
+        <p:nvSpPr>
+          <p:cNvPr id="29" name="Down Arrow 28">
+            <a:extLst>
+              <a:ext uri="{FF2B5EF4-FFF2-40B4-BE49-F238E27FC236}">
+                <a16:creationId xmlns:a16="http://schemas.microsoft.com/office/drawing/2014/main" id="{81B4AD0C-5204-104B-73DB-9439CF76985C}"/>
+              </a:ext>
+            </a:extLst>
+          </p:cNvPr>
+          <p:cNvSpPr/>
+          <p:nvPr/>
+        </p:nvSpPr>
+        <p:spPr>
+          <a:xfrm rot="5400000">
+            <a:off x="4100195" y="3168442"/>
+            <a:ext cx="862619" cy="1277002"/>
+          </a:xfrm>
+          <a:prstGeom prst="downArrow">
+            <a:avLst/>
+          </a:prstGeom>
+          <a:solidFill>
+            <a:srgbClr val="00B050"/>
+          </a:solidFill>
+        </p:spPr>
+        <p:style>
+          <a:lnRef idx="2">
+            <a:schemeClr val="accent1">
+              <a:shade val="50000"/>
+            </a:schemeClr>
+          </a:lnRef>
+          <a:fillRef idx="1">
+            <a:schemeClr val="accent1"/>
+          </a:fillRef>
+          <a:effectRef idx="0">
+            <a:schemeClr val="accent1"/>
+          </a:effectRef>
+          <a:fontRef idx="minor">
+            <a:schemeClr val="lt1"/>
+          </a:fontRef>
+        </p:style>
+        <p:txBody>
+          <a:bodyPr rtlCol="0" anchor="ctr"/>
+          <a:lstStyle/>
+          <a:p>
+            <a:pPr algn="ctr"/>
+            <a:endParaRPr lang="en-US"/>
+          </a:p>
+        </p:txBody>
+      </p:sp>
+      <p:sp>
+        <p:nvSpPr>
+          <p:cNvPr id="30" name="Down Arrow 29">
+            <a:extLst>
+              <a:ext uri="{FF2B5EF4-FFF2-40B4-BE49-F238E27FC236}">
+                <a16:creationId xmlns:a16="http://schemas.microsoft.com/office/drawing/2014/main" id="{6DF9267B-B656-8FDC-B043-6838A5AF5FB2}"/>
+              </a:ext>
+            </a:extLst>
+          </p:cNvPr>
+          <p:cNvSpPr/>
+          <p:nvPr/>
+        </p:nvSpPr>
+        <p:spPr>
+          <a:xfrm rot="16200000">
+            <a:off x="9133875" y="3757974"/>
+            <a:ext cx="862618" cy="1188669"/>
+          </a:xfrm>
+          <a:prstGeom prst="downArrow">
+            <a:avLst/>
+          </a:prstGeom>
+          <a:solidFill>
+            <a:srgbClr val="00B050"/>
+          </a:solidFill>
+        </p:spPr>
+        <p:style>
+          <a:lnRef idx="2">
+            <a:schemeClr val="accent1">
+              <a:shade val="50000"/>
+            </a:schemeClr>
+          </a:lnRef>
+          <a:fillRef idx="1">
+            <a:schemeClr val="accent1"/>
+          </a:fillRef>
+          <a:effectRef idx="0">
+            <a:schemeClr val="accent1"/>
+          </a:effectRef>
+          <a:fontRef idx="minor">
+            <a:schemeClr val="lt1"/>
+          </a:fontRef>
+        </p:style>
+        <p:txBody>
+          <a:bodyPr rtlCol="0" anchor="ctr"/>
+          <a:lstStyle/>
+          <a:p>
+            <a:pPr algn="ctr"/>
+            <a:endParaRPr lang="en-US"/>
+          </a:p>
+        </p:txBody>
+      </p:sp>
+      <p:sp>
+        <p:nvSpPr>
+          <p:cNvPr id="31" name="Down Arrow 30">
+            <a:extLst>
+              <a:ext uri="{FF2B5EF4-FFF2-40B4-BE49-F238E27FC236}">
+                <a16:creationId xmlns:a16="http://schemas.microsoft.com/office/drawing/2014/main" id="{4A65708D-517E-78DF-D082-A8B081DDE5E5}"/>
+              </a:ext>
+            </a:extLst>
+          </p:cNvPr>
+          <p:cNvSpPr/>
+          <p:nvPr/>
+        </p:nvSpPr>
+        <p:spPr>
+          <a:xfrm rot="5400000">
+            <a:off x="9097860" y="2442968"/>
+            <a:ext cx="862618" cy="1188669"/>
+          </a:xfrm>
+          <a:prstGeom prst="downArrow">
+            <a:avLst/>
+          </a:prstGeom>
+          <a:solidFill>
+            <a:srgbClr val="00B050"/>
+          </a:solidFill>
+        </p:spPr>
+        <p:style>
+          <a:lnRef idx="2">
+            <a:schemeClr val="accent1">
+              <a:shade val="50000"/>
+            </a:schemeClr>
+          </a:lnRef>
+          <a:fillRef idx="1">
+            <a:schemeClr val="accent1"/>
+          </a:fillRef>
+          <a:effectRef idx="0">
+            <a:schemeClr val="accent1"/>
+          </a:effectRef>
+          <a:fontRef idx="minor">
+            <a:schemeClr val="lt1"/>
+          </a:fontRef>
+        </p:style>
+        <p:txBody>
+          <a:bodyPr rtlCol="0" anchor="ctr"/>
+          <a:lstStyle/>
+          <a:p>
+            <a:pPr algn="ctr"/>
+            <a:endParaRPr lang="en-US"/>
+          </a:p>
+        </p:txBody>
+      </p:sp>
+      <p:sp>
+        <p:nvSpPr>
+          <p:cNvPr id="32" name="TextBox 31">
+            <a:extLst>
+              <a:ext uri="{FF2B5EF4-FFF2-40B4-BE49-F238E27FC236}">
+                <a16:creationId xmlns:a16="http://schemas.microsoft.com/office/drawing/2014/main" id="{B204BDF2-0C5E-4EE4-64C1-DA220C5CBC5D}"/>
+              </a:ext>
+            </a:extLst>
+          </p:cNvPr>
+          <p:cNvSpPr txBox="1"/>
+          <p:nvPr/>
+        </p:nvSpPr>
+        <p:spPr>
+          <a:xfrm>
+            <a:off x="4295808" y="2825710"/>
+            <a:ext cx="1104900" cy="369332"/>
+          </a:xfrm>
+          <a:prstGeom prst="rect">
+            <a:avLst/>
+          </a:prstGeom>
+          <a:noFill/>
+        </p:spPr>
+        <p:txBody>
+          <a:bodyPr wrap="square" rtlCol="0">
+            <a:spAutoFit/>
+          </a:bodyPr>
+          <a:lstStyle/>
+          <a:p>
+            <a:r>
+              <a:rPr lang="en-US" b="1" dirty="0"/>
+              <a:t>Requests</a:t>
+            </a:r>
+          </a:p>
+        </p:txBody>
+      </p:sp>
+      <p:sp>
+        <p:nvSpPr>
+          <p:cNvPr id="34" name="TextBox 33">
+            <a:extLst>
+              <a:ext uri="{FF2B5EF4-FFF2-40B4-BE49-F238E27FC236}">
+                <a16:creationId xmlns:a16="http://schemas.microsoft.com/office/drawing/2014/main" id="{C8C1DCAB-6C92-3C5F-CCE9-52973B5BCFFA}"/>
+              </a:ext>
+            </a:extLst>
+          </p:cNvPr>
+          <p:cNvSpPr txBox="1"/>
+          <p:nvPr/>
+        </p:nvSpPr>
+        <p:spPr>
+          <a:xfrm>
+            <a:off x="3988399" y="3625548"/>
+            <a:ext cx="1294932" cy="369332"/>
+          </a:xfrm>
+          <a:prstGeom prst="rect">
+            <a:avLst/>
+          </a:prstGeom>
+          <a:noFill/>
+        </p:spPr>
+        <p:txBody>
+          <a:bodyPr wrap="square" rtlCol="0">
+            <a:spAutoFit/>
+          </a:bodyPr>
+          <a:lstStyle/>
+          <a:p>
+            <a:r>
+              <a:rPr lang="en-US" b="1" dirty="0"/>
+              <a:t>Responses</a:t>
+            </a:r>
+          </a:p>
+        </p:txBody>
+      </p:sp>
+      <p:sp>
+        <p:nvSpPr>
+          <p:cNvPr id="35" name="TextBox 34">
+            <a:extLst>
+              <a:ext uri="{FF2B5EF4-FFF2-40B4-BE49-F238E27FC236}">
+                <a16:creationId xmlns:a16="http://schemas.microsoft.com/office/drawing/2014/main" id="{9C9DAB98-1EAF-5696-B2E5-7A23E580C88F}"/>
+              </a:ext>
+            </a:extLst>
+          </p:cNvPr>
+          <p:cNvSpPr txBox="1"/>
+          <p:nvPr/>
+        </p:nvSpPr>
+        <p:spPr>
+          <a:xfrm>
+            <a:off x="4391594" y="3239135"/>
+            <a:ext cx="1104900" cy="338554"/>
+          </a:xfrm>
+          <a:prstGeom prst="rect">
+            <a:avLst/>
+          </a:prstGeom>
+          <a:noFill/>
+        </p:spPr>
+        <p:txBody>
+          <a:bodyPr wrap="square" rtlCol="0">
+            <a:spAutoFit/>
+          </a:bodyPr>
+          <a:lstStyle/>
+          <a:p>
+            <a:r>
+              <a:rPr lang="en-US" sz="1600" b="1" dirty="0">
+                <a:solidFill>
+                  <a:srgbClr val="00B050"/>
+                </a:solidFill>
+              </a:rPr>
+              <a:t>JSON</a:t>
+            </a:r>
+          </a:p>
+        </p:txBody>
+      </p:sp>
+      <p:graphicFrame>
+        <p:nvGraphicFramePr>
+          <p:cNvPr id="36" name="Table 36">
+            <a:extLst>
+              <a:ext uri="{FF2B5EF4-FFF2-40B4-BE49-F238E27FC236}">
+                <a16:creationId xmlns:a16="http://schemas.microsoft.com/office/drawing/2014/main" id="{6730990B-1EA8-A9AD-0187-DBDFFA7AD4D0}"/>
+              </a:ext>
+            </a:extLst>
+          </p:cNvPr>
+          <p:cNvGraphicFramePr>
+            <a:graphicFrameLocks noGrp="1"/>
+          </p:cNvGraphicFramePr>
+          <p:nvPr/>
+        </p:nvGraphicFramePr>
+        <p:xfrm>
+          <a:off x="3920839" y="641675"/>
+          <a:ext cx="1861952" cy="1828800"/>
+        </p:xfrm>
+        <a:graphic>
+          <a:graphicData uri="http://schemas.openxmlformats.org/drawingml/2006/table">
+            <a:tbl>
+              <a:tblPr firstRow="1" bandRow="1">
+                <a:tableStyleId>{93296810-A885-4BE3-A3E7-6D5BEEA58F35}</a:tableStyleId>
+              </a:tblPr>
+              <a:tblGrid>
+                <a:gridCol w="930976">
+                  <a:extLst>
+                    <a:ext uri="{9D8B030D-6E8A-4147-A177-3AD203B41FA5}">
+                      <a16:colId xmlns:a16="http://schemas.microsoft.com/office/drawing/2014/main" val="1978548203"/>
+                    </a:ext>
+                  </a:extLst>
+                </a:gridCol>
+                <a:gridCol w="930976">
+                  <a:extLst>
+                    <a:ext uri="{9D8B030D-6E8A-4147-A177-3AD203B41FA5}">
+                      <a16:colId xmlns:a16="http://schemas.microsoft.com/office/drawing/2014/main" val="1106706743"/>
+                    </a:ext>
+                  </a:extLst>
+                </a:gridCol>
+              </a:tblGrid>
+              <a:tr h="323754">
+                <a:tc>
+                  <a:txBody>
+                    <a:bodyPr/>
+                    <a:lstStyle/>
+                    <a:p>
+                      <a:r>
+                        <a:rPr lang="en-US" dirty="0"/>
+                        <a:t>HTTP</a:t>
+                      </a:r>
+                    </a:p>
+                  </a:txBody>
+                  <a:tcPr/>
+                </a:tc>
+                <a:tc>
+                  <a:txBody>
+                    <a:bodyPr/>
+                    <a:lstStyle/>
+                    <a:p>
+                      <a:r>
+                        <a:rPr lang="en-US" dirty="0"/>
+                        <a:t>CRUD</a:t>
+                      </a:r>
+                    </a:p>
+                  </a:txBody>
+                  <a:tcPr/>
+                </a:tc>
+                <a:extLst>
+                  <a:ext uri="{0D108BD9-81ED-4DB2-BD59-A6C34878D82A}">
+                    <a16:rowId xmlns:a16="http://schemas.microsoft.com/office/drawing/2014/main" val="234106805"/>
+                  </a:ext>
+                </a:extLst>
+              </a:tr>
+              <a:tr h="323754">
+                <a:tc>
+                  <a:txBody>
+                    <a:bodyPr/>
+                    <a:lstStyle/>
+                    <a:p>
+                      <a:r>
+                        <a:rPr lang="en-US" dirty="0"/>
+                        <a:t>Post</a:t>
+                      </a:r>
+                    </a:p>
+                  </a:txBody>
+                  <a:tcPr/>
+                </a:tc>
+                <a:tc>
+                  <a:txBody>
+                    <a:bodyPr/>
+                    <a:lstStyle/>
+                    <a:p>
+                      <a:r>
+                        <a:rPr lang="en-US" dirty="0"/>
+                        <a:t>Create</a:t>
+                      </a:r>
+                    </a:p>
+                  </a:txBody>
+                  <a:tcPr/>
+                </a:tc>
+                <a:extLst>
+                  <a:ext uri="{0D108BD9-81ED-4DB2-BD59-A6C34878D82A}">
+                    <a16:rowId xmlns:a16="http://schemas.microsoft.com/office/drawing/2014/main" val="1009854772"/>
+                  </a:ext>
+                </a:extLst>
+              </a:tr>
+              <a:tr h="323754">
+                <a:tc>
+                  <a:txBody>
+                    <a:bodyPr/>
+                    <a:lstStyle/>
+                    <a:p>
+                      <a:r>
+                        <a:rPr lang="en-US" dirty="0"/>
+                        <a:t>Get</a:t>
+                      </a:r>
+                    </a:p>
+                  </a:txBody>
+                  <a:tcPr/>
+                </a:tc>
+                <a:tc>
+                  <a:txBody>
+                    <a:bodyPr/>
+                    <a:lstStyle/>
+                    <a:p>
+                      <a:r>
+                        <a:rPr lang="en-US" dirty="0"/>
+                        <a:t>Read</a:t>
+                      </a:r>
+                    </a:p>
+                  </a:txBody>
+                  <a:tcPr/>
+                </a:tc>
+                <a:extLst>
+                  <a:ext uri="{0D108BD9-81ED-4DB2-BD59-A6C34878D82A}">
+                    <a16:rowId xmlns:a16="http://schemas.microsoft.com/office/drawing/2014/main" val="3828833756"/>
+                  </a:ext>
+                </a:extLst>
+              </a:tr>
+              <a:tr h="323754">
+                <a:tc>
+                  <a:txBody>
+                    <a:bodyPr/>
+                    <a:lstStyle/>
+                    <a:p>
+                      <a:r>
+                        <a:rPr lang="en-US" dirty="0"/>
+                        <a:t>Put</a:t>
+                      </a:r>
+                    </a:p>
+                  </a:txBody>
+                  <a:tcPr/>
+                </a:tc>
+                <a:tc>
+                  <a:txBody>
+                    <a:bodyPr/>
+                    <a:lstStyle/>
+                    <a:p>
+                      <a:r>
+                        <a:rPr lang="en-US" dirty="0"/>
+                        <a:t>Update</a:t>
+                      </a:r>
+                    </a:p>
+                  </a:txBody>
+                  <a:tcPr/>
+                </a:tc>
+                <a:extLst>
+                  <a:ext uri="{0D108BD9-81ED-4DB2-BD59-A6C34878D82A}">
+                    <a16:rowId xmlns:a16="http://schemas.microsoft.com/office/drawing/2014/main" val="178019440"/>
+                  </a:ext>
+                </a:extLst>
+              </a:tr>
+              <a:tr h="323754">
+                <a:tc>
+                  <a:txBody>
+                    <a:bodyPr/>
+                    <a:lstStyle/>
+                    <a:p>
+                      <a:r>
+                        <a:rPr lang="en-US" dirty="0"/>
+                        <a:t>Delete</a:t>
+                      </a:r>
+                    </a:p>
+                  </a:txBody>
+                  <a:tcPr>
+                    <a:solidFill>
+                      <a:schemeClr val="accent6">
+                        <a:tint val="20000"/>
+                      </a:schemeClr>
+                    </a:solidFill>
+                  </a:tcPr>
+                </a:tc>
+                <a:tc>
+                  <a:txBody>
+                    <a:bodyPr/>
+                    <a:lstStyle/>
+                    <a:p>
+                      <a:r>
+                        <a:rPr lang="en-US" dirty="0"/>
+                        <a:t>Delete</a:t>
+                      </a:r>
+                    </a:p>
+                  </a:txBody>
+                  <a:tcPr/>
+                </a:tc>
+                <a:extLst>
+                  <a:ext uri="{0D108BD9-81ED-4DB2-BD59-A6C34878D82A}">
+                    <a16:rowId xmlns:a16="http://schemas.microsoft.com/office/drawing/2014/main" val="508222007"/>
+                  </a:ext>
+                </a:extLst>
+              </a:tr>
+            </a:tbl>
+          </a:graphicData>
+        </a:graphic>
+      </p:graphicFrame>
+      <p:sp>
+        <p:nvSpPr>
+          <p:cNvPr id="3" name="TextBox 2">
+            <a:extLst>
+              <a:ext uri="{FF2B5EF4-FFF2-40B4-BE49-F238E27FC236}">
+                <a16:creationId xmlns:a16="http://schemas.microsoft.com/office/drawing/2014/main" id="{119205EB-27EB-E1B9-CC24-996BB8EFA52D}"/>
+              </a:ext>
+            </a:extLst>
+          </p:cNvPr>
+          <p:cNvSpPr txBox="1"/>
+          <p:nvPr/>
+        </p:nvSpPr>
+        <p:spPr>
+          <a:xfrm>
+            <a:off x="6959912" y="5980872"/>
+            <a:ext cx="2010937" cy="584775"/>
+          </a:xfrm>
+          <a:prstGeom prst="rect">
+            <a:avLst/>
+          </a:prstGeom>
+          <a:noFill/>
+        </p:spPr>
+        <p:txBody>
+          <a:bodyPr wrap="square" rtlCol="0">
+            <a:spAutoFit/>
+          </a:bodyPr>
+          <a:lstStyle/>
+          <a:p>
+            <a:r>
+              <a:rPr lang="en-US" sz="1400" b="1" dirty="0"/>
+              <a:t>User Directory</a:t>
+            </a:r>
+          </a:p>
+          <a:p>
+            <a:r>
+              <a:rPr lang="en-US" sz="1400" b="1" dirty="0"/>
+              <a:t>(GPs &amp; Pharmacies</a:t>
+            </a:r>
+            <a:r>
+              <a:rPr lang="en-US" b="1" dirty="0"/>
+              <a:t>)</a:t>
+            </a:r>
+          </a:p>
+        </p:txBody>
+      </p:sp>
+      <p:sp>
+        <p:nvSpPr>
+          <p:cNvPr id="27" name="TextBox 26">
+            <a:extLst>
+              <a:ext uri="{FF2B5EF4-FFF2-40B4-BE49-F238E27FC236}">
+                <a16:creationId xmlns:a16="http://schemas.microsoft.com/office/drawing/2014/main" id="{B97E09E7-DCC6-8AEF-BC94-B1F2C67C908E}"/>
+              </a:ext>
+            </a:extLst>
+          </p:cNvPr>
+          <p:cNvSpPr txBox="1"/>
+          <p:nvPr/>
+        </p:nvSpPr>
+        <p:spPr>
+          <a:xfrm>
+            <a:off x="9007448" y="4180084"/>
+            <a:ext cx="1104900" cy="369332"/>
+          </a:xfrm>
+          <a:prstGeom prst="rect">
+            <a:avLst/>
+          </a:prstGeom>
+          <a:noFill/>
+        </p:spPr>
+        <p:txBody>
+          <a:bodyPr wrap="square" rtlCol="0">
+            <a:spAutoFit/>
+          </a:bodyPr>
+          <a:lstStyle/>
+          <a:p>
+            <a:r>
+              <a:rPr lang="en-US" b="1" dirty="0"/>
+              <a:t>Requests</a:t>
+            </a:r>
+          </a:p>
+        </p:txBody>
+      </p:sp>
+      <p:sp>
+        <p:nvSpPr>
+          <p:cNvPr id="28" name="TextBox 27">
+            <a:extLst>
+              <a:ext uri="{FF2B5EF4-FFF2-40B4-BE49-F238E27FC236}">
+                <a16:creationId xmlns:a16="http://schemas.microsoft.com/office/drawing/2014/main" id="{85A1D5D5-F6D2-FF29-F88C-4622AE40C4AD}"/>
+              </a:ext>
+            </a:extLst>
+          </p:cNvPr>
+          <p:cNvSpPr txBox="1"/>
+          <p:nvPr/>
+        </p:nvSpPr>
+        <p:spPr>
+          <a:xfrm>
+            <a:off x="8970849" y="2869803"/>
+            <a:ext cx="1294932" cy="369332"/>
+          </a:xfrm>
+          <a:prstGeom prst="rect">
+            <a:avLst/>
+          </a:prstGeom>
+          <a:noFill/>
+        </p:spPr>
+        <p:txBody>
+          <a:bodyPr wrap="square" rtlCol="0">
+            <a:spAutoFit/>
+          </a:bodyPr>
+          <a:lstStyle/>
+          <a:p>
+            <a:r>
+              <a:rPr lang="en-US" b="1" dirty="0"/>
+              <a:t>Responses</a:t>
+            </a:r>
+          </a:p>
+        </p:txBody>
+      </p:sp>
+      <p:sp>
+        <p:nvSpPr>
+          <p:cNvPr id="38" name="TextBox 37">
+            <a:extLst>
+              <a:ext uri="{FF2B5EF4-FFF2-40B4-BE49-F238E27FC236}">
+                <a16:creationId xmlns:a16="http://schemas.microsoft.com/office/drawing/2014/main" id="{7AA2A3BB-1FAE-E5B4-7602-4A5D76EEB5D0}"/>
+              </a:ext>
+            </a:extLst>
+          </p:cNvPr>
+          <p:cNvSpPr txBox="1"/>
+          <p:nvPr/>
+        </p:nvSpPr>
+        <p:spPr>
+          <a:xfrm>
+            <a:off x="9054625" y="1196012"/>
+            <a:ext cx="1585572" cy="1384995"/>
+          </a:xfrm>
+          <a:prstGeom prst="rect">
+            <a:avLst/>
+          </a:prstGeom>
+          <a:noFill/>
+        </p:spPr>
+        <p:txBody>
+          <a:bodyPr wrap="square" rtlCol="0">
+            <a:spAutoFit/>
+          </a:bodyPr>
+          <a:lstStyle/>
+          <a:p>
+            <a:r>
+              <a:rPr lang="en-US" sz="1400" b="1" dirty="0">
+                <a:solidFill>
+                  <a:srgbClr val="00B050"/>
+                </a:solidFill>
+              </a:rPr>
+              <a:t>JSON  Registration &amp; Authentication Flows</a:t>
+            </a:r>
+          </a:p>
+          <a:p>
+            <a:endParaRPr lang="en-US" sz="1400" b="1" dirty="0">
+              <a:solidFill>
+                <a:srgbClr val="00B050"/>
+              </a:solidFill>
+            </a:endParaRPr>
+          </a:p>
+          <a:p>
+            <a:r>
+              <a:rPr lang="en-US" sz="1400" b="1" dirty="0">
+                <a:solidFill>
+                  <a:srgbClr val="00B050"/>
+                </a:solidFill>
+              </a:rPr>
+              <a:t>&amp;  Prescriptions CRUD</a:t>
+            </a:r>
+          </a:p>
+        </p:txBody>
+      </p:sp>
+      <p:sp>
+        <p:nvSpPr>
+          <p:cNvPr id="39" name="TextBox 38">
+            <a:extLst>
+              <a:ext uri="{FF2B5EF4-FFF2-40B4-BE49-F238E27FC236}">
+                <a16:creationId xmlns:a16="http://schemas.microsoft.com/office/drawing/2014/main" id="{5E84CDD6-B922-DABF-30C3-460CB6FF859D}"/>
+              </a:ext>
+            </a:extLst>
+          </p:cNvPr>
+          <p:cNvSpPr txBox="1"/>
+          <p:nvPr/>
+        </p:nvSpPr>
+        <p:spPr>
+          <a:xfrm>
+            <a:off x="1927755" y="2053668"/>
+            <a:ext cx="2538760" cy="2000548"/>
+          </a:xfrm>
+          <a:prstGeom prst="rect">
+            <a:avLst/>
+          </a:prstGeom>
+          <a:noFill/>
+        </p:spPr>
+        <p:txBody>
+          <a:bodyPr wrap="square" rtlCol="0">
+            <a:spAutoFit/>
+          </a:bodyPr>
+          <a:lstStyle/>
+          <a:p>
+            <a:r>
+              <a:rPr lang="en-US" sz="1600" b="1" dirty="0"/>
+              <a:t>React Application</a:t>
+            </a:r>
+          </a:p>
+          <a:p>
+            <a:pPr marL="285750" indent="-285750">
+              <a:buFont typeface="Arial" panose="020B0604020202020204" pitchFamily="34" charset="0"/>
+              <a:buChar char="•"/>
+            </a:pPr>
+            <a:r>
+              <a:rPr lang="en-US" dirty="0"/>
+              <a:t>Component</a:t>
+            </a:r>
+          </a:p>
+          <a:p>
+            <a:pPr marL="285750" indent="-285750">
+              <a:buFont typeface="Arial" panose="020B0604020202020204" pitchFamily="34" charset="0"/>
+              <a:buChar char="•"/>
+            </a:pPr>
+            <a:r>
+              <a:rPr lang="en-US" dirty="0"/>
+              <a:t>State</a:t>
+            </a:r>
+          </a:p>
+          <a:p>
+            <a:pPr marL="285750" indent="-285750">
+              <a:buFont typeface="Arial" panose="020B0604020202020204" pitchFamily="34" charset="0"/>
+              <a:buChar char="•"/>
+            </a:pPr>
+            <a:r>
+              <a:rPr lang="en-US" dirty="0"/>
+              <a:t>Property</a:t>
+            </a:r>
+          </a:p>
+          <a:p>
+            <a:pPr marL="285750" indent="-285750">
+              <a:buFont typeface="Arial" panose="020B0604020202020204" pitchFamily="34" charset="0"/>
+              <a:buChar char="•"/>
+            </a:pPr>
+            <a:r>
+              <a:rPr lang="en-US" dirty="0"/>
+              <a:t>Action</a:t>
+            </a:r>
+          </a:p>
+          <a:p>
+            <a:pPr marL="285750" indent="-285750">
+              <a:buFont typeface="Arial" panose="020B0604020202020204" pitchFamily="34" charset="0"/>
+              <a:buChar char="•"/>
+            </a:pPr>
+            <a:r>
+              <a:rPr lang="en-US" dirty="0"/>
+              <a:t>Reducer</a:t>
+            </a:r>
+            <a:br>
+              <a:rPr lang="en-US" dirty="0"/>
+            </a:br>
+            <a:endParaRPr lang="en-US" dirty="0"/>
+          </a:p>
+        </p:txBody>
+      </p:sp>
+      <p:sp>
+        <p:nvSpPr>
+          <p:cNvPr id="40" name="TextBox 39">
+            <a:extLst>
+              <a:ext uri="{FF2B5EF4-FFF2-40B4-BE49-F238E27FC236}">
+                <a16:creationId xmlns:a16="http://schemas.microsoft.com/office/drawing/2014/main" id="{4E23B604-1367-20A1-597E-A218053304C6}"/>
+              </a:ext>
+            </a:extLst>
+          </p:cNvPr>
+          <p:cNvSpPr txBox="1"/>
+          <p:nvPr/>
+        </p:nvSpPr>
+        <p:spPr>
+          <a:xfrm>
+            <a:off x="8970849" y="3647023"/>
+            <a:ext cx="1104900" cy="338554"/>
+          </a:xfrm>
+          <a:prstGeom prst="rect">
+            <a:avLst/>
+          </a:prstGeom>
+          <a:noFill/>
+        </p:spPr>
+        <p:txBody>
+          <a:bodyPr wrap="square" rtlCol="0">
+            <a:spAutoFit/>
+          </a:bodyPr>
+          <a:lstStyle/>
+          <a:p>
+            <a:r>
+              <a:rPr lang="en-US" sz="1600" b="1" dirty="0">
+                <a:solidFill>
+                  <a:srgbClr val="00B050"/>
+                </a:solidFill>
+              </a:rPr>
+              <a:t>JSON</a:t>
+            </a:r>
+          </a:p>
+        </p:txBody>
+      </p:sp>
+      <p:pic>
+        <p:nvPicPr>
+          <p:cNvPr id="43" name="Graphic 42" descr="Checkbox Ticked with solid fill">
+            <a:extLst>
+              <a:ext uri="{FF2B5EF4-FFF2-40B4-BE49-F238E27FC236}">
+                <a16:creationId xmlns:a16="http://schemas.microsoft.com/office/drawing/2014/main" id="{960A8085-DB10-8215-C62B-D401BC88125A}"/>
+              </a:ext>
+            </a:extLst>
+          </p:cNvPr>
+          <p:cNvPicPr>
+            <a:picLocks noChangeAspect="1"/>
+          </p:cNvPicPr>
+          <p:nvPr/>
+        </p:nvPicPr>
+        <p:blipFill>
+          <a:blip r:embed="rId2">
+            <a:extLst>
+              <a:ext uri="{96DAC541-7B7A-43D3-8B79-37D633B846F1}">
+                <asvg:svgBlip xmlns:asvg="http://schemas.microsoft.com/office/drawing/2016/SVG/main" r:embed="rId3"/>
+              </a:ext>
+            </a:extLst>
+          </a:blip>
+          <a:stretch>
+            <a:fillRect/>
+          </a:stretch>
+        </p:blipFill>
+        <p:spPr>
+          <a:xfrm>
+            <a:off x="3013044" y="5500276"/>
+            <a:ext cx="780948" cy="780948"/>
+          </a:xfrm>
+          <a:prstGeom prst="rect">
+            <a:avLst/>
+          </a:prstGeom>
+        </p:spPr>
+      </p:pic>
+      <p:sp>
+        <p:nvSpPr>
+          <p:cNvPr id="9" name="TextBox 8">
+            <a:extLst>
+              <a:ext uri="{FF2B5EF4-FFF2-40B4-BE49-F238E27FC236}">
+                <a16:creationId xmlns:a16="http://schemas.microsoft.com/office/drawing/2014/main" id="{E9ADE9DC-47EF-B73A-DC38-5239CBA18E43}"/>
+              </a:ext>
+            </a:extLst>
+          </p:cNvPr>
+          <p:cNvSpPr txBox="1"/>
+          <p:nvPr/>
+        </p:nvSpPr>
+        <p:spPr>
+          <a:xfrm>
+            <a:off x="10518705" y="3102866"/>
+            <a:ext cx="2010937" cy="1077218"/>
+          </a:xfrm>
+          <a:prstGeom prst="rect">
+            <a:avLst/>
+          </a:prstGeom>
+          <a:noFill/>
+        </p:spPr>
+        <p:txBody>
+          <a:bodyPr wrap="square" rtlCol="0">
+            <a:spAutoFit/>
+          </a:bodyPr>
+          <a:lstStyle/>
+          <a:p>
+            <a:r>
+              <a:rPr lang="en-US" sz="1600" b="1" dirty="0"/>
+              <a:t>Collections:</a:t>
+            </a:r>
+          </a:p>
+          <a:p>
+            <a:pPr marL="285750" indent="-285750">
+              <a:buFont typeface="Arial" panose="020B0604020202020204" pitchFamily="34" charset="0"/>
+              <a:buChar char="•"/>
+            </a:pPr>
+            <a:r>
+              <a:rPr lang="en-US" sz="1600" b="1" dirty="0"/>
+              <a:t>Surgeries</a:t>
+            </a:r>
+          </a:p>
+          <a:p>
+            <a:pPr marL="285750" indent="-285750">
+              <a:buFont typeface="Arial" panose="020B0604020202020204" pitchFamily="34" charset="0"/>
+              <a:buChar char="•"/>
+            </a:pPr>
+            <a:r>
+              <a:rPr lang="en-US" sz="1600" b="1" dirty="0"/>
+              <a:t>Pharmacies</a:t>
+            </a:r>
+          </a:p>
+          <a:p>
+            <a:pPr marL="285750" indent="-285750">
+              <a:buFont typeface="Arial" panose="020B0604020202020204" pitchFamily="34" charset="0"/>
+              <a:buChar char="•"/>
+            </a:pPr>
+            <a:r>
+              <a:rPr lang="en-US" sz="1600" b="1" dirty="0"/>
+              <a:t>Prescriptions</a:t>
+            </a:r>
+          </a:p>
+        </p:txBody>
+      </p:sp>
+      <p:pic>
+        <p:nvPicPr>
+          <p:cNvPr id="14" name="Picture 13" descr="Logo&#10;&#10;Description automatically generated">
+            <a:extLst>
+              <a:ext uri="{FF2B5EF4-FFF2-40B4-BE49-F238E27FC236}">
+                <a16:creationId xmlns:a16="http://schemas.microsoft.com/office/drawing/2014/main" id="{FDED939B-1C1C-0907-0148-EB03C0D60C4D}"/>
+              </a:ext>
+            </a:extLst>
+          </p:cNvPr>
+          <p:cNvPicPr>
+            <a:picLocks noChangeAspect="1"/>
+          </p:cNvPicPr>
+          <p:nvPr/>
+        </p:nvPicPr>
+        <p:blipFill>
+          <a:blip r:embed="rId4"/>
+          <a:stretch>
+            <a:fillRect/>
+          </a:stretch>
+        </p:blipFill>
+        <p:spPr>
+          <a:xfrm>
+            <a:off x="51399" y="170380"/>
+            <a:ext cx="3937000" cy="762000"/>
+          </a:xfrm>
+          <a:prstGeom prst="rect">
+            <a:avLst/>
+          </a:prstGeom>
+        </p:spPr>
+      </p:pic>
+    </p:spTree>
+    <p:extLst>
+      <p:ext uri="{BB962C8B-B14F-4D97-AF65-F5344CB8AC3E}">
+        <p14:creationId xmlns:p14="http://schemas.microsoft.com/office/powerpoint/2010/main" val="1991867166"/>
+      </p:ext>
+    </p:extLst>
+  </p:cSld>
+  <p:clrMapOvr>
+    <a:masterClrMapping/>
+  </p:clrMapOvr>
+</p:sld>
+</file>
+
+<file path=ppt/slides/slide4.xml><?xml version="1.0" encoding="utf-8"?>
+<p:sld xmlns:a="http://schemas.openxmlformats.org/drawingml/2006/main" xmlns:r="http://schemas.openxmlformats.org/officeDocument/2006/relationships" xmlns:p="http://schemas.openxmlformats.org/presentationml/2006/main">
+  <p:cSld>
+    <p:bg>
+      <p:bgPr>
+        <a:solidFill>
+          <a:schemeClr val="tx1"/>
+        </a:solidFill>
+        <a:effectLst/>
+      </p:bgPr>
+    </p:bg>
+    <p:spTree>
+      <p:nvGrpSpPr>
+        <p:cNvPr id="1" name=""/>
+        <p:cNvGrpSpPr/>
+        <p:nvPr/>
+      </p:nvGrpSpPr>
+      <p:grpSpPr>
+        <a:xfrm>
+          <a:off x="0" y="0"/>
+          <a:ext cx="0" cy="0"/>
+          <a:chOff x="0" y="0"/>
+          <a:chExt cx="0" cy="0"/>
+        </a:xfrm>
+      </p:grpSpPr>
+      <p:sp>
+        <p:nvSpPr>
+          <p:cNvPr id="4" name="Can 3">
+            <a:extLst>
+              <a:ext uri="{FF2B5EF4-FFF2-40B4-BE49-F238E27FC236}">
+                <a16:creationId xmlns:a16="http://schemas.microsoft.com/office/drawing/2014/main" id="{C3E2D3DC-93BE-DAF6-A663-FF6AA67AA597}"/>
+              </a:ext>
+            </a:extLst>
+          </p:cNvPr>
+          <p:cNvSpPr/>
+          <p:nvPr/>
+        </p:nvSpPr>
+        <p:spPr>
+          <a:xfrm>
+            <a:off x="10537290" y="2390880"/>
+            <a:ext cx="1516566" cy="2319453"/>
+          </a:xfrm>
+          <a:prstGeom prst="can">
+            <a:avLst/>
+          </a:prstGeom>
+          <a:solidFill>
+            <a:srgbClr val="00B050"/>
+          </a:solidFill>
+        </p:spPr>
+        <p:style>
+          <a:lnRef idx="2">
+            <a:schemeClr val="accent1">
+              <a:shade val="50000"/>
+            </a:schemeClr>
+          </a:lnRef>
+          <a:fillRef idx="1">
+            <a:schemeClr val="accent1"/>
+          </a:fillRef>
+          <a:effectRef idx="0">
+            <a:schemeClr val="accent1"/>
+          </a:effectRef>
+          <a:fontRef idx="minor">
+            <a:schemeClr val="lt1"/>
+          </a:fontRef>
+        </p:style>
+        <p:txBody>
+          <a:bodyPr rtlCol="0" anchor="ctr"/>
+          <a:lstStyle/>
+          <a:p>
+            <a:pPr algn="ctr"/>
+            <a:endParaRPr lang="en-US"/>
+          </a:p>
+        </p:txBody>
+      </p:sp>
+      <p:sp>
+        <p:nvSpPr>
+          <p:cNvPr id="5" name="Rectangle 4">
+            <a:extLst>
+              <a:ext uri="{FF2B5EF4-FFF2-40B4-BE49-F238E27FC236}">
+                <a16:creationId xmlns:a16="http://schemas.microsoft.com/office/drawing/2014/main" id="{14FB254B-89DF-5CAB-BDDB-8436A9A723D4}"/>
+              </a:ext>
+            </a:extLst>
+          </p:cNvPr>
+          <p:cNvSpPr/>
+          <p:nvPr/>
+        </p:nvSpPr>
+        <p:spPr>
+          <a:xfrm>
+            <a:off x="1904275" y="1940312"/>
+            <a:ext cx="1670338" cy="2102712"/>
+          </a:xfrm>
+          <a:prstGeom prst="rect">
+            <a:avLst/>
+          </a:prstGeom>
+          <a:solidFill>
+            <a:srgbClr val="00B050"/>
+          </a:solidFill>
+        </p:spPr>
+        <p:style>
+          <a:lnRef idx="2">
+            <a:schemeClr val="accent1">
+              <a:shade val="50000"/>
+            </a:schemeClr>
+          </a:lnRef>
+          <a:fillRef idx="1">
+            <a:schemeClr val="accent1"/>
+          </a:fillRef>
+          <a:effectRef idx="0">
+            <a:schemeClr val="accent1"/>
+          </a:effectRef>
+          <a:fontRef idx="minor">
+            <a:schemeClr val="lt1"/>
+          </a:fontRef>
+        </p:style>
+        <p:txBody>
+          <a:bodyPr rtlCol="0" anchor="ctr"/>
+          <a:lstStyle/>
+          <a:p>
+            <a:pPr algn="ctr"/>
+            <a:endParaRPr lang="en-US"/>
+          </a:p>
+        </p:txBody>
+      </p:sp>
+      <p:sp>
+        <p:nvSpPr>
+          <p:cNvPr id="6" name="Rectangle 5">
+            <a:extLst>
+              <a:ext uri="{FF2B5EF4-FFF2-40B4-BE49-F238E27FC236}">
+                <a16:creationId xmlns:a16="http://schemas.microsoft.com/office/drawing/2014/main" id="{B440765D-F814-FE05-9547-A23A57B284B1}"/>
+              </a:ext>
+            </a:extLst>
+          </p:cNvPr>
+          <p:cNvSpPr/>
+          <p:nvPr/>
+        </p:nvSpPr>
+        <p:spPr>
+          <a:xfrm>
+            <a:off x="5873279" y="953811"/>
+            <a:ext cx="3021980" cy="3713357"/>
+          </a:xfrm>
+          <a:prstGeom prst="rect">
+            <a:avLst/>
+          </a:prstGeom>
+          <a:solidFill>
+            <a:srgbClr val="00B050"/>
+          </a:solidFill>
+        </p:spPr>
+        <p:style>
+          <a:lnRef idx="2">
+            <a:schemeClr val="accent1">
+              <a:shade val="50000"/>
+            </a:schemeClr>
+          </a:lnRef>
+          <a:fillRef idx="1">
+            <a:schemeClr val="accent1"/>
+          </a:fillRef>
+          <a:effectRef idx="0">
+            <a:schemeClr val="accent1"/>
+          </a:effectRef>
+          <a:fontRef idx="minor">
+            <a:schemeClr val="lt1"/>
+          </a:fontRef>
+        </p:style>
+        <p:txBody>
+          <a:bodyPr rtlCol="0" anchor="ctr"/>
+          <a:lstStyle/>
+          <a:p>
+            <a:pPr algn="ctr"/>
+            <a:endParaRPr lang="en-US"/>
+          </a:p>
+        </p:txBody>
+      </p:sp>
+      <p:sp>
+        <p:nvSpPr>
+          <p:cNvPr id="7" name="Rectangle 6">
+            <a:extLst>
+              <a:ext uri="{FF2B5EF4-FFF2-40B4-BE49-F238E27FC236}">
+                <a16:creationId xmlns:a16="http://schemas.microsoft.com/office/drawing/2014/main" id="{BB39670E-AAA8-9E58-0E5D-01F95512FECE}"/>
+              </a:ext>
+            </a:extLst>
+          </p:cNvPr>
+          <p:cNvSpPr/>
+          <p:nvPr/>
+        </p:nvSpPr>
+        <p:spPr>
+          <a:xfrm>
+            <a:off x="6442572" y="2735948"/>
+            <a:ext cx="1888274" cy="1532364"/>
+          </a:xfrm>
+          <a:prstGeom prst="rect">
+            <a:avLst/>
+          </a:prstGeom>
+          <a:solidFill>
+            <a:schemeClr val="tx1"/>
+          </a:solidFill>
+        </p:spPr>
+        <p:style>
+          <a:lnRef idx="2">
+            <a:schemeClr val="accent1">
+              <a:shade val="50000"/>
+            </a:schemeClr>
+          </a:lnRef>
+          <a:fillRef idx="1">
+            <a:schemeClr val="accent1"/>
+          </a:fillRef>
+          <a:effectRef idx="0">
+            <a:schemeClr val="accent1"/>
+          </a:effectRef>
+          <a:fontRef idx="minor">
+            <a:schemeClr val="lt1"/>
+          </a:fontRef>
+        </p:style>
+        <p:txBody>
+          <a:bodyPr rtlCol="0" anchor="ctr"/>
+          <a:lstStyle/>
+          <a:p>
+            <a:pPr algn="ctr"/>
+            <a:endParaRPr lang="en-US"/>
+          </a:p>
+        </p:txBody>
+      </p:sp>
+      <p:sp>
+        <p:nvSpPr>
+          <p:cNvPr id="8" name="TextBox 7">
+            <a:extLst>
+              <a:ext uri="{FF2B5EF4-FFF2-40B4-BE49-F238E27FC236}">
+                <a16:creationId xmlns:a16="http://schemas.microsoft.com/office/drawing/2014/main" id="{8D8A5C2A-6200-30CE-3501-0269097F8555}"/>
+              </a:ext>
+            </a:extLst>
+          </p:cNvPr>
+          <p:cNvSpPr txBox="1"/>
+          <p:nvPr/>
+        </p:nvSpPr>
+        <p:spPr>
+          <a:xfrm>
+            <a:off x="6721351" y="2796789"/>
+            <a:ext cx="2010937" cy="646331"/>
+          </a:xfrm>
+          <a:prstGeom prst="rect">
+            <a:avLst/>
+          </a:prstGeom>
+          <a:noFill/>
+        </p:spPr>
+        <p:txBody>
+          <a:bodyPr wrap="square" rtlCol="0">
+            <a:spAutoFit/>
+          </a:bodyPr>
+          <a:lstStyle/>
+          <a:p>
+            <a:r>
+              <a:rPr lang="en-US" dirty="0">
+                <a:solidFill>
+                  <a:srgbClr val="00B050"/>
+                </a:solidFill>
+              </a:rPr>
+              <a:t>Web Server</a:t>
+            </a:r>
+          </a:p>
+          <a:p>
+            <a:endParaRPr lang="en-US" dirty="0"/>
+          </a:p>
+        </p:txBody>
+      </p:sp>
+      <p:sp>
+        <p:nvSpPr>
+          <p:cNvPr id="10" name="TextBox 9">
+            <a:extLst>
+              <a:ext uri="{FF2B5EF4-FFF2-40B4-BE49-F238E27FC236}">
+                <a16:creationId xmlns:a16="http://schemas.microsoft.com/office/drawing/2014/main" id="{28AC2C9D-79FE-C34B-657B-ECECA786E208}"/>
+              </a:ext>
+            </a:extLst>
+          </p:cNvPr>
+          <p:cNvSpPr txBox="1"/>
+          <p:nvPr/>
+        </p:nvSpPr>
+        <p:spPr>
+          <a:xfrm>
+            <a:off x="6721352" y="3621981"/>
+            <a:ext cx="2010937" cy="646331"/>
+          </a:xfrm>
+          <a:prstGeom prst="rect">
+            <a:avLst/>
+          </a:prstGeom>
+          <a:noFill/>
+        </p:spPr>
+        <p:txBody>
+          <a:bodyPr wrap="square" rtlCol="0">
+            <a:spAutoFit/>
+          </a:bodyPr>
+          <a:lstStyle/>
+          <a:p>
+            <a:r>
+              <a:rPr lang="en-US" dirty="0">
+                <a:solidFill>
+                  <a:srgbClr val="00B050"/>
+                </a:solidFill>
+              </a:rPr>
+              <a:t>REST APIs</a:t>
+            </a:r>
+          </a:p>
+          <a:p>
+            <a:endParaRPr lang="en-US" dirty="0"/>
+          </a:p>
+        </p:txBody>
+      </p:sp>
+      <p:sp>
+        <p:nvSpPr>
+          <p:cNvPr id="11" name="TextBox 10">
+            <a:extLst>
+              <a:ext uri="{FF2B5EF4-FFF2-40B4-BE49-F238E27FC236}">
+                <a16:creationId xmlns:a16="http://schemas.microsoft.com/office/drawing/2014/main" id="{87C55BE0-F0B6-3524-1147-D4E7293A093B}"/>
+              </a:ext>
+            </a:extLst>
+          </p:cNvPr>
+          <p:cNvSpPr txBox="1"/>
+          <p:nvPr/>
+        </p:nvSpPr>
+        <p:spPr>
+          <a:xfrm>
+            <a:off x="10760066" y="2441157"/>
+            <a:ext cx="2010937" cy="369332"/>
+          </a:xfrm>
+          <a:prstGeom prst="rect">
+            <a:avLst/>
+          </a:prstGeom>
+          <a:noFill/>
+        </p:spPr>
+        <p:txBody>
+          <a:bodyPr wrap="square" rtlCol="0">
+            <a:spAutoFit/>
+          </a:bodyPr>
+          <a:lstStyle/>
+          <a:p>
+            <a:r>
+              <a:rPr lang="en-US" b="1" dirty="0"/>
+              <a:t>MongoDB </a:t>
+            </a:r>
+          </a:p>
+        </p:txBody>
+      </p:sp>
+      <p:sp>
+        <p:nvSpPr>
+          <p:cNvPr id="12" name="TextBox 11">
+            <a:extLst>
+              <a:ext uri="{FF2B5EF4-FFF2-40B4-BE49-F238E27FC236}">
+                <a16:creationId xmlns:a16="http://schemas.microsoft.com/office/drawing/2014/main" id="{F5716669-0261-E53C-2CD8-4D38316906B9}"/>
+              </a:ext>
+            </a:extLst>
+          </p:cNvPr>
+          <p:cNvSpPr txBox="1"/>
+          <p:nvPr/>
+        </p:nvSpPr>
+        <p:spPr>
+          <a:xfrm>
+            <a:off x="6325207" y="1521714"/>
+            <a:ext cx="2538760" cy="646331"/>
+          </a:xfrm>
+          <a:prstGeom prst="rect">
+            <a:avLst/>
+          </a:prstGeom>
+          <a:noFill/>
+        </p:spPr>
+        <p:txBody>
+          <a:bodyPr wrap="square" rtlCol="0">
+            <a:spAutoFit/>
+          </a:bodyPr>
+          <a:lstStyle/>
+          <a:p>
+            <a:r>
+              <a:rPr lang="en-US" b="1" dirty="0"/>
+              <a:t>Node Application</a:t>
+            </a:r>
+          </a:p>
+          <a:p>
+            <a:endParaRPr lang="en-US" dirty="0"/>
+          </a:p>
+        </p:txBody>
+      </p:sp>
+      <p:sp>
+        <p:nvSpPr>
+          <p:cNvPr id="18" name="TextBox 17">
+            <a:extLst>
+              <a:ext uri="{FF2B5EF4-FFF2-40B4-BE49-F238E27FC236}">
+                <a16:creationId xmlns:a16="http://schemas.microsoft.com/office/drawing/2014/main" id="{2A308433-6B45-9ACA-D50C-B9952BAF0485}"/>
+              </a:ext>
+            </a:extLst>
+          </p:cNvPr>
+          <p:cNvSpPr txBox="1"/>
+          <p:nvPr/>
+        </p:nvSpPr>
+        <p:spPr>
+          <a:xfrm>
+            <a:off x="2483002" y="2235381"/>
+            <a:ext cx="2010937" cy="369332"/>
+          </a:xfrm>
+          <a:prstGeom prst="rect">
+            <a:avLst/>
+          </a:prstGeom>
+          <a:noFill/>
+        </p:spPr>
+        <p:txBody>
+          <a:bodyPr wrap="square" rtlCol="0">
+            <a:spAutoFit/>
+          </a:bodyPr>
+          <a:lstStyle/>
+          <a:p>
+            <a:r>
+              <a:rPr lang="en-US" dirty="0">
+                <a:solidFill>
+                  <a:srgbClr val="00B050"/>
+                </a:solidFill>
+              </a:rPr>
+              <a:t>Windows</a:t>
+            </a:r>
+          </a:p>
+        </p:txBody>
+      </p:sp>
+      <p:sp>
+        <p:nvSpPr>
+          <p:cNvPr id="25" name="TextBox 24">
+            <a:extLst>
+              <a:ext uri="{FF2B5EF4-FFF2-40B4-BE49-F238E27FC236}">
+                <a16:creationId xmlns:a16="http://schemas.microsoft.com/office/drawing/2014/main" id="{49AB3C59-7E2A-637A-59BD-61EED242BC55}"/>
+              </a:ext>
+            </a:extLst>
+          </p:cNvPr>
+          <p:cNvSpPr txBox="1"/>
+          <p:nvPr/>
+        </p:nvSpPr>
+        <p:spPr>
+          <a:xfrm>
+            <a:off x="6598716" y="195794"/>
+            <a:ext cx="9232281" cy="369332"/>
+          </a:xfrm>
+          <a:prstGeom prst="rect">
+            <a:avLst/>
+          </a:prstGeom>
+          <a:noFill/>
+        </p:spPr>
+        <p:txBody>
+          <a:bodyPr wrap="square" rtlCol="0">
+            <a:spAutoFit/>
+          </a:bodyPr>
+          <a:lstStyle/>
+          <a:p>
+            <a:r>
+              <a:rPr lang="en-US" b="1" dirty="0" err="1">
+                <a:solidFill>
+                  <a:srgbClr val="00B050"/>
+                </a:solidFill>
+              </a:rPr>
+              <a:t>thÉireP</a:t>
+            </a:r>
+            <a:r>
+              <a:rPr lang="en-US" b="1" dirty="0">
+                <a:solidFill>
+                  <a:srgbClr val="00B050"/>
+                </a:solidFill>
+              </a:rPr>
+              <a:t> || ePrescriptions-  Frontend React  Structure </a:t>
+            </a:r>
+          </a:p>
+        </p:txBody>
+      </p:sp>
+      <p:sp>
+        <p:nvSpPr>
+          <p:cNvPr id="26" name="Down Arrow 25">
+            <a:extLst>
+              <a:ext uri="{FF2B5EF4-FFF2-40B4-BE49-F238E27FC236}">
+                <a16:creationId xmlns:a16="http://schemas.microsoft.com/office/drawing/2014/main" id="{A8347D80-4785-A2B4-2EBA-E4A83D5FD661}"/>
+              </a:ext>
+            </a:extLst>
+          </p:cNvPr>
+          <p:cNvSpPr/>
+          <p:nvPr/>
+        </p:nvSpPr>
+        <p:spPr>
+          <a:xfrm rot="16200000">
+            <a:off x="4474864" y="2292089"/>
+            <a:ext cx="1007150" cy="1365257"/>
+          </a:xfrm>
+          <a:prstGeom prst="downArrow">
+            <a:avLst/>
+          </a:prstGeom>
+          <a:solidFill>
+            <a:srgbClr val="00B050"/>
+          </a:solidFill>
+        </p:spPr>
+        <p:style>
+          <a:lnRef idx="2">
+            <a:schemeClr val="accent1">
+              <a:shade val="50000"/>
+            </a:schemeClr>
+          </a:lnRef>
+          <a:fillRef idx="1">
+            <a:schemeClr val="accent1"/>
+          </a:fillRef>
+          <a:effectRef idx="0">
+            <a:schemeClr val="accent1"/>
+          </a:effectRef>
+          <a:fontRef idx="minor">
+            <a:schemeClr val="lt1"/>
+          </a:fontRef>
+        </p:style>
+        <p:txBody>
+          <a:bodyPr rtlCol="0" anchor="ctr"/>
+          <a:lstStyle/>
+          <a:p>
+            <a:pPr algn="ctr"/>
+            <a:endParaRPr lang="en-US"/>
+          </a:p>
+        </p:txBody>
+      </p:sp>
+      <p:sp>
+        <p:nvSpPr>
+          <p:cNvPr id="29" name="Down Arrow 28">
+            <a:extLst>
+              <a:ext uri="{FF2B5EF4-FFF2-40B4-BE49-F238E27FC236}">
+                <a16:creationId xmlns:a16="http://schemas.microsoft.com/office/drawing/2014/main" id="{81B4AD0C-5204-104B-73DB-9439CF76985C}"/>
+              </a:ext>
+            </a:extLst>
+          </p:cNvPr>
+          <p:cNvSpPr/>
+          <p:nvPr/>
+        </p:nvSpPr>
+        <p:spPr>
+          <a:xfrm rot="5400000">
+            <a:off x="4100195" y="3168442"/>
+            <a:ext cx="862619" cy="1277002"/>
+          </a:xfrm>
+          <a:prstGeom prst="downArrow">
+            <a:avLst/>
+          </a:prstGeom>
+          <a:solidFill>
+            <a:srgbClr val="00B050"/>
+          </a:solidFill>
+        </p:spPr>
+        <p:style>
+          <a:lnRef idx="2">
+            <a:schemeClr val="accent1">
+              <a:shade val="50000"/>
+            </a:schemeClr>
+          </a:lnRef>
+          <a:fillRef idx="1">
+            <a:schemeClr val="accent1"/>
+          </a:fillRef>
+          <a:effectRef idx="0">
+            <a:schemeClr val="accent1"/>
+          </a:effectRef>
+          <a:fontRef idx="minor">
+            <a:schemeClr val="lt1"/>
+          </a:fontRef>
+        </p:style>
+        <p:txBody>
+          <a:bodyPr rtlCol="0" anchor="ctr"/>
+          <a:lstStyle/>
+          <a:p>
+            <a:pPr algn="ctr"/>
+            <a:endParaRPr lang="en-US"/>
+          </a:p>
+        </p:txBody>
+      </p:sp>
+      <p:sp>
+        <p:nvSpPr>
+          <p:cNvPr id="30" name="Down Arrow 29">
+            <a:extLst>
+              <a:ext uri="{FF2B5EF4-FFF2-40B4-BE49-F238E27FC236}">
+                <a16:creationId xmlns:a16="http://schemas.microsoft.com/office/drawing/2014/main" id="{6DF9267B-B656-8FDC-B043-6838A5AF5FB2}"/>
+              </a:ext>
+            </a:extLst>
+          </p:cNvPr>
+          <p:cNvSpPr/>
+          <p:nvPr/>
+        </p:nvSpPr>
+        <p:spPr>
+          <a:xfrm rot="16200000">
+            <a:off x="9133875" y="3757974"/>
+            <a:ext cx="862618" cy="1188669"/>
+          </a:xfrm>
+          <a:prstGeom prst="downArrow">
+            <a:avLst/>
+          </a:prstGeom>
+          <a:solidFill>
+            <a:srgbClr val="00B050"/>
+          </a:solidFill>
+        </p:spPr>
+        <p:style>
+          <a:lnRef idx="2">
+            <a:schemeClr val="accent1">
+              <a:shade val="50000"/>
+            </a:schemeClr>
+          </a:lnRef>
+          <a:fillRef idx="1">
+            <a:schemeClr val="accent1"/>
+          </a:fillRef>
+          <a:effectRef idx="0">
+            <a:schemeClr val="accent1"/>
+          </a:effectRef>
+          <a:fontRef idx="minor">
+            <a:schemeClr val="lt1"/>
+          </a:fontRef>
+        </p:style>
+        <p:txBody>
+          <a:bodyPr rtlCol="0" anchor="ctr"/>
+          <a:lstStyle/>
+          <a:p>
+            <a:pPr algn="ctr"/>
+            <a:endParaRPr lang="en-US"/>
+          </a:p>
+        </p:txBody>
+      </p:sp>
+      <p:sp>
+        <p:nvSpPr>
+          <p:cNvPr id="31" name="Down Arrow 30">
+            <a:extLst>
+              <a:ext uri="{FF2B5EF4-FFF2-40B4-BE49-F238E27FC236}">
+                <a16:creationId xmlns:a16="http://schemas.microsoft.com/office/drawing/2014/main" id="{4A65708D-517E-78DF-D082-A8B081DDE5E5}"/>
+              </a:ext>
+            </a:extLst>
+          </p:cNvPr>
+          <p:cNvSpPr/>
+          <p:nvPr/>
+        </p:nvSpPr>
+        <p:spPr>
+          <a:xfrm rot="5400000">
+            <a:off x="9097860" y="2442968"/>
+            <a:ext cx="862618" cy="1188669"/>
+          </a:xfrm>
+          <a:prstGeom prst="downArrow">
+            <a:avLst/>
+          </a:prstGeom>
+          <a:solidFill>
+            <a:srgbClr val="00B050"/>
+          </a:solidFill>
+        </p:spPr>
+        <p:style>
+          <a:lnRef idx="2">
+            <a:schemeClr val="accent1">
+              <a:shade val="50000"/>
+            </a:schemeClr>
+          </a:lnRef>
+          <a:fillRef idx="1">
+            <a:schemeClr val="accent1"/>
+          </a:fillRef>
+          <a:effectRef idx="0">
+            <a:schemeClr val="accent1"/>
+          </a:effectRef>
+          <a:fontRef idx="minor">
+            <a:schemeClr val="lt1"/>
+          </a:fontRef>
+        </p:style>
+        <p:txBody>
+          <a:bodyPr rtlCol="0" anchor="ctr"/>
+          <a:lstStyle/>
+          <a:p>
+            <a:pPr algn="ctr"/>
+            <a:endParaRPr lang="en-US"/>
+          </a:p>
+        </p:txBody>
+      </p:sp>
+      <p:sp>
+        <p:nvSpPr>
+          <p:cNvPr id="32" name="TextBox 31">
+            <a:extLst>
+              <a:ext uri="{FF2B5EF4-FFF2-40B4-BE49-F238E27FC236}">
+                <a16:creationId xmlns:a16="http://schemas.microsoft.com/office/drawing/2014/main" id="{B204BDF2-0C5E-4EE4-64C1-DA220C5CBC5D}"/>
+              </a:ext>
+            </a:extLst>
+          </p:cNvPr>
+          <p:cNvSpPr txBox="1"/>
+          <p:nvPr/>
+        </p:nvSpPr>
+        <p:spPr>
+          <a:xfrm>
+            <a:off x="4295808" y="2825710"/>
+            <a:ext cx="1104900" cy="369332"/>
+          </a:xfrm>
+          <a:prstGeom prst="rect">
+            <a:avLst/>
+          </a:prstGeom>
+          <a:noFill/>
+        </p:spPr>
+        <p:txBody>
+          <a:bodyPr wrap="square" rtlCol="0">
+            <a:spAutoFit/>
+          </a:bodyPr>
+          <a:lstStyle/>
+          <a:p>
+            <a:r>
+              <a:rPr lang="en-US" b="1" dirty="0"/>
+              <a:t>Requests</a:t>
+            </a:r>
+          </a:p>
+        </p:txBody>
+      </p:sp>
+      <p:sp>
+        <p:nvSpPr>
+          <p:cNvPr id="34" name="TextBox 33">
+            <a:extLst>
+              <a:ext uri="{FF2B5EF4-FFF2-40B4-BE49-F238E27FC236}">
+                <a16:creationId xmlns:a16="http://schemas.microsoft.com/office/drawing/2014/main" id="{C8C1DCAB-6C92-3C5F-CCE9-52973B5BCFFA}"/>
+              </a:ext>
+            </a:extLst>
+          </p:cNvPr>
+          <p:cNvSpPr txBox="1"/>
+          <p:nvPr/>
+        </p:nvSpPr>
+        <p:spPr>
+          <a:xfrm>
+            <a:off x="3988399" y="3625548"/>
+            <a:ext cx="1294932" cy="369332"/>
+          </a:xfrm>
+          <a:prstGeom prst="rect">
+            <a:avLst/>
+          </a:prstGeom>
+          <a:noFill/>
+        </p:spPr>
+        <p:txBody>
+          <a:bodyPr wrap="square" rtlCol="0">
+            <a:spAutoFit/>
+          </a:bodyPr>
+          <a:lstStyle/>
+          <a:p>
+            <a:r>
+              <a:rPr lang="en-US" b="1" dirty="0"/>
+              <a:t>Responses</a:t>
+            </a:r>
+          </a:p>
+        </p:txBody>
+      </p:sp>
+      <p:sp>
+        <p:nvSpPr>
+          <p:cNvPr id="35" name="TextBox 34">
+            <a:extLst>
+              <a:ext uri="{FF2B5EF4-FFF2-40B4-BE49-F238E27FC236}">
+                <a16:creationId xmlns:a16="http://schemas.microsoft.com/office/drawing/2014/main" id="{9C9DAB98-1EAF-5696-B2E5-7A23E580C88F}"/>
+              </a:ext>
+            </a:extLst>
+          </p:cNvPr>
+          <p:cNvSpPr txBox="1"/>
+          <p:nvPr/>
+        </p:nvSpPr>
+        <p:spPr>
+          <a:xfrm>
+            <a:off x="4391594" y="3239135"/>
+            <a:ext cx="1104900" cy="338554"/>
+          </a:xfrm>
+          <a:prstGeom prst="rect">
+            <a:avLst/>
+          </a:prstGeom>
+          <a:noFill/>
+        </p:spPr>
+        <p:txBody>
+          <a:bodyPr wrap="square" rtlCol="0">
+            <a:spAutoFit/>
+          </a:bodyPr>
+          <a:lstStyle/>
+          <a:p>
+            <a:r>
+              <a:rPr lang="en-US" sz="1600" b="1" dirty="0">
+                <a:solidFill>
+                  <a:srgbClr val="00B050"/>
+                </a:solidFill>
+              </a:rPr>
+              <a:t>JSON</a:t>
+            </a:r>
+          </a:p>
+        </p:txBody>
+      </p:sp>
+      <p:graphicFrame>
+        <p:nvGraphicFramePr>
+          <p:cNvPr id="36" name="Table 36">
+            <a:extLst>
+              <a:ext uri="{FF2B5EF4-FFF2-40B4-BE49-F238E27FC236}">
+                <a16:creationId xmlns:a16="http://schemas.microsoft.com/office/drawing/2014/main" id="{6730990B-1EA8-A9AD-0187-DBDFFA7AD4D0}"/>
+              </a:ext>
+            </a:extLst>
+          </p:cNvPr>
+          <p:cNvGraphicFramePr>
+            <a:graphicFrameLocks noGrp="1"/>
+          </p:cNvGraphicFramePr>
+          <p:nvPr/>
+        </p:nvGraphicFramePr>
+        <p:xfrm>
+          <a:off x="3920839" y="641675"/>
+          <a:ext cx="1861952" cy="1828800"/>
+        </p:xfrm>
+        <a:graphic>
+          <a:graphicData uri="http://schemas.openxmlformats.org/drawingml/2006/table">
+            <a:tbl>
+              <a:tblPr firstRow="1" bandRow="1">
+                <a:tableStyleId>{93296810-A885-4BE3-A3E7-6D5BEEA58F35}</a:tableStyleId>
+              </a:tblPr>
+              <a:tblGrid>
+                <a:gridCol w="930976">
+                  <a:extLst>
+                    <a:ext uri="{9D8B030D-6E8A-4147-A177-3AD203B41FA5}">
+                      <a16:colId xmlns:a16="http://schemas.microsoft.com/office/drawing/2014/main" val="1978548203"/>
+                    </a:ext>
+                  </a:extLst>
+                </a:gridCol>
+                <a:gridCol w="930976">
+                  <a:extLst>
+                    <a:ext uri="{9D8B030D-6E8A-4147-A177-3AD203B41FA5}">
+                      <a16:colId xmlns:a16="http://schemas.microsoft.com/office/drawing/2014/main" val="1106706743"/>
+                    </a:ext>
+                  </a:extLst>
+                </a:gridCol>
+              </a:tblGrid>
+              <a:tr h="323754">
+                <a:tc>
+                  <a:txBody>
+                    <a:bodyPr/>
+                    <a:lstStyle/>
+                    <a:p>
+                      <a:r>
+                        <a:rPr lang="en-US" dirty="0"/>
+                        <a:t>HTTP</a:t>
+                      </a:r>
+                    </a:p>
+                  </a:txBody>
+                  <a:tcPr/>
+                </a:tc>
+                <a:tc>
+                  <a:txBody>
+                    <a:bodyPr/>
+                    <a:lstStyle/>
+                    <a:p>
+                      <a:r>
+                        <a:rPr lang="en-US" dirty="0"/>
+                        <a:t>CRUD</a:t>
+                      </a:r>
+                    </a:p>
+                  </a:txBody>
+                  <a:tcPr/>
+                </a:tc>
+                <a:extLst>
+                  <a:ext uri="{0D108BD9-81ED-4DB2-BD59-A6C34878D82A}">
+                    <a16:rowId xmlns:a16="http://schemas.microsoft.com/office/drawing/2014/main" val="234106805"/>
+                  </a:ext>
+                </a:extLst>
+              </a:tr>
+              <a:tr h="323754">
+                <a:tc>
+                  <a:txBody>
+                    <a:bodyPr/>
+                    <a:lstStyle/>
+                    <a:p>
+                      <a:r>
+                        <a:rPr lang="en-US" dirty="0"/>
+                        <a:t>Post</a:t>
+                      </a:r>
+                    </a:p>
+                  </a:txBody>
+                  <a:tcPr/>
+                </a:tc>
+                <a:tc>
+                  <a:txBody>
+                    <a:bodyPr/>
+                    <a:lstStyle/>
+                    <a:p>
+                      <a:r>
+                        <a:rPr lang="en-US" dirty="0"/>
+                        <a:t>Create</a:t>
+                      </a:r>
+                    </a:p>
+                  </a:txBody>
+                  <a:tcPr/>
+                </a:tc>
+                <a:extLst>
+                  <a:ext uri="{0D108BD9-81ED-4DB2-BD59-A6C34878D82A}">
+                    <a16:rowId xmlns:a16="http://schemas.microsoft.com/office/drawing/2014/main" val="1009854772"/>
+                  </a:ext>
+                </a:extLst>
+              </a:tr>
+              <a:tr h="323754">
+                <a:tc>
+                  <a:txBody>
+                    <a:bodyPr/>
+                    <a:lstStyle/>
+                    <a:p>
+                      <a:r>
+                        <a:rPr lang="en-US" dirty="0"/>
+                        <a:t>Get</a:t>
+                      </a:r>
+                    </a:p>
+                  </a:txBody>
+                  <a:tcPr/>
+                </a:tc>
+                <a:tc>
+                  <a:txBody>
+                    <a:bodyPr/>
+                    <a:lstStyle/>
+                    <a:p>
+                      <a:r>
+                        <a:rPr lang="en-US" dirty="0"/>
+                        <a:t>Read</a:t>
+                      </a:r>
+                    </a:p>
+                  </a:txBody>
+                  <a:tcPr/>
+                </a:tc>
+                <a:extLst>
+                  <a:ext uri="{0D108BD9-81ED-4DB2-BD59-A6C34878D82A}">
+                    <a16:rowId xmlns:a16="http://schemas.microsoft.com/office/drawing/2014/main" val="3828833756"/>
+                  </a:ext>
+                </a:extLst>
+              </a:tr>
+              <a:tr h="323754">
+                <a:tc>
+                  <a:txBody>
+                    <a:bodyPr/>
+                    <a:lstStyle/>
+                    <a:p>
+                      <a:r>
+                        <a:rPr lang="en-US" dirty="0"/>
+                        <a:t>Put</a:t>
+                      </a:r>
+                    </a:p>
+                  </a:txBody>
+                  <a:tcPr/>
+                </a:tc>
+                <a:tc>
+                  <a:txBody>
+                    <a:bodyPr/>
+                    <a:lstStyle/>
+                    <a:p>
+                      <a:r>
+                        <a:rPr lang="en-US" dirty="0"/>
+                        <a:t>Update</a:t>
+                      </a:r>
+                    </a:p>
+                  </a:txBody>
+                  <a:tcPr/>
+                </a:tc>
+                <a:extLst>
+                  <a:ext uri="{0D108BD9-81ED-4DB2-BD59-A6C34878D82A}">
+                    <a16:rowId xmlns:a16="http://schemas.microsoft.com/office/drawing/2014/main" val="178019440"/>
+                  </a:ext>
+                </a:extLst>
+              </a:tr>
+              <a:tr h="323754">
+                <a:tc>
+                  <a:txBody>
+                    <a:bodyPr/>
+                    <a:lstStyle/>
+                    <a:p>
+                      <a:r>
+                        <a:rPr lang="en-US" dirty="0"/>
+                        <a:t>Delete</a:t>
+                      </a:r>
+                    </a:p>
+                  </a:txBody>
+                  <a:tcPr>
+                    <a:solidFill>
+                      <a:schemeClr val="accent6">
+                        <a:tint val="20000"/>
+                      </a:schemeClr>
+                    </a:solidFill>
+                  </a:tcPr>
+                </a:tc>
+                <a:tc>
+                  <a:txBody>
+                    <a:bodyPr/>
+                    <a:lstStyle/>
+                    <a:p>
+                      <a:r>
+                        <a:rPr lang="en-US" dirty="0"/>
+                        <a:t>Delete</a:t>
+                      </a:r>
+                    </a:p>
+                  </a:txBody>
+                  <a:tcPr/>
+                </a:tc>
+                <a:extLst>
+                  <a:ext uri="{0D108BD9-81ED-4DB2-BD59-A6C34878D82A}">
+                    <a16:rowId xmlns:a16="http://schemas.microsoft.com/office/drawing/2014/main" val="508222007"/>
+                  </a:ext>
+                </a:extLst>
+              </a:tr>
+            </a:tbl>
+          </a:graphicData>
+        </a:graphic>
+      </p:graphicFrame>
+      <p:sp>
+        <p:nvSpPr>
+          <p:cNvPr id="3" name="TextBox 2">
+            <a:extLst>
+              <a:ext uri="{FF2B5EF4-FFF2-40B4-BE49-F238E27FC236}">
+                <a16:creationId xmlns:a16="http://schemas.microsoft.com/office/drawing/2014/main" id="{119205EB-27EB-E1B9-CC24-996BB8EFA52D}"/>
+              </a:ext>
+            </a:extLst>
+          </p:cNvPr>
+          <p:cNvSpPr txBox="1"/>
+          <p:nvPr/>
+        </p:nvSpPr>
+        <p:spPr>
+          <a:xfrm>
+            <a:off x="6959912" y="5980872"/>
+            <a:ext cx="2010937" cy="584775"/>
+          </a:xfrm>
+          <a:prstGeom prst="rect">
+            <a:avLst/>
+          </a:prstGeom>
+          <a:noFill/>
+        </p:spPr>
+        <p:txBody>
+          <a:bodyPr wrap="square" rtlCol="0">
+            <a:spAutoFit/>
+          </a:bodyPr>
+          <a:lstStyle/>
+          <a:p>
+            <a:r>
+              <a:rPr lang="en-US" sz="1400" b="1" dirty="0"/>
+              <a:t>User Directory</a:t>
+            </a:r>
+          </a:p>
+          <a:p>
+            <a:r>
+              <a:rPr lang="en-US" sz="1400" b="1" dirty="0"/>
+              <a:t>(GPs &amp; Pharmacies</a:t>
+            </a:r>
+            <a:r>
+              <a:rPr lang="en-US" b="1" dirty="0"/>
+              <a:t>)</a:t>
+            </a:r>
+          </a:p>
+        </p:txBody>
+      </p:sp>
+      <p:sp>
+        <p:nvSpPr>
+          <p:cNvPr id="27" name="TextBox 26">
+            <a:extLst>
+              <a:ext uri="{FF2B5EF4-FFF2-40B4-BE49-F238E27FC236}">
+                <a16:creationId xmlns:a16="http://schemas.microsoft.com/office/drawing/2014/main" id="{B97E09E7-DCC6-8AEF-BC94-B1F2C67C908E}"/>
+              </a:ext>
+            </a:extLst>
+          </p:cNvPr>
+          <p:cNvSpPr txBox="1"/>
+          <p:nvPr/>
+        </p:nvSpPr>
+        <p:spPr>
+          <a:xfrm>
+            <a:off x="9007448" y="4180084"/>
+            <a:ext cx="1104900" cy="369332"/>
+          </a:xfrm>
+          <a:prstGeom prst="rect">
+            <a:avLst/>
+          </a:prstGeom>
+          <a:noFill/>
+        </p:spPr>
+        <p:txBody>
+          <a:bodyPr wrap="square" rtlCol="0">
+            <a:spAutoFit/>
+          </a:bodyPr>
+          <a:lstStyle/>
+          <a:p>
+            <a:r>
+              <a:rPr lang="en-US" b="1" dirty="0"/>
+              <a:t>Requests</a:t>
+            </a:r>
+          </a:p>
+        </p:txBody>
+      </p:sp>
+      <p:sp>
+        <p:nvSpPr>
+          <p:cNvPr id="28" name="TextBox 27">
+            <a:extLst>
+              <a:ext uri="{FF2B5EF4-FFF2-40B4-BE49-F238E27FC236}">
+                <a16:creationId xmlns:a16="http://schemas.microsoft.com/office/drawing/2014/main" id="{85A1D5D5-F6D2-FF29-F88C-4622AE40C4AD}"/>
+              </a:ext>
+            </a:extLst>
+          </p:cNvPr>
+          <p:cNvSpPr txBox="1"/>
+          <p:nvPr/>
+        </p:nvSpPr>
+        <p:spPr>
+          <a:xfrm>
+            <a:off x="8970849" y="2869803"/>
+            <a:ext cx="1294932" cy="369332"/>
+          </a:xfrm>
+          <a:prstGeom prst="rect">
+            <a:avLst/>
+          </a:prstGeom>
+          <a:noFill/>
+        </p:spPr>
+        <p:txBody>
+          <a:bodyPr wrap="square" rtlCol="0">
+            <a:spAutoFit/>
+          </a:bodyPr>
+          <a:lstStyle/>
+          <a:p>
+            <a:r>
+              <a:rPr lang="en-US" b="1" dirty="0"/>
+              <a:t>Responses</a:t>
+            </a:r>
+          </a:p>
+        </p:txBody>
+      </p:sp>
+      <p:sp>
+        <p:nvSpPr>
+          <p:cNvPr id="38" name="TextBox 37">
+            <a:extLst>
+              <a:ext uri="{FF2B5EF4-FFF2-40B4-BE49-F238E27FC236}">
+                <a16:creationId xmlns:a16="http://schemas.microsoft.com/office/drawing/2014/main" id="{7AA2A3BB-1FAE-E5B4-7602-4A5D76EEB5D0}"/>
+              </a:ext>
+            </a:extLst>
+          </p:cNvPr>
+          <p:cNvSpPr txBox="1"/>
+          <p:nvPr/>
+        </p:nvSpPr>
+        <p:spPr>
+          <a:xfrm>
+            <a:off x="9054625" y="1196012"/>
+            <a:ext cx="1585572" cy="1384995"/>
+          </a:xfrm>
+          <a:prstGeom prst="rect">
+            <a:avLst/>
+          </a:prstGeom>
+          <a:noFill/>
+        </p:spPr>
+        <p:txBody>
+          <a:bodyPr wrap="square" rtlCol="0">
+            <a:spAutoFit/>
+          </a:bodyPr>
+          <a:lstStyle/>
+          <a:p>
+            <a:r>
+              <a:rPr lang="en-US" sz="1400" b="1" dirty="0">
+                <a:solidFill>
+                  <a:srgbClr val="00B050"/>
+                </a:solidFill>
+              </a:rPr>
+              <a:t>JSON  Registration &amp; Authentication Flows</a:t>
+            </a:r>
+          </a:p>
+          <a:p>
+            <a:endParaRPr lang="en-US" sz="1400" b="1" dirty="0">
+              <a:solidFill>
+                <a:srgbClr val="00B050"/>
+              </a:solidFill>
+            </a:endParaRPr>
+          </a:p>
+          <a:p>
+            <a:r>
+              <a:rPr lang="en-US" sz="1400" b="1" dirty="0">
+                <a:solidFill>
+                  <a:srgbClr val="00B050"/>
+                </a:solidFill>
+              </a:rPr>
+              <a:t>&amp;  Prescriptions CRUD</a:t>
+            </a:r>
+          </a:p>
+        </p:txBody>
+      </p:sp>
+      <p:sp>
+        <p:nvSpPr>
+          <p:cNvPr id="39" name="TextBox 38">
+            <a:extLst>
+              <a:ext uri="{FF2B5EF4-FFF2-40B4-BE49-F238E27FC236}">
+                <a16:creationId xmlns:a16="http://schemas.microsoft.com/office/drawing/2014/main" id="{5E84CDD6-B922-DABF-30C3-460CB6FF859D}"/>
+              </a:ext>
+            </a:extLst>
+          </p:cNvPr>
+          <p:cNvSpPr txBox="1"/>
+          <p:nvPr/>
+        </p:nvSpPr>
+        <p:spPr>
+          <a:xfrm>
+            <a:off x="1927755" y="2053668"/>
+            <a:ext cx="2538760" cy="2000548"/>
+          </a:xfrm>
+          <a:prstGeom prst="rect">
+            <a:avLst/>
+          </a:prstGeom>
+          <a:noFill/>
+        </p:spPr>
+        <p:txBody>
+          <a:bodyPr wrap="square" rtlCol="0">
+            <a:spAutoFit/>
+          </a:bodyPr>
+          <a:lstStyle/>
+          <a:p>
+            <a:r>
+              <a:rPr lang="en-US" sz="1600" b="1" dirty="0"/>
+              <a:t>React Application</a:t>
+            </a:r>
+          </a:p>
+          <a:p>
+            <a:pPr marL="285750" indent="-285750">
+              <a:buFont typeface="Arial" panose="020B0604020202020204" pitchFamily="34" charset="0"/>
+              <a:buChar char="•"/>
+            </a:pPr>
+            <a:r>
+              <a:rPr lang="en-US" dirty="0"/>
+              <a:t>Component</a:t>
+            </a:r>
+          </a:p>
+          <a:p>
+            <a:pPr marL="285750" indent="-285750">
+              <a:buFont typeface="Arial" panose="020B0604020202020204" pitchFamily="34" charset="0"/>
+              <a:buChar char="•"/>
+            </a:pPr>
+            <a:r>
+              <a:rPr lang="en-US" dirty="0"/>
+              <a:t>State</a:t>
+            </a:r>
+          </a:p>
+          <a:p>
+            <a:pPr marL="285750" indent="-285750">
+              <a:buFont typeface="Arial" panose="020B0604020202020204" pitchFamily="34" charset="0"/>
+              <a:buChar char="•"/>
+            </a:pPr>
+            <a:r>
+              <a:rPr lang="en-US" dirty="0"/>
+              <a:t>Property</a:t>
+            </a:r>
+          </a:p>
+          <a:p>
+            <a:pPr marL="285750" indent="-285750">
+              <a:buFont typeface="Arial" panose="020B0604020202020204" pitchFamily="34" charset="0"/>
+              <a:buChar char="•"/>
+            </a:pPr>
+            <a:r>
+              <a:rPr lang="en-US" dirty="0"/>
+              <a:t>Action</a:t>
+            </a:r>
+          </a:p>
+          <a:p>
+            <a:pPr marL="285750" indent="-285750">
+              <a:buFont typeface="Arial" panose="020B0604020202020204" pitchFamily="34" charset="0"/>
+              <a:buChar char="•"/>
+            </a:pPr>
+            <a:r>
+              <a:rPr lang="en-US" dirty="0"/>
+              <a:t>Reducer</a:t>
+            </a:r>
+            <a:br>
+              <a:rPr lang="en-US" dirty="0"/>
+            </a:br>
+            <a:endParaRPr lang="en-US" dirty="0"/>
+          </a:p>
+        </p:txBody>
+      </p:sp>
+      <p:sp>
+        <p:nvSpPr>
+          <p:cNvPr id="40" name="TextBox 39">
+            <a:extLst>
+              <a:ext uri="{FF2B5EF4-FFF2-40B4-BE49-F238E27FC236}">
+                <a16:creationId xmlns:a16="http://schemas.microsoft.com/office/drawing/2014/main" id="{4E23B604-1367-20A1-597E-A218053304C6}"/>
+              </a:ext>
+            </a:extLst>
+          </p:cNvPr>
+          <p:cNvSpPr txBox="1"/>
+          <p:nvPr/>
+        </p:nvSpPr>
+        <p:spPr>
+          <a:xfrm>
+            <a:off x="8970849" y="3647023"/>
+            <a:ext cx="1104900" cy="338554"/>
+          </a:xfrm>
+          <a:prstGeom prst="rect">
+            <a:avLst/>
+          </a:prstGeom>
+          <a:noFill/>
+        </p:spPr>
+        <p:txBody>
+          <a:bodyPr wrap="square" rtlCol="0">
+            <a:spAutoFit/>
+          </a:bodyPr>
+          <a:lstStyle/>
+          <a:p>
+            <a:r>
+              <a:rPr lang="en-US" sz="1600" b="1" dirty="0">
+                <a:solidFill>
+                  <a:srgbClr val="00B050"/>
+                </a:solidFill>
+              </a:rPr>
+              <a:t>JSON</a:t>
+            </a:r>
+          </a:p>
+        </p:txBody>
+      </p:sp>
+      <p:pic>
+        <p:nvPicPr>
+          <p:cNvPr id="43" name="Graphic 42" descr="Checkbox Ticked with solid fill">
+            <a:extLst>
+              <a:ext uri="{FF2B5EF4-FFF2-40B4-BE49-F238E27FC236}">
+                <a16:creationId xmlns:a16="http://schemas.microsoft.com/office/drawing/2014/main" id="{960A8085-DB10-8215-C62B-D401BC88125A}"/>
+              </a:ext>
+            </a:extLst>
+          </p:cNvPr>
+          <p:cNvPicPr>
+            <a:picLocks noChangeAspect="1"/>
+          </p:cNvPicPr>
+          <p:nvPr/>
+        </p:nvPicPr>
+        <p:blipFill>
+          <a:blip r:embed="rId2">
+            <a:extLst>
+              <a:ext uri="{96DAC541-7B7A-43D3-8B79-37D633B846F1}">
+                <asvg:svgBlip xmlns:asvg="http://schemas.microsoft.com/office/drawing/2016/SVG/main" r:embed="rId3"/>
+              </a:ext>
+            </a:extLst>
+          </a:blip>
+          <a:stretch>
+            <a:fillRect/>
+          </a:stretch>
+        </p:blipFill>
+        <p:spPr>
+          <a:xfrm>
+            <a:off x="3013044" y="5500276"/>
+            <a:ext cx="780948" cy="780948"/>
+          </a:xfrm>
+          <a:prstGeom prst="rect">
+            <a:avLst/>
+          </a:prstGeom>
+        </p:spPr>
+      </p:pic>
+      <p:sp>
+        <p:nvSpPr>
+          <p:cNvPr id="9" name="TextBox 8">
+            <a:extLst>
+              <a:ext uri="{FF2B5EF4-FFF2-40B4-BE49-F238E27FC236}">
+                <a16:creationId xmlns:a16="http://schemas.microsoft.com/office/drawing/2014/main" id="{E9ADE9DC-47EF-B73A-DC38-5239CBA18E43}"/>
+              </a:ext>
+            </a:extLst>
+          </p:cNvPr>
+          <p:cNvSpPr txBox="1"/>
+          <p:nvPr/>
+        </p:nvSpPr>
+        <p:spPr>
+          <a:xfrm>
+            <a:off x="10518705" y="3102866"/>
+            <a:ext cx="2010937" cy="1077218"/>
+          </a:xfrm>
+          <a:prstGeom prst="rect">
+            <a:avLst/>
+          </a:prstGeom>
+          <a:noFill/>
+        </p:spPr>
+        <p:txBody>
+          <a:bodyPr wrap="square" rtlCol="0">
+            <a:spAutoFit/>
+          </a:bodyPr>
+          <a:lstStyle/>
+          <a:p>
+            <a:r>
+              <a:rPr lang="en-US" sz="1600" b="1" dirty="0"/>
+              <a:t>Collections:</a:t>
+            </a:r>
+          </a:p>
+          <a:p>
+            <a:pPr marL="285750" indent="-285750">
+              <a:buFont typeface="Arial" panose="020B0604020202020204" pitchFamily="34" charset="0"/>
+              <a:buChar char="•"/>
+            </a:pPr>
+            <a:r>
+              <a:rPr lang="en-US" sz="1600" b="1" dirty="0"/>
+              <a:t>Surgeries</a:t>
+            </a:r>
+          </a:p>
+          <a:p>
+            <a:pPr marL="285750" indent="-285750">
+              <a:buFont typeface="Arial" panose="020B0604020202020204" pitchFamily="34" charset="0"/>
+              <a:buChar char="•"/>
+            </a:pPr>
+            <a:r>
+              <a:rPr lang="en-US" sz="1600" b="1" dirty="0"/>
+              <a:t>Pharmacies</a:t>
+            </a:r>
+          </a:p>
+          <a:p>
+            <a:pPr marL="285750" indent="-285750">
+              <a:buFont typeface="Arial" panose="020B0604020202020204" pitchFamily="34" charset="0"/>
+              <a:buChar char="•"/>
+            </a:pPr>
+            <a:r>
+              <a:rPr lang="en-US" sz="1600" b="1" dirty="0"/>
+              <a:t>Prescriptions</a:t>
+            </a:r>
+          </a:p>
+        </p:txBody>
+      </p:sp>
+      <p:pic>
+        <p:nvPicPr>
+          <p:cNvPr id="14" name="Picture 13" descr="Logo&#10;&#10;Description automatically generated">
+            <a:extLst>
+              <a:ext uri="{FF2B5EF4-FFF2-40B4-BE49-F238E27FC236}">
+                <a16:creationId xmlns:a16="http://schemas.microsoft.com/office/drawing/2014/main" id="{FDED939B-1C1C-0907-0148-EB03C0D60C4D}"/>
+              </a:ext>
+            </a:extLst>
+          </p:cNvPr>
+          <p:cNvPicPr>
+            <a:picLocks noChangeAspect="1"/>
+          </p:cNvPicPr>
+          <p:nvPr/>
+        </p:nvPicPr>
+        <p:blipFill>
+          <a:blip r:embed="rId4"/>
+          <a:stretch>
+            <a:fillRect/>
+          </a:stretch>
+        </p:blipFill>
+        <p:spPr>
+          <a:xfrm>
+            <a:off x="51399" y="170380"/>
+            <a:ext cx="3937000" cy="762000"/>
+          </a:xfrm>
+          <a:prstGeom prst="rect">
+            <a:avLst/>
+          </a:prstGeom>
+        </p:spPr>
+      </p:pic>
+    </p:spTree>
+    <p:extLst>
+      <p:ext uri="{BB962C8B-B14F-4D97-AF65-F5344CB8AC3E}">
+        <p14:creationId xmlns:p14="http://schemas.microsoft.com/office/powerpoint/2010/main" val="4257263263"/>
+      </p:ext>
+    </p:extLst>
+  </p:cSld>
+  <p:clrMapOvr>
+    <a:masterClrMapping/>
+  </p:clrMapOvr>
+</p:sld>
+</file>
+
+<file path=ppt/slides/slide5.xml><?xml version="1.0" encoding="utf-8"?>
+<p:sld xmlns:a="http://schemas.openxmlformats.org/drawingml/2006/main" xmlns:r="http://schemas.openxmlformats.org/officeDocument/2006/relationships" xmlns:p="http://schemas.openxmlformats.org/presentationml/2006/main">
+  <p:cSld>
+    <p:bg>
+      <p:bgPr>
+        <a:solidFill>
+          <a:schemeClr val="tx1"/>
+        </a:solidFill>
+        <a:effectLst/>
+      </p:bgPr>
+    </p:bg>
+    <p:spTree>
+      <p:nvGrpSpPr>
+        <p:cNvPr id="1" name=""/>
+        <p:cNvGrpSpPr/>
+        <p:nvPr/>
+      </p:nvGrpSpPr>
+      <p:grpSpPr>
+        <a:xfrm>
+          <a:off x="0" y="0"/>
+          <a:ext cx="0" cy="0"/>
+          <a:chOff x="0" y="0"/>
+          <a:chExt cx="0" cy="0"/>
+        </a:xfrm>
+      </p:grpSpPr>
+      <p:sp>
+        <p:nvSpPr>
+          <p:cNvPr id="4" name="Can 3">
+            <a:extLst>
+              <a:ext uri="{FF2B5EF4-FFF2-40B4-BE49-F238E27FC236}">
+                <a16:creationId xmlns:a16="http://schemas.microsoft.com/office/drawing/2014/main" id="{C3E2D3DC-93BE-DAF6-A663-FF6AA67AA597}"/>
+              </a:ext>
+            </a:extLst>
+          </p:cNvPr>
+          <p:cNvSpPr/>
+          <p:nvPr/>
+        </p:nvSpPr>
+        <p:spPr>
+          <a:xfrm>
+            <a:off x="10537290" y="2390880"/>
+            <a:ext cx="1516566" cy="2319453"/>
+          </a:xfrm>
+          <a:prstGeom prst="can">
+            <a:avLst/>
+          </a:prstGeom>
+          <a:solidFill>
+            <a:srgbClr val="00B050"/>
+          </a:solidFill>
+        </p:spPr>
+        <p:style>
+          <a:lnRef idx="2">
+            <a:schemeClr val="accent1">
+              <a:shade val="50000"/>
+            </a:schemeClr>
+          </a:lnRef>
+          <a:fillRef idx="1">
+            <a:schemeClr val="accent1"/>
+          </a:fillRef>
+          <a:effectRef idx="0">
+            <a:schemeClr val="accent1"/>
+          </a:effectRef>
+          <a:fontRef idx="minor">
+            <a:schemeClr val="lt1"/>
+          </a:fontRef>
+        </p:style>
+        <p:txBody>
+          <a:bodyPr rtlCol="0" anchor="ctr"/>
+          <a:lstStyle/>
+          <a:p>
+            <a:pPr algn="ctr"/>
+            <a:endParaRPr lang="en-US"/>
+          </a:p>
+        </p:txBody>
+      </p:sp>
+      <p:sp>
+        <p:nvSpPr>
+          <p:cNvPr id="5" name="Rectangle 4">
+            <a:extLst>
+              <a:ext uri="{FF2B5EF4-FFF2-40B4-BE49-F238E27FC236}">
+                <a16:creationId xmlns:a16="http://schemas.microsoft.com/office/drawing/2014/main" id="{14FB254B-89DF-5CAB-BDDB-8436A9A723D4}"/>
+              </a:ext>
+            </a:extLst>
+          </p:cNvPr>
+          <p:cNvSpPr/>
+          <p:nvPr/>
+        </p:nvSpPr>
+        <p:spPr>
+          <a:xfrm>
+            <a:off x="1904275" y="1940312"/>
+            <a:ext cx="1670338" cy="2102712"/>
+          </a:xfrm>
+          <a:prstGeom prst="rect">
+            <a:avLst/>
+          </a:prstGeom>
+          <a:solidFill>
+            <a:srgbClr val="00B050"/>
+          </a:solidFill>
+        </p:spPr>
+        <p:style>
+          <a:lnRef idx="2">
+            <a:schemeClr val="accent1">
+              <a:shade val="50000"/>
+            </a:schemeClr>
+          </a:lnRef>
+          <a:fillRef idx="1">
+            <a:schemeClr val="accent1"/>
+          </a:fillRef>
+          <a:effectRef idx="0">
+            <a:schemeClr val="accent1"/>
+          </a:effectRef>
+          <a:fontRef idx="minor">
+            <a:schemeClr val="lt1"/>
+          </a:fontRef>
+        </p:style>
+        <p:txBody>
+          <a:bodyPr rtlCol="0" anchor="ctr"/>
+          <a:lstStyle/>
+          <a:p>
+            <a:pPr algn="ctr"/>
+            <a:endParaRPr lang="en-US"/>
+          </a:p>
+        </p:txBody>
+      </p:sp>
+      <p:sp>
+        <p:nvSpPr>
+          <p:cNvPr id="6" name="Rectangle 5">
+            <a:extLst>
+              <a:ext uri="{FF2B5EF4-FFF2-40B4-BE49-F238E27FC236}">
+                <a16:creationId xmlns:a16="http://schemas.microsoft.com/office/drawing/2014/main" id="{B440765D-F814-FE05-9547-A23A57B284B1}"/>
+              </a:ext>
+            </a:extLst>
+          </p:cNvPr>
+          <p:cNvSpPr/>
+          <p:nvPr/>
+        </p:nvSpPr>
+        <p:spPr>
+          <a:xfrm>
+            <a:off x="5873279" y="953811"/>
+            <a:ext cx="3021980" cy="3713357"/>
+          </a:xfrm>
+          <a:prstGeom prst="rect">
+            <a:avLst/>
+          </a:prstGeom>
+          <a:solidFill>
+            <a:srgbClr val="00B050"/>
+          </a:solidFill>
+        </p:spPr>
+        <p:style>
+          <a:lnRef idx="2">
+            <a:schemeClr val="accent1">
+              <a:shade val="50000"/>
+            </a:schemeClr>
+          </a:lnRef>
+          <a:fillRef idx="1">
+            <a:schemeClr val="accent1"/>
+          </a:fillRef>
+          <a:effectRef idx="0">
+            <a:schemeClr val="accent1"/>
+          </a:effectRef>
+          <a:fontRef idx="minor">
+            <a:schemeClr val="lt1"/>
+          </a:fontRef>
+        </p:style>
+        <p:txBody>
+          <a:bodyPr rtlCol="0" anchor="ctr"/>
+          <a:lstStyle/>
+          <a:p>
+            <a:pPr algn="ctr"/>
+            <a:endParaRPr lang="en-US"/>
+          </a:p>
+        </p:txBody>
+      </p:sp>
+      <p:sp>
+        <p:nvSpPr>
+          <p:cNvPr id="7" name="Rectangle 6">
+            <a:extLst>
+              <a:ext uri="{FF2B5EF4-FFF2-40B4-BE49-F238E27FC236}">
+                <a16:creationId xmlns:a16="http://schemas.microsoft.com/office/drawing/2014/main" id="{BB39670E-AAA8-9E58-0E5D-01F95512FECE}"/>
+              </a:ext>
+            </a:extLst>
+          </p:cNvPr>
+          <p:cNvSpPr/>
+          <p:nvPr/>
+        </p:nvSpPr>
+        <p:spPr>
+          <a:xfrm>
+            <a:off x="6442572" y="2735948"/>
+            <a:ext cx="1888274" cy="1532364"/>
+          </a:xfrm>
+          <a:prstGeom prst="rect">
+            <a:avLst/>
+          </a:prstGeom>
+          <a:solidFill>
+            <a:schemeClr val="tx1"/>
+          </a:solidFill>
+        </p:spPr>
+        <p:style>
+          <a:lnRef idx="2">
+            <a:schemeClr val="accent1">
+              <a:shade val="50000"/>
+            </a:schemeClr>
+          </a:lnRef>
+          <a:fillRef idx="1">
+            <a:schemeClr val="accent1"/>
+          </a:fillRef>
+          <a:effectRef idx="0">
+            <a:schemeClr val="accent1"/>
+          </a:effectRef>
+          <a:fontRef idx="minor">
+            <a:schemeClr val="lt1"/>
+          </a:fontRef>
+        </p:style>
+        <p:txBody>
+          <a:bodyPr rtlCol="0" anchor="ctr"/>
+          <a:lstStyle/>
+          <a:p>
+            <a:pPr algn="ctr"/>
+            <a:endParaRPr lang="en-US"/>
+          </a:p>
+        </p:txBody>
+      </p:sp>
+      <p:sp>
+        <p:nvSpPr>
+          <p:cNvPr id="8" name="TextBox 7">
+            <a:extLst>
+              <a:ext uri="{FF2B5EF4-FFF2-40B4-BE49-F238E27FC236}">
+                <a16:creationId xmlns:a16="http://schemas.microsoft.com/office/drawing/2014/main" id="{8D8A5C2A-6200-30CE-3501-0269097F8555}"/>
+              </a:ext>
+            </a:extLst>
+          </p:cNvPr>
+          <p:cNvSpPr txBox="1"/>
+          <p:nvPr/>
+        </p:nvSpPr>
+        <p:spPr>
+          <a:xfrm>
+            <a:off x="6721351" y="2796789"/>
+            <a:ext cx="2010937" cy="646331"/>
+          </a:xfrm>
+          <a:prstGeom prst="rect">
+            <a:avLst/>
+          </a:prstGeom>
+          <a:noFill/>
+        </p:spPr>
+        <p:txBody>
+          <a:bodyPr wrap="square" rtlCol="0">
+            <a:spAutoFit/>
+          </a:bodyPr>
+          <a:lstStyle/>
+          <a:p>
+            <a:r>
+              <a:rPr lang="en-US" dirty="0">
+                <a:solidFill>
+                  <a:srgbClr val="00B050"/>
+                </a:solidFill>
+              </a:rPr>
+              <a:t>Web Server</a:t>
+            </a:r>
+          </a:p>
+          <a:p>
+            <a:endParaRPr lang="en-US" dirty="0"/>
+          </a:p>
+        </p:txBody>
+      </p:sp>
+      <p:sp>
+        <p:nvSpPr>
+          <p:cNvPr id="10" name="TextBox 9">
+            <a:extLst>
+              <a:ext uri="{FF2B5EF4-FFF2-40B4-BE49-F238E27FC236}">
+                <a16:creationId xmlns:a16="http://schemas.microsoft.com/office/drawing/2014/main" id="{28AC2C9D-79FE-C34B-657B-ECECA786E208}"/>
+              </a:ext>
+            </a:extLst>
+          </p:cNvPr>
+          <p:cNvSpPr txBox="1"/>
+          <p:nvPr/>
+        </p:nvSpPr>
+        <p:spPr>
+          <a:xfrm>
+            <a:off x="6721352" y="3621981"/>
+            <a:ext cx="2010937" cy="646331"/>
+          </a:xfrm>
+          <a:prstGeom prst="rect">
+            <a:avLst/>
+          </a:prstGeom>
+          <a:noFill/>
+        </p:spPr>
+        <p:txBody>
+          <a:bodyPr wrap="square" rtlCol="0">
+            <a:spAutoFit/>
+          </a:bodyPr>
+          <a:lstStyle/>
+          <a:p>
+            <a:r>
+              <a:rPr lang="en-US" dirty="0">
+                <a:solidFill>
+                  <a:srgbClr val="00B050"/>
+                </a:solidFill>
+              </a:rPr>
+              <a:t>REST APIs</a:t>
+            </a:r>
+          </a:p>
+          <a:p>
+            <a:endParaRPr lang="en-US" dirty="0"/>
+          </a:p>
+        </p:txBody>
+      </p:sp>
+      <p:sp>
+        <p:nvSpPr>
+          <p:cNvPr id="11" name="TextBox 10">
+            <a:extLst>
+              <a:ext uri="{FF2B5EF4-FFF2-40B4-BE49-F238E27FC236}">
+                <a16:creationId xmlns:a16="http://schemas.microsoft.com/office/drawing/2014/main" id="{87C55BE0-F0B6-3524-1147-D4E7293A093B}"/>
+              </a:ext>
+            </a:extLst>
+          </p:cNvPr>
+          <p:cNvSpPr txBox="1"/>
+          <p:nvPr/>
+        </p:nvSpPr>
+        <p:spPr>
+          <a:xfrm>
+            <a:off x="10760066" y="2441157"/>
+            <a:ext cx="2010937" cy="369332"/>
+          </a:xfrm>
+          <a:prstGeom prst="rect">
+            <a:avLst/>
+          </a:prstGeom>
+          <a:noFill/>
+        </p:spPr>
+        <p:txBody>
+          <a:bodyPr wrap="square" rtlCol="0">
+            <a:spAutoFit/>
+          </a:bodyPr>
+          <a:lstStyle/>
+          <a:p>
+            <a:r>
+              <a:rPr lang="en-US" b="1" dirty="0"/>
+              <a:t>MongoDB </a:t>
+            </a:r>
+          </a:p>
+        </p:txBody>
+      </p:sp>
+      <p:sp>
+        <p:nvSpPr>
+          <p:cNvPr id="12" name="TextBox 11">
+            <a:extLst>
+              <a:ext uri="{FF2B5EF4-FFF2-40B4-BE49-F238E27FC236}">
+                <a16:creationId xmlns:a16="http://schemas.microsoft.com/office/drawing/2014/main" id="{F5716669-0261-E53C-2CD8-4D38316906B9}"/>
+              </a:ext>
+            </a:extLst>
+          </p:cNvPr>
+          <p:cNvSpPr txBox="1"/>
+          <p:nvPr/>
+        </p:nvSpPr>
+        <p:spPr>
+          <a:xfrm>
+            <a:off x="6325207" y="1521714"/>
+            <a:ext cx="2538760" cy="646331"/>
+          </a:xfrm>
+          <a:prstGeom prst="rect">
+            <a:avLst/>
+          </a:prstGeom>
+          <a:noFill/>
+        </p:spPr>
+        <p:txBody>
+          <a:bodyPr wrap="square" rtlCol="0">
+            <a:spAutoFit/>
+          </a:bodyPr>
+          <a:lstStyle/>
+          <a:p>
+            <a:r>
+              <a:rPr lang="en-US" b="1" dirty="0"/>
+              <a:t>Node Application</a:t>
+            </a:r>
+          </a:p>
+          <a:p>
+            <a:endParaRPr lang="en-US" dirty="0"/>
+          </a:p>
+        </p:txBody>
+      </p:sp>
+      <p:sp>
+        <p:nvSpPr>
+          <p:cNvPr id="18" name="TextBox 17">
+            <a:extLst>
+              <a:ext uri="{FF2B5EF4-FFF2-40B4-BE49-F238E27FC236}">
+                <a16:creationId xmlns:a16="http://schemas.microsoft.com/office/drawing/2014/main" id="{2A308433-6B45-9ACA-D50C-B9952BAF0485}"/>
+              </a:ext>
+            </a:extLst>
+          </p:cNvPr>
+          <p:cNvSpPr txBox="1"/>
+          <p:nvPr/>
+        </p:nvSpPr>
+        <p:spPr>
+          <a:xfrm>
+            <a:off x="2483002" y="2235381"/>
+            <a:ext cx="2010937" cy="369332"/>
+          </a:xfrm>
+          <a:prstGeom prst="rect">
+            <a:avLst/>
+          </a:prstGeom>
+          <a:noFill/>
+        </p:spPr>
+        <p:txBody>
+          <a:bodyPr wrap="square" rtlCol="0">
+            <a:spAutoFit/>
+          </a:bodyPr>
+          <a:lstStyle/>
+          <a:p>
+            <a:r>
+              <a:rPr lang="en-US" dirty="0">
+                <a:solidFill>
+                  <a:srgbClr val="00B050"/>
+                </a:solidFill>
+              </a:rPr>
+              <a:t>Windows</a:t>
+            </a:r>
+          </a:p>
+        </p:txBody>
+      </p:sp>
+      <p:sp>
+        <p:nvSpPr>
+          <p:cNvPr id="25" name="TextBox 24">
+            <a:extLst>
+              <a:ext uri="{FF2B5EF4-FFF2-40B4-BE49-F238E27FC236}">
+                <a16:creationId xmlns:a16="http://schemas.microsoft.com/office/drawing/2014/main" id="{49AB3C59-7E2A-637A-59BD-61EED242BC55}"/>
+              </a:ext>
+            </a:extLst>
+          </p:cNvPr>
+          <p:cNvSpPr txBox="1"/>
+          <p:nvPr/>
+        </p:nvSpPr>
+        <p:spPr>
+          <a:xfrm>
+            <a:off x="6325207" y="208668"/>
+            <a:ext cx="9232281" cy="369332"/>
+          </a:xfrm>
+          <a:prstGeom prst="rect">
+            <a:avLst/>
+          </a:prstGeom>
+          <a:noFill/>
+        </p:spPr>
+        <p:txBody>
+          <a:bodyPr wrap="square" rtlCol="0">
+            <a:spAutoFit/>
+          </a:bodyPr>
+          <a:lstStyle/>
+          <a:p>
+            <a:r>
+              <a:rPr lang="en-US" b="1" dirty="0" err="1">
+                <a:solidFill>
+                  <a:srgbClr val="00B050"/>
+                </a:solidFill>
+              </a:rPr>
+              <a:t>thÉireP</a:t>
+            </a:r>
+            <a:r>
+              <a:rPr lang="en-US" b="1" dirty="0">
+                <a:solidFill>
+                  <a:srgbClr val="00B050"/>
+                </a:solidFill>
+              </a:rPr>
+              <a:t> || ePrescriptions-  Frontend React Reducers Sample </a:t>
+            </a:r>
+          </a:p>
+        </p:txBody>
+      </p:sp>
+      <p:sp>
+        <p:nvSpPr>
+          <p:cNvPr id="26" name="Down Arrow 25">
+            <a:extLst>
+              <a:ext uri="{FF2B5EF4-FFF2-40B4-BE49-F238E27FC236}">
+                <a16:creationId xmlns:a16="http://schemas.microsoft.com/office/drawing/2014/main" id="{A8347D80-4785-A2B4-2EBA-E4A83D5FD661}"/>
+              </a:ext>
+            </a:extLst>
+          </p:cNvPr>
+          <p:cNvSpPr/>
+          <p:nvPr/>
+        </p:nvSpPr>
+        <p:spPr>
+          <a:xfrm rot="16200000">
+            <a:off x="4474864" y="2292089"/>
+            <a:ext cx="1007150" cy="1365257"/>
+          </a:xfrm>
+          <a:prstGeom prst="downArrow">
+            <a:avLst/>
+          </a:prstGeom>
+          <a:solidFill>
+            <a:srgbClr val="00B050"/>
+          </a:solidFill>
+        </p:spPr>
+        <p:style>
+          <a:lnRef idx="2">
+            <a:schemeClr val="accent1">
+              <a:shade val="50000"/>
+            </a:schemeClr>
+          </a:lnRef>
+          <a:fillRef idx="1">
+            <a:schemeClr val="accent1"/>
+          </a:fillRef>
+          <a:effectRef idx="0">
+            <a:schemeClr val="accent1"/>
+          </a:effectRef>
+          <a:fontRef idx="minor">
+            <a:schemeClr val="lt1"/>
+          </a:fontRef>
+        </p:style>
+        <p:txBody>
+          <a:bodyPr rtlCol="0" anchor="ctr"/>
+          <a:lstStyle/>
+          <a:p>
+            <a:pPr algn="ctr"/>
+            <a:endParaRPr lang="en-US"/>
+          </a:p>
+        </p:txBody>
+      </p:sp>
+      <p:sp>
+        <p:nvSpPr>
+          <p:cNvPr id="29" name="Down Arrow 28">
+            <a:extLst>
+              <a:ext uri="{FF2B5EF4-FFF2-40B4-BE49-F238E27FC236}">
+                <a16:creationId xmlns:a16="http://schemas.microsoft.com/office/drawing/2014/main" id="{81B4AD0C-5204-104B-73DB-9439CF76985C}"/>
+              </a:ext>
+            </a:extLst>
+          </p:cNvPr>
+          <p:cNvSpPr/>
+          <p:nvPr/>
+        </p:nvSpPr>
+        <p:spPr>
+          <a:xfrm rot="5400000">
+            <a:off x="4100195" y="3168442"/>
+            <a:ext cx="862619" cy="1277002"/>
+          </a:xfrm>
+          <a:prstGeom prst="downArrow">
+            <a:avLst/>
+          </a:prstGeom>
+          <a:solidFill>
+            <a:srgbClr val="00B050"/>
+          </a:solidFill>
+        </p:spPr>
+        <p:style>
+          <a:lnRef idx="2">
+            <a:schemeClr val="accent1">
+              <a:shade val="50000"/>
+            </a:schemeClr>
+          </a:lnRef>
+          <a:fillRef idx="1">
+            <a:schemeClr val="accent1"/>
+          </a:fillRef>
+          <a:effectRef idx="0">
+            <a:schemeClr val="accent1"/>
+          </a:effectRef>
+          <a:fontRef idx="minor">
+            <a:schemeClr val="lt1"/>
+          </a:fontRef>
+        </p:style>
+        <p:txBody>
+          <a:bodyPr rtlCol="0" anchor="ctr"/>
+          <a:lstStyle/>
+          <a:p>
+            <a:pPr algn="ctr"/>
+            <a:endParaRPr lang="en-US"/>
+          </a:p>
+        </p:txBody>
+      </p:sp>
+      <p:sp>
+        <p:nvSpPr>
+          <p:cNvPr id="30" name="Down Arrow 29">
+            <a:extLst>
+              <a:ext uri="{FF2B5EF4-FFF2-40B4-BE49-F238E27FC236}">
+                <a16:creationId xmlns:a16="http://schemas.microsoft.com/office/drawing/2014/main" id="{6DF9267B-B656-8FDC-B043-6838A5AF5FB2}"/>
+              </a:ext>
+            </a:extLst>
+          </p:cNvPr>
+          <p:cNvSpPr/>
+          <p:nvPr/>
+        </p:nvSpPr>
+        <p:spPr>
+          <a:xfrm rot="16200000">
+            <a:off x="9133875" y="3757974"/>
+            <a:ext cx="862618" cy="1188669"/>
+          </a:xfrm>
+          <a:prstGeom prst="downArrow">
+            <a:avLst/>
+          </a:prstGeom>
+          <a:solidFill>
+            <a:srgbClr val="00B050"/>
+          </a:solidFill>
+        </p:spPr>
+        <p:style>
+          <a:lnRef idx="2">
+            <a:schemeClr val="accent1">
+              <a:shade val="50000"/>
+            </a:schemeClr>
+          </a:lnRef>
+          <a:fillRef idx="1">
+            <a:schemeClr val="accent1"/>
+          </a:fillRef>
+          <a:effectRef idx="0">
+            <a:schemeClr val="accent1"/>
+          </a:effectRef>
+          <a:fontRef idx="minor">
+            <a:schemeClr val="lt1"/>
+          </a:fontRef>
+        </p:style>
+        <p:txBody>
+          <a:bodyPr rtlCol="0" anchor="ctr"/>
+          <a:lstStyle/>
+          <a:p>
+            <a:pPr algn="ctr"/>
+            <a:endParaRPr lang="en-US"/>
+          </a:p>
+        </p:txBody>
+      </p:sp>
+      <p:sp>
+        <p:nvSpPr>
+          <p:cNvPr id="31" name="Down Arrow 30">
+            <a:extLst>
+              <a:ext uri="{FF2B5EF4-FFF2-40B4-BE49-F238E27FC236}">
+                <a16:creationId xmlns:a16="http://schemas.microsoft.com/office/drawing/2014/main" id="{4A65708D-517E-78DF-D082-A8B081DDE5E5}"/>
+              </a:ext>
+            </a:extLst>
+          </p:cNvPr>
+          <p:cNvSpPr/>
+          <p:nvPr/>
+        </p:nvSpPr>
+        <p:spPr>
+          <a:xfrm rot="5400000">
+            <a:off x="9097860" y="2442968"/>
+            <a:ext cx="862618" cy="1188669"/>
+          </a:xfrm>
+          <a:prstGeom prst="downArrow">
+            <a:avLst/>
+          </a:prstGeom>
+          <a:solidFill>
+            <a:srgbClr val="00B050"/>
+          </a:solidFill>
+        </p:spPr>
+        <p:style>
+          <a:lnRef idx="2">
+            <a:schemeClr val="accent1">
+              <a:shade val="50000"/>
+            </a:schemeClr>
+          </a:lnRef>
+          <a:fillRef idx="1">
+            <a:schemeClr val="accent1"/>
+          </a:fillRef>
+          <a:effectRef idx="0">
+            <a:schemeClr val="accent1"/>
+          </a:effectRef>
+          <a:fontRef idx="minor">
+            <a:schemeClr val="lt1"/>
+          </a:fontRef>
+        </p:style>
+        <p:txBody>
+          <a:bodyPr rtlCol="0" anchor="ctr"/>
+          <a:lstStyle/>
+          <a:p>
+            <a:pPr algn="ctr"/>
+            <a:endParaRPr lang="en-US"/>
+          </a:p>
+        </p:txBody>
+      </p:sp>
+      <p:sp>
+        <p:nvSpPr>
+          <p:cNvPr id="32" name="TextBox 31">
+            <a:extLst>
+              <a:ext uri="{FF2B5EF4-FFF2-40B4-BE49-F238E27FC236}">
+                <a16:creationId xmlns:a16="http://schemas.microsoft.com/office/drawing/2014/main" id="{B204BDF2-0C5E-4EE4-64C1-DA220C5CBC5D}"/>
+              </a:ext>
+            </a:extLst>
+          </p:cNvPr>
+          <p:cNvSpPr txBox="1"/>
+          <p:nvPr/>
+        </p:nvSpPr>
+        <p:spPr>
+          <a:xfrm>
+            <a:off x="4295808" y="2825710"/>
+            <a:ext cx="1104900" cy="369332"/>
+          </a:xfrm>
+          <a:prstGeom prst="rect">
+            <a:avLst/>
+          </a:prstGeom>
+          <a:noFill/>
+        </p:spPr>
+        <p:txBody>
+          <a:bodyPr wrap="square" rtlCol="0">
+            <a:spAutoFit/>
+          </a:bodyPr>
+          <a:lstStyle/>
+          <a:p>
+            <a:r>
+              <a:rPr lang="en-US" b="1" dirty="0"/>
+              <a:t>Requests</a:t>
+            </a:r>
+          </a:p>
+        </p:txBody>
+      </p:sp>
+      <p:sp>
+        <p:nvSpPr>
+          <p:cNvPr id="34" name="TextBox 33">
+            <a:extLst>
+              <a:ext uri="{FF2B5EF4-FFF2-40B4-BE49-F238E27FC236}">
+                <a16:creationId xmlns:a16="http://schemas.microsoft.com/office/drawing/2014/main" id="{C8C1DCAB-6C92-3C5F-CCE9-52973B5BCFFA}"/>
+              </a:ext>
+            </a:extLst>
+          </p:cNvPr>
+          <p:cNvSpPr txBox="1"/>
+          <p:nvPr/>
+        </p:nvSpPr>
+        <p:spPr>
+          <a:xfrm>
+            <a:off x="3988399" y="3625548"/>
+            <a:ext cx="1294932" cy="369332"/>
+          </a:xfrm>
+          <a:prstGeom prst="rect">
+            <a:avLst/>
+          </a:prstGeom>
+          <a:noFill/>
+        </p:spPr>
+        <p:txBody>
+          <a:bodyPr wrap="square" rtlCol="0">
+            <a:spAutoFit/>
+          </a:bodyPr>
+          <a:lstStyle/>
+          <a:p>
+            <a:r>
+              <a:rPr lang="en-US" b="1" dirty="0"/>
+              <a:t>Responses</a:t>
+            </a:r>
+          </a:p>
+        </p:txBody>
+      </p:sp>
+      <p:sp>
+        <p:nvSpPr>
+          <p:cNvPr id="35" name="TextBox 34">
+            <a:extLst>
+              <a:ext uri="{FF2B5EF4-FFF2-40B4-BE49-F238E27FC236}">
+                <a16:creationId xmlns:a16="http://schemas.microsoft.com/office/drawing/2014/main" id="{9C9DAB98-1EAF-5696-B2E5-7A23E580C88F}"/>
+              </a:ext>
+            </a:extLst>
+          </p:cNvPr>
+          <p:cNvSpPr txBox="1"/>
+          <p:nvPr/>
+        </p:nvSpPr>
+        <p:spPr>
+          <a:xfrm>
+            <a:off x="4391594" y="3239135"/>
+            <a:ext cx="1104900" cy="338554"/>
+          </a:xfrm>
+          <a:prstGeom prst="rect">
+            <a:avLst/>
+          </a:prstGeom>
+          <a:noFill/>
+        </p:spPr>
+        <p:txBody>
+          <a:bodyPr wrap="square" rtlCol="0">
+            <a:spAutoFit/>
+          </a:bodyPr>
+          <a:lstStyle/>
+          <a:p>
+            <a:r>
+              <a:rPr lang="en-US" sz="1600" b="1" dirty="0">
+                <a:solidFill>
+                  <a:srgbClr val="00B050"/>
+                </a:solidFill>
+              </a:rPr>
+              <a:t>JSON</a:t>
+            </a:r>
+          </a:p>
+        </p:txBody>
+      </p:sp>
+      <p:graphicFrame>
+        <p:nvGraphicFramePr>
+          <p:cNvPr id="36" name="Table 36">
+            <a:extLst>
+              <a:ext uri="{FF2B5EF4-FFF2-40B4-BE49-F238E27FC236}">
+                <a16:creationId xmlns:a16="http://schemas.microsoft.com/office/drawing/2014/main" id="{6730990B-1EA8-A9AD-0187-DBDFFA7AD4D0}"/>
+              </a:ext>
+            </a:extLst>
+          </p:cNvPr>
+          <p:cNvGraphicFramePr>
+            <a:graphicFrameLocks noGrp="1"/>
+          </p:cNvGraphicFramePr>
+          <p:nvPr/>
+        </p:nvGraphicFramePr>
+        <p:xfrm>
+          <a:off x="3920839" y="641675"/>
+          <a:ext cx="1861952" cy="1828800"/>
+        </p:xfrm>
+        <a:graphic>
+          <a:graphicData uri="http://schemas.openxmlformats.org/drawingml/2006/table">
+            <a:tbl>
+              <a:tblPr firstRow="1" bandRow="1">
+                <a:tableStyleId>{93296810-A885-4BE3-A3E7-6D5BEEA58F35}</a:tableStyleId>
+              </a:tblPr>
+              <a:tblGrid>
+                <a:gridCol w="930976">
+                  <a:extLst>
+                    <a:ext uri="{9D8B030D-6E8A-4147-A177-3AD203B41FA5}">
+                      <a16:colId xmlns:a16="http://schemas.microsoft.com/office/drawing/2014/main" val="1978548203"/>
+                    </a:ext>
+                  </a:extLst>
+                </a:gridCol>
+                <a:gridCol w="930976">
+                  <a:extLst>
+                    <a:ext uri="{9D8B030D-6E8A-4147-A177-3AD203B41FA5}">
+                      <a16:colId xmlns:a16="http://schemas.microsoft.com/office/drawing/2014/main" val="1106706743"/>
+                    </a:ext>
+                  </a:extLst>
+                </a:gridCol>
+              </a:tblGrid>
+              <a:tr h="323754">
+                <a:tc>
+                  <a:txBody>
+                    <a:bodyPr/>
+                    <a:lstStyle/>
+                    <a:p>
+                      <a:r>
+                        <a:rPr lang="en-US" dirty="0"/>
+                        <a:t>HTTP</a:t>
+                      </a:r>
+                    </a:p>
+                  </a:txBody>
+                  <a:tcPr/>
+                </a:tc>
+                <a:tc>
+                  <a:txBody>
+                    <a:bodyPr/>
+                    <a:lstStyle/>
+                    <a:p>
+                      <a:r>
+                        <a:rPr lang="en-US" dirty="0"/>
+                        <a:t>CRUD</a:t>
+                      </a:r>
+                    </a:p>
+                  </a:txBody>
+                  <a:tcPr/>
+                </a:tc>
+                <a:extLst>
+                  <a:ext uri="{0D108BD9-81ED-4DB2-BD59-A6C34878D82A}">
+                    <a16:rowId xmlns:a16="http://schemas.microsoft.com/office/drawing/2014/main" val="234106805"/>
+                  </a:ext>
+                </a:extLst>
+              </a:tr>
+              <a:tr h="323754">
+                <a:tc>
+                  <a:txBody>
+                    <a:bodyPr/>
+                    <a:lstStyle/>
+                    <a:p>
+                      <a:r>
+                        <a:rPr lang="en-US" dirty="0"/>
+                        <a:t>Post</a:t>
+                      </a:r>
+                    </a:p>
+                  </a:txBody>
+                  <a:tcPr/>
+                </a:tc>
+                <a:tc>
+                  <a:txBody>
+                    <a:bodyPr/>
+                    <a:lstStyle/>
+                    <a:p>
+                      <a:r>
+                        <a:rPr lang="en-US" dirty="0"/>
+                        <a:t>Create</a:t>
+                      </a:r>
+                    </a:p>
+                  </a:txBody>
+                  <a:tcPr/>
+                </a:tc>
+                <a:extLst>
+                  <a:ext uri="{0D108BD9-81ED-4DB2-BD59-A6C34878D82A}">
+                    <a16:rowId xmlns:a16="http://schemas.microsoft.com/office/drawing/2014/main" val="1009854772"/>
+                  </a:ext>
+                </a:extLst>
+              </a:tr>
+              <a:tr h="323754">
+                <a:tc>
+                  <a:txBody>
+                    <a:bodyPr/>
+                    <a:lstStyle/>
+                    <a:p>
+                      <a:r>
+                        <a:rPr lang="en-US" dirty="0"/>
+                        <a:t>Get</a:t>
+                      </a:r>
+                    </a:p>
+                  </a:txBody>
+                  <a:tcPr/>
+                </a:tc>
+                <a:tc>
+                  <a:txBody>
+                    <a:bodyPr/>
+                    <a:lstStyle/>
+                    <a:p>
+                      <a:r>
+                        <a:rPr lang="en-US" dirty="0"/>
+                        <a:t>Read</a:t>
+                      </a:r>
+                    </a:p>
+                  </a:txBody>
+                  <a:tcPr/>
+                </a:tc>
+                <a:extLst>
+                  <a:ext uri="{0D108BD9-81ED-4DB2-BD59-A6C34878D82A}">
+                    <a16:rowId xmlns:a16="http://schemas.microsoft.com/office/drawing/2014/main" val="3828833756"/>
+                  </a:ext>
+                </a:extLst>
+              </a:tr>
+              <a:tr h="323754">
+                <a:tc>
+                  <a:txBody>
+                    <a:bodyPr/>
+                    <a:lstStyle/>
+                    <a:p>
+                      <a:r>
+                        <a:rPr lang="en-US" dirty="0"/>
+                        <a:t>Put</a:t>
+                      </a:r>
+                    </a:p>
+                  </a:txBody>
+                  <a:tcPr/>
+                </a:tc>
+                <a:tc>
+                  <a:txBody>
+                    <a:bodyPr/>
+                    <a:lstStyle/>
+                    <a:p>
+                      <a:r>
+                        <a:rPr lang="en-US" dirty="0"/>
+                        <a:t>Update</a:t>
+                      </a:r>
+                    </a:p>
+                  </a:txBody>
+                  <a:tcPr/>
+                </a:tc>
+                <a:extLst>
+                  <a:ext uri="{0D108BD9-81ED-4DB2-BD59-A6C34878D82A}">
+                    <a16:rowId xmlns:a16="http://schemas.microsoft.com/office/drawing/2014/main" val="178019440"/>
+                  </a:ext>
+                </a:extLst>
+              </a:tr>
+              <a:tr h="323754">
+                <a:tc>
+                  <a:txBody>
+                    <a:bodyPr/>
+                    <a:lstStyle/>
+                    <a:p>
+                      <a:r>
+                        <a:rPr lang="en-US" dirty="0"/>
+                        <a:t>Delete</a:t>
+                      </a:r>
+                    </a:p>
+                  </a:txBody>
+                  <a:tcPr>
+                    <a:solidFill>
+                      <a:schemeClr val="accent6">
+                        <a:tint val="20000"/>
+                      </a:schemeClr>
+                    </a:solidFill>
+                  </a:tcPr>
+                </a:tc>
+                <a:tc>
+                  <a:txBody>
+                    <a:bodyPr/>
+                    <a:lstStyle/>
+                    <a:p>
+                      <a:r>
+                        <a:rPr lang="en-US" dirty="0"/>
+                        <a:t>Delete</a:t>
+                      </a:r>
+                    </a:p>
+                  </a:txBody>
+                  <a:tcPr/>
+                </a:tc>
+                <a:extLst>
+                  <a:ext uri="{0D108BD9-81ED-4DB2-BD59-A6C34878D82A}">
+                    <a16:rowId xmlns:a16="http://schemas.microsoft.com/office/drawing/2014/main" val="508222007"/>
+                  </a:ext>
+                </a:extLst>
+              </a:tr>
+            </a:tbl>
+          </a:graphicData>
+        </a:graphic>
+      </p:graphicFrame>
+      <p:sp>
+        <p:nvSpPr>
+          <p:cNvPr id="3" name="TextBox 2">
+            <a:extLst>
+              <a:ext uri="{FF2B5EF4-FFF2-40B4-BE49-F238E27FC236}">
+                <a16:creationId xmlns:a16="http://schemas.microsoft.com/office/drawing/2014/main" id="{119205EB-27EB-E1B9-CC24-996BB8EFA52D}"/>
+              </a:ext>
+            </a:extLst>
+          </p:cNvPr>
+          <p:cNvSpPr txBox="1"/>
+          <p:nvPr/>
+        </p:nvSpPr>
+        <p:spPr>
+          <a:xfrm>
+            <a:off x="6959912" y="5980872"/>
+            <a:ext cx="2010937" cy="584775"/>
+          </a:xfrm>
+          <a:prstGeom prst="rect">
+            <a:avLst/>
+          </a:prstGeom>
+          <a:noFill/>
+        </p:spPr>
+        <p:txBody>
+          <a:bodyPr wrap="square" rtlCol="0">
+            <a:spAutoFit/>
+          </a:bodyPr>
+          <a:lstStyle/>
+          <a:p>
+            <a:r>
+              <a:rPr lang="en-US" sz="1400" b="1" dirty="0"/>
+              <a:t>User Directory</a:t>
+            </a:r>
+          </a:p>
+          <a:p>
+            <a:r>
+              <a:rPr lang="en-US" sz="1400" b="1" dirty="0"/>
+              <a:t>(GPs &amp; Pharmacies</a:t>
+            </a:r>
+            <a:r>
+              <a:rPr lang="en-US" b="1" dirty="0"/>
+              <a:t>)</a:t>
+            </a:r>
+          </a:p>
+        </p:txBody>
+      </p:sp>
+      <p:sp>
+        <p:nvSpPr>
+          <p:cNvPr id="27" name="TextBox 26">
+            <a:extLst>
+              <a:ext uri="{FF2B5EF4-FFF2-40B4-BE49-F238E27FC236}">
+                <a16:creationId xmlns:a16="http://schemas.microsoft.com/office/drawing/2014/main" id="{B97E09E7-DCC6-8AEF-BC94-B1F2C67C908E}"/>
+              </a:ext>
+            </a:extLst>
+          </p:cNvPr>
+          <p:cNvSpPr txBox="1"/>
+          <p:nvPr/>
+        </p:nvSpPr>
+        <p:spPr>
+          <a:xfrm>
+            <a:off x="9007448" y="4180084"/>
+            <a:ext cx="1104900" cy="369332"/>
+          </a:xfrm>
+          <a:prstGeom prst="rect">
+            <a:avLst/>
+          </a:prstGeom>
+          <a:noFill/>
+        </p:spPr>
+        <p:txBody>
+          <a:bodyPr wrap="square" rtlCol="0">
+            <a:spAutoFit/>
+          </a:bodyPr>
+          <a:lstStyle/>
+          <a:p>
+            <a:r>
+              <a:rPr lang="en-US" b="1" dirty="0"/>
+              <a:t>Requests</a:t>
+            </a:r>
+          </a:p>
+        </p:txBody>
+      </p:sp>
+      <p:sp>
+        <p:nvSpPr>
+          <p:cNvPr id="28" name="TextBox 27">
+            <a:extLst>
+              <a:ext uri="{FF2B5EF4-FFF2-40B4-BE49-F238E27FC236}">
+                <a16:creationId xmlns:a16="http://schemas.microsoft.com/office/drawing/2014/main" id="{85A1D5D5-F6D2-FF29-F88C-4622AE40C4AD}"/>
+              </a:ext>
+            </a:extLst>
+          </p:cNvPr>
+          <p:cNvSpPr txBox="1"/>
+          <p:nvPr/>
+        </p:nvSpPr>
+        <p:spPr>
+          <a:xfrm>
+            <a:off x="8970849" y="2869803"/>
+            <a:ext cx="1294932" cy="369332"/>
+          </a:xfrm>
+          <a:prstGeom prst="rect">
+            <a:avLst/>
+          </a:prstGeom>
+          <a:noFill/>
+        </p:spPr>
+        <p:txBody>
+          <a:bodyPr wrap="square" rtlCol="0">
+            <a:spAutoFit/>
+          </a:bodyPr>
+          <a:lstStyle/>
+          <a:p>
+            <a:r>
+              <a:rPr lang="en-US" b="1" dirty="0"/>
+              <a:t>Responses</a:t>
+            </a:r>
+          </a:p>
+        </p:txBody>
+      </p:sp>
+      <p:sp>
+        <p:nvSpPr>
+          <p:cNvPr id="38" name="TextBox 37">
+            <a:extLst>
+              <a:ext uri="{FF2B5EF4-FFF2-40B4-BE49-F238E27FC236}">
+                <a16:creationId xmlns:a16="http://schemas.microsoft.com/office/drawing/2014/main" id="{7AA2A3BB-1FAE-E5B4-7602-4A5D76EEB5D0}"/>
+              </a:ext>
+            </a:extLst>
+          </p:cNvPr>
+          <p:cNvSpPr txBox="1"/>
+          <p:nvPr/>
+        </p:nvSpPr>
+        <p:spPr>
+          <a:xfrm>
+            <a:off x="9054625" y="1196012"/>
+            <a:ext cx="1585572" cy="1384995"/>
+          </a:xfrm>
+          <a:prstGeom prst="rect">
+            <a:avLst/>
+          </a:prstGeom>
+          <a:noFill/>
+        </p:spPr>
+        <p:txBody>
+          <a:bodyPr wrap="square" rtlCol="0">
+            <a:spAutoFit/>
+          </a:bodyPr>
+          <a:lstStyle/>
+          <a:p>
+            <a:r>
+              <a:rPr lang="en-US" sz="1400" b="1" dirty="0">
+                <a:solidFill>
+                  <a:srgbClr val="00B050"/>
+                </a:solidFill>
+              </a:rPr>
+              <a:t>JSON  Registration &amp; Authentication Flows</a:t>
+            </a:r>
+          </a:p>
+          <a:p>
+            <a:endParaRPr lang="en-US" sz="1400" b="1" dirty="0">
+              <a:solidFill>
+                <a:srgbClr val="00B050"/>
+              </a:solidFill>
+            </a:endParaRPr>
+          </a:p>
+          <a:p>
+            <a:r>
+              <a:rPr lang="en-US" sz="1400" b="1" dirty="0">
+                <a:solidFill>
+                  <a:srgbClr val="00B050"/>
+                </a:solidFill>
+              </a:rPr>
+              <a:t>&amp;  Prescriptions CRUD</a:t>
+            </a:r>
+          </a:p>
+        </p:txBody>
+      </p:sp>
+      <p:sp>
+        <p:nvSpPr>
+          <p:cNvPr id="39" name="TextBox 38">
+            <a:extLst>
+              <a:ext uri="{FF2B5EF4-FFF2-40B4-BE49-F238E27FC236}">
+                <a16:creationId xmlns:a16="http://schemas.microsoft.com/office/drawing/2014/main" id="{5E84CDD6-B922-DABF-30C3-460CB6FF859D}"/>
+              </a:ext>
+            </a:extLst>
+          </p:cNvPr>
+          <p:cNvSpPr txBox="1"/>
+          <p:nvPr/>
+        </p:nvSpPr>
+        <p:spPr>
+          <a:xfrm>
+            <a:off x="1927755" y="2053668"/>
+            <a:ext cx="2538760" cy="2000548"/>
+          </a:xfrm>
+          <a:prstGeom prst="rect">
+            <a:avLst/>
+          </a:prstGeom>
+          <a:noFill/>
+        </p:spPr>
+        <p:txBody>
+          <a:bodyPr wrap="square" rtlCol="0">
+            <a:spAutoFit/>
+          </a:bodyPr>
+          <a:lstStyle/>
+          <a:p>
+            <a:r>
+              <a:rPr lang="en-US" sz="1600" b="1" dirty="0"/>
+              <a:t>React Application</a:t>
+            </a:r>
+          </a:p>
+          <a:p>
+            <a:pPr marL="285750" indent="-285750">
+              <a:buFont typeface="Arial" panose="020B0604020202020204" pitchFamily="34" charset="0"/>
+              <a:buChar char="•"/>
+            </a:pPr>
+            <a:r>
+              <a:rPr lang="en-US" dirty="0"/>
+              <a:t>Component</a:t>
+            </a:r>
+          </a:p>
+          <a:p>
+            <a:pPr marL="285750" indent="-285750">
+              <a:buFont typeface="Arial" panose="020B0604020202020204" pitchFamily="34" charset="0"/>
+              <a:buChar char="•"/>
+            </a:pPr>
+            <a:r>
+              <a:rPr lang="en-US" dirty="0"/>
+              <a:t>State</a:t>
+            </a:r>
+          </a:p>
+          <a:p>
+            <a:pPr marL="285750" indent="-285750">
+              <a:buFont typeface="Arial" panose="020B0604020202020204" pitchFamily="34" charset="0"/>
+              <a:buChar char="•"/>
+            </a:pPr>
+            <a:r>
+              <a:rPr lang="en-US" dirty="0"/>
+              <a:t>Property</a:t>
+            </a:r>
+          </a:p>
+          <a:p>
+            <a:pPr marL="285750" indent="-285750">
+              <a:buFont typeface="Arial" panose="020B0604020202020204" pitchFamily="34" charset="0"/>
+              <a:buChar char="•"/>
+            </a:pPr>
+            <a:r>
+              <a:rPr lang="en-US" dirty="0"/>
+              <a:t>Action</a:t>
+            </a:r>
+          </a:p>
+          <a:p>
+            <a:pPr marL="285750" indent="-285750">
+              <a:buFont typeface="Arial" panose="020B0604020202020204" pitchFamily="34" charset="0"/>
+              <a:buChar char="•"/>
+            </a:pPr>
+            <a:r>
+              <a:rPr lang="en-US" dirty="0"/>
+              <a:t>Reducer</a:t>
+            </a:r>
+            <a:br>
+              <a:rPr lang="en-US" dirty="0"/>
+            </a:br>
+            <a:endParaRPr lang="en-US" dirty="0"/>
+          </a:p>
+        </p:txBody>
+      </p:sp>
+      <p:sp>
+        <p:nvSpPr>
+          <p:cNvPr id="40" name="TextBox 39">
+            <a:extLst>
+              <a:ext uri="{FF2B5EF4-FFF2-40B4-BE49-F238E27FC236}">
+                <a16:creationId xmlns:a16="http://schemas.microsoft.com/office/drawing/2014/main" id="{4E23B604-1367-20A1-597E-A218053304C6}"/>
+              </a:ext>
+            </a:extLst>
+          </p:cNvPr>
+          <p:cNvSpPr txBox="1"/>
+          <p:nvPr/>
+        </p:nvSpPr>
+        <p:spPr>
+          <a:xfrm>
+            <a:off x="8970849" y="3647023"/>
+            <a:ext cx="1104900" cy="338554"/>
+          </a:xfrm>
+          <a:prstGeom prst="rect">
+            <a:avLst/>
+          </a:prstGeom>
+          <a:noFill/>
+        </p:spPr>
+        <p:txBody>
+          <a:bodyPr wrap="square" rtlCol="0">
+            <a:spAutoFit/>
+          </a:bodyPr>
+          <a:lstStyle/>
+          <a:p>
+            <a:r>
+              <a:rPr lang="en-US" sz="1600" b="1" dirty="0">
+                <a:solidFill>
+                  <a:srgbClr val="00B050"/>
+                </a:solidFill>
+              </a:rPr>
+              <a:t>JSON</a:t>
+            </a:r>
+          </a:p>
+        </p:txBody>
+      </p:sp>
+      <p:pic>
+        <p:nvPicPr>
+          <p:cNvPr id="43" name="Graphic 42" descr="Checkbox Ticked with solid fill">
+            <a:extLst>
+              <a:ext uri="{FF2B5EF4-FFF2-40B4-BE49-F238E27FC236}">
+                <a16:creationId xmlns:a16="http://schemas.microsoft.com/office/drawing/2014/main" id="{960A8085-DB10-8215-C62B-D401BC88125A}"/>
+              </a:ext>
+            </a:extLst>
+          </p:cNvPr>
+          <p:cNvPicPr>
+            <a:picLocks noChangeAspect="1"/>
+          </p:cNvPicPr>
+          <p:nvPr/>
+        </p:nvPicPr>
+        <p:blipFill>
+          <a:blip r:embed="rId2">
+            <a:extLst>
+              <a:ext uri="{96DAC541-7B7A-43D3-8B79-37D633B846F1}">
+                <asvg:svgBlip xmlns:asvg="http://schemas.microsoft.com/office/drawing/2016/SVG/main" r:embed="rId3"/>
+              </a:ext>
+            </a:extLst>
+          </a:blip>
+          <a:stretch>
+            <a:fillRect/>
+          </a:stretch>
+        </p:blipFill>
+        <p:spPr>
+          <a:xfrm>
+            <a:off x="3013044" y="5500276"/>
+            <a:ext cx="780948" cy="780948"/>
+          </a:xfrm>
+          <a:prstGeom prst="rect">
+            <a:avLst/>
+          </a:prstGeom>
+        </p:spPr>
+      </p:pic>
+      <p:sp>
+        <p:nvSpPr>
+          <p:cNvPr id="9" name="TextBox 8">
+            <a:extLst>
+              <a:ext uri="{FF2B5EF4-FFF2-40B4-BE49-F238E27FC236}">
+                <a16:creationId xmlns:a16="http://schemas.microsoft.com/office/drawing/2014/main" id="{E9ADE9DC-47EF-B73A-DC38-5239CBA18E43}"/>
+              </a:ext>
+            </a:extLst>
+          </p:cNvPr>
+          <p:cNvSpPr txBox="1"/>
+          <p:nvPr/>
+        </p:nvSpPr>
+        <p:spPr>
+          <a:xfrm>
+            <a:off x="10518705" y="3102866"/>
+            <a:ext cx="2010937" cy="1077218"/>
+          </a:xfrm>
+          <a:prstGeom prst="rect">
+            <a:avLst/>
+          </a:prstGeom>
+          <a:noFill/>
+        </p:spPr>
+        <p:txBody>
+          <a:bodyPr wrap="square" rtlCol="0">
+            <a:spAutoFit/>
+          </a:bodyPr>
+          <a:lstStyle/>
+          <a:p>
+            <a:r>
+              <a:rPr lang="en-US" sz="1600" b="1" dirty="0"/>
+              <a:t>Collections:</a:t>
+            </a:r>
+          </a:p>
+          <a:p>
+            <a:pPr marL="285750" indent="-285750">
+              <a:buFont typeface="Arial" panose="020B0604020202020204" pitchFamily="34" charset="0"/>
+              <a:buChar char="•"/>
+            </a:pPr>
+            <a:r>
+              <a:rPr lang="en-US" sz="1600" b="1" dirty="0"/>
+              <a:t>Surgeries</a:t>
+            </a:r>
+          </a:p>
+          <a:p>
+            <a:pPr marL="285750" indent="-285750">
+              <a:buFont typeface="Arial" panose="020B0604020202020204" pitchFamily="34" charset="0"/>
+              <a:buChar char="•"/>
+            </a:pPr>
+            <a:r>
+              <a:rPr lang="en-US" sz="1600" b="1" dirty="0"/>
+              <a:t>Pharmacies</a:t>
+            </a:r>
+          </a:p>
+          <a:p>
+            <a:pPr marL="285750" indent="-285750">
+              <a:buFont typeface="Arial" panose="020B0604020202020204" pitchFamily="34" charset="0"/>
+              <a:buChar char="•"/>
+            </a:pPr>
+            <a:r>
+              <a:rPr lang="en-US" sz="1600" b="1" dirty="0"/>
+              <a:t>Prescriptions</a:t>
+            </a:r>
+          </a:p>
+        </p:txBody>
+      </p:sp>
+      <p:pic>
+        <p:nvPicPr>
+          <p:cNvPr id="14" name="Picture 13" descr="Logo&#10;&#10;Description automatically generated">
+            <a:extLst>
+              <a:ext uri="{FF2B5EF4-FFF2-40B4-BE49-F238E27FC236}">
+                <a16:creationId xmlns:a16="http://schemas.microsoft.com/office/drawing/2014/main" id="{FDED939B-1C1C-0907-0148-EB03C0D60C4D}"/>
+              </a:ext>
+            </a:extLst>
+          </p:cNvPr>
+          <p:cNvPicPr>
+            <a:picLocks noChangeAspect="1"/>
+          </p:cNvPicPr>
+          <p:nvPr/>
+        </p:nvPicPr>
+        <p:blipFill>
+          <a:blip r:embed="rId4"/>
+          <a:stretch>
+            <a:fillRect/>
+          </a:stretch>
+        </p:blipFill>
+        <p:spPr>
+          <a:xfrm>
+            <a:off x="51399" y="170380"/>
+            <a:ext cx="3937000" cy="762000"/>
+          </a:xfrm>
+          <a:prstGeom prst="rect">
+            <a:avLst/>
+          </a:prstGeom>
+        </p:spPr>
+      </p:pic>
+    </p:spTree>
+    <p:extLst>
+      <p:ext uri="{BB962C8B-B14F-4D97-AF65-F5344CB8AC3E}">
+        <p14:creationId xmlns:p14="http://schemas.microsoft.com/office/powerpoint/2010/main" val="1052142079"/>
       </p:ext>
     </p:extLst>
   </p:cSld>
